--- a/slides/0_intro.pptx
+++ b/slides/0_intro.pptx
@@ -5,20 +5,22 @@
     <p:sldMasterId id="2147483648" r:id="rId1"/>
   </p:sldMasterIdLst>
   <p:notesMasterIdLst>
-    <p:notesMasterId r:id="rId13"/>
+    <p:notesMasterId r:id="rId15"/>
   </p:notesMasterIdLst>
   <p:sldIdLst>
     <p:sldId id="256" r:id="rId2"/>
     <p:sldId id="276" r:id="rId3"/>
     <p:sldId id="279" r:id="rId4"/>
     <p:sldId id="280" r:id="rId5"/>
-    <p:sldId id="281" r:id="rId6"/>
-    <p:sldId id="282" r:id="rId7"/>
-    <p:sldId id="259" r:id="rId8"/>
-    <p:sldId id="283" r:id="rId9"/>
-    <p:sldId id="278" r:id="rId10"/>
-    <p:sldId id="284" r:id="rId11"/>
-    <p:sldId id="265" r:id="rId12"/>
+    <p:sldId id="286" r:id="rId6"/>
+    <p:sldId id="285" r:id="rId7"/>
+    <p:sldId id="281" r:id="rId8"/>
+    <p:sldId id="282" r:id="rId9"/>
+    <p:sldId id="259" r:id="rId10"/>
+    <p:sldId id="283" r:id="rId11"/>
+    <p:sldId id="278" r:id="rId12"/>
+    <p:sldId id="284" r:id="rId13"/>
+    <p:sldId id="265" r:id="rId14"/>
   </p:sldIdLst>
   <p:sldSz cx="12192000" cy="6858000"/>
   <p:notesSz cx="6858000" cy="9144000"/>
@@ -489,7 +491,7 @@
           <a:p>
             <a:fld id="{506E0FD1-891F-4B1E-916D-E9B585160BB8}" type="datetimeFigureOut">
               <a:rPr lang="en-GB" smtClean="0"/>
-              <a:t>24/01/2026</a:t>
+              <a:t>28/01/2026</a:t>
             </a:fld>
             <a:endParaRPr lang="en-GB"/>
           </a:p>
@@ -906,7 +908,7 @@
           <a:p>
             <a:fld id="{D68C3F22-27B2-44E3-9C5F-D08126455F6F}" type="datetime1">
               <a:rPr lang="en-GB" smtClean="0"/>
-              <a:t>24/01/2026</a:t>
+              <a:t>28/01/2026</a:t>
             </a:fld>
             <a:endParaRPr lang="en-GB"/>
           </a:p>
@@ -1106,7 +1108,7 @@
           <a:p>
             <a:fld id="{1CD03846-7BF6-4FB6-A921-FF3379ADBD4C}" type="datetime1">
               <a:rPr lang="en-GB" smtClean="0"/>
-              <a:t>24/01/2026</a:t>
+              <a:t>28/01/2026</a:t>
             </a:fld>
             <a:endParaRPr lang="en-GB"/>
           </a:p>
@@ -1316,7 +1318,7 @@
           <a:p>
             <a:fld id="{99E1B91A-3FD0-4144-9C84-63E9688ED2FE}" type="datetime1">
               <a:rPr lang="en-GB" smtClean="0"/>
-              <a:t>24/01/2026</a:t>
+              <a:t>28/01/2026</a:t>
             </a:fld>
             <a:endParaRPr lang="en-GB"/>
           </a:p>
@@ -1516,7 +1518,7 @@
           <a:p>
             <a:fld id="{5295ED7B-FEAD-4734-819F-93EF4B0EA908}" type="datetime1">
               <a:rPr lang="en-GB" smtClean="0"/>
-              <a:t>24/01/2026</a:t>
+              <a:t>28/01/2026</a:t>
             </a:fld>
             <a:endParaRPr lang="en-GB"/>
           </a:p>
@@ -1792,7 +1794,7 @@
           <a:p>
             <a:fld id="{D2D5D4B4-C926-4B45-8815-1ED8911179A2}" type="datetime1">
               <a:rPr lang="en-GB" smtClean="0"/>
-              <a:t>24/01/2026</a:t>
+              <a:t>28/01/2026</a:t>
             </a:fld>
             <a:endParaRPr lang="en-GB"/>
           </a:p>
@@ -2060,7 +2062,7 @@
           <a:p>
             <a:fld id="{B4C5210A-0E37-4935-93AF-69F21A5F712F}" type="datetime1">
               <a:rPr lang="en-GB" smtClean="0"/>
-              <a:t>24/01/2026</a:t>
+              <a:t>28/01/2026</a:t>
             </a:fld>
             <a:endParaRPr lang="en-GB"/>
           </a:p>
@@ -2475,7 +2477,7 @@
           <a:p>
             <a:fld id="{3D3A6B2F-436C-4691-80E8-9C890E000E9D}" type="datetime1">
               <a:rPr lang="en-GB" smtClean="0"/>
-              <a:t>24/01/2026</a:t>
+              <a:t>28/01/2026</a:t>
             </a:fld>
             <a:endParaRPr lang="en-GB"/>
           </a:p>
@@ -2617,7 +2619,7 @@
           <a:p>
             <a:fld id="{84385F4C-D74B-496F-8D21-97E3549C783B}" type="datetime1">
               <a:rPr lang="en-GB" smtClean="0"/>
-              <a:t>24/01/2026</a:t>
+              <a:t>28/01/2026</a:t>
             </a:fld>
             <a:endParaRPr lang="en-GB"/>
           </a:p>
@@ -2730,7 +2732,7 @@
           <a:p>
             <a:fld id="{0CBDCB32-C241-4703-A832-4EB47BD54E83}" type="datetime1">
               <a:rPr lang="en-GB" smtClean="0"/>
-              <a:t>24/01/2026</a:t>
+              <a:t>28/01/2026</a:t>
             </a:fld>
             <a:endParaRPr lang="en-GB"/>
           </a:p>
@@ -3043,7 +3045,7 @@
           <a:p>
             <a:fld id="{85C150FF-BE95-4D25-A16A-E368A81CBF24}" type="datetime1">
               <a:rPr lang="en-GB" smtClean="0"/>
-              <a:t>24/01/2026</a:t>
+              <a:t>28/01/2026</a:t>
             </a:fld>
             <a:endParaRPr lang="en-GB"/>
           </a:p>
@@ -3332,7 +3334,7 @@
           <a:p>
             <a:fld id="{F3C5DB4B-B349-43C9-A424-BADA723AD9F1}" type="datetime1">
               <a:rPr lang="en-GB" smtClean="0"/>
-              <a:t>24/01/2026</a:t>
+              <a:t>28/01/2026</a:t>
             </a:fld>
             <a:endParaRPr lang="en-GB"/>
           </a:p>
@@ -3575,7 +3577,7 @@
           <a:p>
             <a:fld id="{12632426-0A0C-405F-A3D0-2D11AA44702A}" type="datetime1">
               <a:rPr lang="en-GB" smtClean="0"/>
-              <a:t>24/01/2026</a:t>
+              <a:t>28/01/2026</a:t>
             </a:fld>
             <a:endParaRPr lang="en-GB"/>
           </a:p>
@@ -4084,7 +4086,7 @@
           <p:cNvPr id="2" name="Titel 1">
             <a:extLst>
               <a:ext uri="{FF2B5EF4-FFF2-40B4-BE49-F238E27FC236}">
-                <a16:creationId xmlns:a16="http://schemas.microsoft.com/office/drawing/2014/main" id="{9D86B17B-886E-71F1-045C-1A8F4167464E}"/>
+                <a16:creationId xmlns:a16="http://schemas.microsoft.com/office/drawing/2014/main" id="{DEBAD325-45D4-6586-A523-3DE94A71972A}"/>
               </a:ext>
             </a:extLst>
           </p:cNvPr>
@@ -4101,16 +4103,12 @@
           <a:lstStyle/>
           <a:p>
             <a:r>
-              <a:rPr lang="de-DE" dirty="0"/>
-              <a:t>Course </a:t>
-            </a:r>
-            <a:r>
-              <a:rPr lang="de-DE" dirty="0" err="1"/>
-              <a:t>Structure</a:t>
-            </a:r>
-            <a:r>
-              <a:rPr lang="de-DE" dirty="0"/>
-              <a:t> and Goals</a:t>
+              <a:rPr lang="de-DE" dirty="0" err="1"/>
+              <a:t>Typical</a:t>
+            </a:r>
+            <a:r>
+              <a:rPr lang="de-DE" dirty="0"/>
+              <a:t> Control Engineering Workflow</a:t>
             </a:r>
           </a:p>
         </p:txBody>
@@ -4120,7 +4118,7 @@
           <p:cNvPr id="3" name="Inhaltsplatzhalter 2">
             <a:extLst>
               <a:ext uri="{FF2B5EF4-FFF2-40B4-BE49-F238E27FC236}">
-                <a16:creationId xmlns:a16="http://schemas.microsoft.com/office/drawing/2014/main" id="{AF52CE77-34C9-F112-5986-F8A45BF0D49F}"/>
+                <a16:creationId xmlns:a16="http://schemas.microsoft.com/office/drawing/2014/main" id="{971BEE14-FC3B-78F5-006B-79ECB9B9D29C}"/>
               </a:ext>
             </a:extLst>
           </p:cNvPr>
@@ -4133,7 +4131,9 @@
         </p:nvSpPr>
         <p:spPr/>
         <p:txBody>
-          <a:bodyPr/>
+          <a:bodyPr>
+            <a:normAutofit lnSpcReduction="10000"/>
+          </a:bodyPr>
           <a:lstStyle/>
           <a:p>
             <a:r>
@@ -4146,7 +4146,7 @@
             </a:r>
             <a:r>
               <a:rPr lang="de-DE" dirty="0" err="1"/>
-              <a:t>core</a:t>
+              <a:t>the</a:t>
             </a:r>
             <a:r>
               <a:rPr lang="de-DE" dirty="0"/>
@@ -4154,7 +4154,7 @@
             </a:r>
             <a:r>
               <a:rPr lang="de-DE" dirty="0" err="1"/>
-              <a:t>control</a:t>
+              <a:t>physical</a:t>
             </a:r>
             <a:r>
               <a:rPr lang="de-DE" dirty="0"/>
@@ -4162,18 +4162,28 @@
             </a:r>
             <a:r>
               <a:rPr lang="de-DE" dirty="0" err="1"/>
-              <a:t>concepts</a:t>
+              <a:t>system</a:t>
             </a:r>
             <a:endParaRPr lang="de-DE" dirty="0"/>
           </a:p>
           <a:p>
-            <a:r>
-              <a:rPr lang="de-DE" dirty="0"/>
-              <a:t>Analyze </a:t>
-            </a:r>
-            <a:r>
-              <a:rPr lang="de-DE" dirty="0" err="1"/>
-              <a:t>system</a:t>
+            <a:pPr marL="0" indent="0">
+              <a:buNone/>
+            </a:pPr>
+            <a:endParaRPr lang="de-DE" dirty="0"/>
+          </a:p>
+          <a:p>
+            <a:r>
+              <a:rPr lang="de-DE" dirty="0" err="1"/>
+              <a:t>Build</a:t>
+            </a:r>
+            <a:r>
+              <a:rPr lang="de-DE" dirty="0"/>
+              <a:t> a </a:t>
+            </a:r>
+            <a:r>
+              <a:rPr lang="de-DE" dirty="0" err="1"/>
+              <a:t>mathematical</a:t>
             </a:r>
             <a:r>
               <a:rPr lang="de-DE" dirty="0"/>
@@ -4181,37 +4191,37 @@
             </a:r>
             <a:r>
               <a:rPr lang="de-DE" dirty="0" err="1"/>
-              <a:t>behavior</a:t>
+              <a:t>model</a:t>
             </a:r>
             <a:endParaRPr lang="de-DE" dirty="0"/>
           </a:p>
           <a:p>
-            <a:r>
-              <a:rPr lang="de-DE" dirty="0"/>
-              <a:t>Design </a:t>
-            </a:r>
-            <a:r>
-              <a:rPr lang="de-DE" dirty="0" err="1"/>
-              <a:t>classical</a:t>
-            </a:r>
-            <a:r>
-              <a:rPr lang="de-DE" dirty="0"/>
-              <a:t> and modern </a:t>
-            </a:r>
-            <a:r>
-              <a:rPr lang="de-DE" dirty="0" err="1"/>
-              <a:t>controllers</a:t>
-            </a:r>
+            <a:pPr marL="0" indent="0">
+              <a:buNone/>
+            </a:pPr>
             <a:endParaRPr lang="de-DE" dirty="0"/>
           </a:p>
           <a:p>
             <a:r>
               <a:rPr lang="de-DE" dirty="0"/>
-              <a:t>Bridge </a:t>
-            </a:r>
-            <a:r>
-              <a:rPr lang="de-DE" dirty="0" err="1"/>
-              <a:t>theory</a:t>
+              <a:t>Design a </a:t>
+            </a:r>
+            <a:r>
+              <a:rPr lang="de-DE" dirty="0" err="1"/>
+              <a:t>controller</a:t>
+            </a:r>
+            <a:endParaRPr lang="de-DE" dirty="0"/>
+          </a:p>
+          <a:p>
+            <a:pPr marL="0" indent="0">
+              <a:buNone/>
+            </a:pPr>
+            <a:endParaRPr lang="de-DE" dirty="0"/>
+          </a:p>
+          <a:p>
+            <a:r>
+              <a:rPr lang="de-DE" dirty="0" err="1"/>
+              <a:t>Simulate</a:t>
             </a:r>
             <a:r>
               <a:rPr lang="de-DE" dirty="0"/>
@@ -4219,10 +4229,35 @@
             </a:r>
             <a:r>
               <a:rPr lang="de-DE" dirty="0" err="1"/>
-              <a:t>implementation</a:t>
+              <a:t>analyze</a:t>
+            </a:r>
+            <a:r>
+              <a:rPr lang="de-DE" dirty="0"/>
+              <a:t> </a:t>
+            </a:r>
+            <a:r>
+              <a:rPr lang="de-DE" dirty="0" err="1"/>
+              <a:t>performance</a:t>
             </a:r>
             <a:endParaRPr lang="de-DE" dirty="0"/>
           </a:p>
+          <a:p>
+            <a:pPr marL="0" indent="0">
+              <a:buNone/>
+            </a:pPr>
+            <a:endParaRPr lang="de-DE" dirty="0"/>
+          </a:p>
+          <a:p>
+            <a:r>
+              <a:rPr lang="de-DE" dirty="0"/>
+              <a:t>Implement and </a:t>
+            </a:r>
+            <a:r>
+              <a:rPr lang="de-DE" dirty="0" err="1"/>
+              <a:t>test</a:t>
+            </a:r>
+            <a:endParaRPr lang="de-DE" dirty="0"/>
+          </a:p>
         </p:txBody>
       </p:sp>
       <p:sp>
@@ -4230,7 +4265,7 @@
           <p:cNvPr id="4" name="Foliennummernplatzhalter 3">
             <a:extLst>
               <a:ext uri="{FF2B5EF4-FFF2-40B4-BE49-F238E27FC236}">
-                <a16:creationId xmlns:a16="http://schemas.microsoft.com/office/drawing/2014/main" id="{1509B56B-083E-6FB0-C2E8-1775C36DD5F9}"/>
+                <a16:creationId xmlns:a16="http://schemas.microsoft.com/office/drawing/2014/main" id="{B715D189-2B0D-6B32-3F39-4AAB58321F79}"/>
               </a:ext>
             </a:extLst>
           </p:cNvPr>
@@ -4257,7 +4292,7 @@
     </p:spTree>
     <p:extLst>
       <p:ext uri="{BB962C8B-B14F-4D97-AF65-F5344CB8AC3E}">
-        <p14:creationId xmlns:p14="http://schemas.microsoft.com/office/powerpoint/2010/main" val="1147194666"/>
+        <p14:creationId xmlns:p14="http://schemas.microsoft.com/office/powerpoint/2010/main" val="2665937130"/>
       </p:ext>
     </p:extLst>
   </p:cSld>
@@ -4286,6 +4321,631 @@
       </p:grpSpPr>
       <p:sp>
         <p:nvSpPr>
+          <p:cNvPr id="6" name="Titel 5">
+            <a:extLst>
+              <a:ext uri="{FF2B5EF4-FFF2-40B4-BE49-F238E27FC236}">
+                <a16:creationId xmlns:a16="http://schemas.microsoft.com/office/drawing/2014/main" id="{3135310B-9F15-7386-2DEF-6280289B0301}"/>
+              </a:ext>
+            </a:extLst>
+          </p:cNvPr>
+          <p:cNvSpPr>
+            <a:spLocks noGrp="1"/>
+          </p:cNvSpPr>
+          <p:nvPr>
+            <p:ph type="title"/>
+          </p:nvPr>
+        </p:nvSpPr>
+        <p:spPr/>
+        <p:txBody>
+          <a:bodyPr/>
+          <a:lstStyle/>
+          <a:p>
+            <a:r>
+              <a:rPr lang="de-DE" dirty="0"/>
+              <a:t>Software Tools </a:t>
+            </a:r>
+            <a:r>
+              <a:rPr lang="de-DE" dirty="0" err="1"/>
+              <a:t>for</a:t>
+            </a:r>
+            <a:r>
+              <a:rPr lang="de-DE" dirty="0"/>
+              <a:t> This Course</a:t>
+            </a:r>
+          </a:p>
+        </p:txBody>
+      </p:sp>
+      <p:sp>
+        <p:nvSpPr>
+          <p:cNvPr id="7" name="Inhaltsplatzhalter 6">
+            <a:extLst>
+              <a:ext uri="{FF2B5EF4-FFF2-40B4-BE49-F238E27FC236}">
+                <a16:creationId xmlns:a16="http://schemas.microsoft.com/office/drawing/2014/main" id="{0676C7C6-1A78-E5A4-E683-89B4C7906908}"/>
+              </a:ext>
+            </a:extLst>
+          </p:cNvPr>
+          <p:cNvSpPr>
+            <a:spLocks noGrp="1"/>
+          </p:cNvSpPr>
+          <p:nvPr>
+            <p:ph idx="1"/>
+          </p:nvPr>
+        </p:nvSpPr>
+        <p:spPr/>
+        <p:txBody>
+          <a:bodyPr/>
+          <a:lstStyle/>
+          <a:p>
+            <a:pPr marL="0" indent="0">
+              <a:buNone/>
+            </a:pPr>
+            <a:r>
+              <a:rPr lang="de-DE" dirty="0"/>
+              <a:t>Python </a:t>
+            </a:r>
+            <a:r>
+              <a:rPr lang="de-DE" dirty="0" err="1"/>
+              <a:t>ecosystem</a:t>
+            </a:r>
+            <a:r>
+              <a:rPr lang="de-DE" dirty="0"/>
+              <a:t>:</a:t>
+            </a:r>
+          </a:p>
+          <a:p>
+            <a:pPr lvl="1"/>
+            <a:r>
+              <a:rPr lang="de-DE" sz="2600" dirty="0" err="1"/>
+              <a:t>numpy</a:t>
+            </a:r>
+            <a:r>
+              <a:rPr lang="de-DE" sz="2600" dirty="0"/>
+              <a:t>, </a:t>
+            </a:r>
+            <a:r>
+              <a:rPr lang="de-DE" sz="2600" dirty="0" err="1"/>
+              <a:t>scipy</a:t>
+            </a:r>
+            <a:endParaRPr lang="de-DE" sz="2600" dirty="0"/>
+          </a:p>
+          <a:p>
+            <a:pPr lvl="1"/>
+            <a:r>
+              <a:rPr lang="de-DE" sz="2600" dirty="0" err="1"/>
+              <a:t>matplotlib</a:t>
+            </a:r>
+            <a:endParaRPr lang="de-DE" sz="2600" dirty="0"/>
+          </a:p>
+          <a:p>
+            <a:pPr lvl="1"/>
+            <a:r>
+              <a:rPr lang="de-DE" sz="2600" dirty="0" err="1"/>
+              <a:t>python-control</a:t>
+            </a:r>
+            <a:endParaRPr lang="de-DE" sz="2600" dirty="0"/>
+          </a:p>
+          <a:p>
+            <a:pPr marL="0" indent="0">
+              <a:buNone/>
+            </a:pPr>
+            <a:endParaRPr lang="de-DE" dirty="0"/>
+          </a:p>
+          <a:p>
+            <a:pPr marL="0" indent="0">
+              <a:buNone/>
+            </a:pPr>
+            <a:endParaRPr lang="de-DE" dirty="0"/>
+          </a:p>
+          <a:p>
+            <a:pPr marL="0" indent="0">
+              <a:buNone/>
+            </a:pPr>
+            <a:endParaRPr lang="de-DE" dirty="0"/>
+          </a:p>
+          <a:p>
+            <a:pPr marL="0" indent="0">
+              <a:buNone/>
+            </a:pPr>
+            <a:r>
+              <a:rPr lang="de-DE" dirty="0"/>
+              <a:t>Advantages: open-source, </a:t>
+            </a:r>
+            <a:r>
+              <a:rPr lang="de-DE" dirty="0" err="1"/>
+              <a:t>reproducible</a:t>
+            </a:r>
+            <a:r>
+              <a:rPr lang="de-DE" dirty="0"/>
+              <a:t>, </a:t>
+            </a:r>
+            <a:r>
+              <a:rPr lang="de-DE" dirty="0" err="1"/>
+              <a:t>widely</a:t>
+            </a:r>
+            <a:r>
+              <a:rPr lang="de-DE" dirty="0"/>
+              <a:t> </a:t>
+            </a:r>
+            <a:r>
+              <a:rPr lang="de-DE" dirty="0" err="1"/>
+              <a:t>used</a:t>
+            </a:r>
+            <a:endParaRPr lang="de-DE" dirty="0"/>
+          </a:p>
+        </p:txBody>
+      </p:sp>
+      <p:sp>
+        <p:nvSpPr>
+          <p:cNvPr id="5" name="Foliennummernplatzhalter 4">
+            <a:extLst>
+              <a:ext uri="{FF2B5EF4-FFF2-40B4-BE49-F238E27FC236}">
+                <a16:creationId xmlns:a16="http://schemas.microsoft.com/office/drawing/2014/main" id="{313491D7-C432-6B3E-E374-5B0305EED3C9}"/>
+              </a:ext>
+            </a:extLst>
+          </p:cNvPr>
+          <p:cNvSpPr>
+            <a:spLocks noGrp="1"/>
+          </p:cNvSpPr>
+          <p:nvPr>
+            <p:ph type="sldNum" sz="quarter" idx="12"/>
+          </p:nvPr>
+        </p:nvSpPr>
+        <p:spPr/>
+        <p:txBody>
+          <a:bodyPr/>
+          <a:lstStyle/>
+          <a:p>
+            <a:fld id="{08C366F5-AFAD-49CB-854A-9D9E238FCA13}" type="slidenum">
+              <a:rPr lang="en-GB" smtClean="0"/>
+              <a:t>11</a:t>
+            </a:fld>
+            <a:endParaRPr lang="en-GB"/>
+          </a:p>
+        </p:txBody>
+      </p:sp>
+      <p:pic>
+        <p:nvPicPr>
+          <p:cNvPr id="2" name="Picture 4" descr="undefined">
+            <a:extLst>
+              <a:ext uri="{FF2B5EF4-FFF2-40B4-BE49-F238E27FC236}">
+                <a16:creationId xmlns:a16="http://schemas.microsoft.com/office/drawing/2014/main" id="{0E103420-7227-A482-8F3B-38A37FFC648B}"/>
+              </a:ext>
+            </a:extLst>
+          </p:cNvPr>
+          <p:cNvPicPr>
+            <a:picLocks noChangeAspect="1" noChangeArrowheads="1"/>
+          </p:cNvPicPr>
+          <p:nvPr/>
+        </p:nvPicPr>
+        <p:blipFill>
+          <a:blip r:embed="rId2">
+            <a:extLst>
+              <a:ext uri="{28A0092B-C50C-407E-A947-70E740481C1C}">
+                <a14:useLocalDpi xmlns:a14="http://schemas.microsoft.com/office/drawing/2010/main" val="0"/>
+              </a:ext>
+            </a:extLst>
+          </a:blip>
+          <a:srcRect/>
+          <a:stretch>
+            <a:fillRect/>
+          </a:stretch>
+        </p:blipFill>
+        <p:spPr bwMode="auto">
+          <a:xfrm>
+            <a:off x="7356151" y="2221710"/>
+            <a:ext cx="2270330" cy="1021649"/>
+          </a:xfrm>
+          <a:prstGeom prst="rect">
+            <a:avLst/>
+          </a:prstGeom>
+          <a:noFill/>
+          <a:extLst>
+            <a:ext uri="{909E8E84-426E-40DD-AFC4-6F175D3DCCD1}">
+              <a14:hiddenFill xmlns:a14="http://schemas.microsoft.com/office/drawing/2010/main">
+                <a:solidFill>
+                  <a:srgbClr val="FFFFFF"/>
+                </a:solidFill>
+              </a14:hiddenFill>
+            </a:ext>
+          </a:extLst>
+        </p:spPr>
+      </p:pic>
+      <p:pic>
+        <p:nvPicPr>
+          <p:cNvPr id="3" name="Picture 6" descr="undefined">
+            <a:extLst>
+              <a:ext uri="{FF2B5EF4-FFF2-40B4-BE49-F238E27FC236}">
+                <a16:creationId xmlns:a16="http://schemas.microsoft.com/office/drawing/2014/main" id="{B68F3007-8B4C-6918-C411-C666C44720B6}"/>
+              </a:ext>
+            </a:extLst>
+          </p:cNvPr>
+          <p:cNvPicPr>
+            <a:picLocks noChangeAspect="1" noChangeArrowheads="1"/>
+          </p:cNvPicPr>
+          <p:nvPr/>
+        </p:nvPicPr>
+        <p:blipFill>
+          <a:blip r:embed="rId3">
+            <a:extLst>
+              <a:ext uri="{28A0092B-C50C-407E-A947-70E740481C1C}">
+                <a14:useLocalDpi xmlns:a14="http://schemas.microsoft.com/office/drawing/2010/main" val="0"/>
+              </a:ext>
+            </a:extLst>
+          </a:blip>
+          <a:srcRect/>
+          <a:stretch>
+            <a:fillRect/>
+          </a:stretch>
+        </p:blipFill>
+        <p:spPr bwMode="auto">
+          <a:xfrm>
+            <a:off x="5486421" y="3796409"/>
+            <a:ext cx="2815303" cy="516139"/>
+          </a:xfrm>
+          <a:prstGeom prst="rect">
+            <a:avLst/>
+          </a:prstGeom>
+          <a:noFill/>
+          <a:extLst>
+            <a:ext uri="{909E8E84-426E-40DD-AFC4-6F175D3DCCD1}">
+              <a14:hiddenFill xmlns:a14="http://schemas.microsoft.com/office/drawing/2010/main">
+                <a:solidFill>
+                  <a:srgbClr val="FFFFFF"/>
+                </a:solidFill>
+              </a14:hiddenFill>
+            </a:ext>
+          </a:extLst>
+        </p:spPr>
+      </p:pic>
+      <p:pic>
+        <p:nvPicPr>
+          <p:cNvPr id="4" name="Picture 10">
+            <a:extLst>
+              <a:ext uri="{FF2B5EF4-FFF2-40B4-BE49-F238E27FC236}">
+                <a16:creationId xmlns:a16="http://schemas.microsoft.com/office/drawing/2014/main" id="{A939F483-D105-E44F-8EBA-9FE8B5718949}"/>
+              </a:ext>
+            </a:extLst>
+          </p:cNvPr>
+          <p:cNvPicPr>
+            <a:picLocks noChangeAspect="1" noChangeArrowheads="1"/>
+          </p:cNvPicPr>
+          <p:nvPr/>
+        </p:nvPicPr>
+        <p:blipFill>
+          <a:blip r:embed="rId4">
+            <a:extLst>
+              <a:ext uri="{28A0092B-C50C-407E-A947-70E740481C1C}">
+                <a14:useLocalDpi xmlns:a14="http://schemas.microsoft.com/office/drawing/2010/main" val="0"/>
+              </a:ext>
+            </a:extLst>
+          </a:blip>
+          <a:srcRect/>
+          <a:stretch>
+            <a:fillRect/>
+          </a:stretch>
+        </p:blipFill>
+        <p:spPr bwMode="auto">
+          <a:xfrm>
+            <a:off x="10332151" y="2592992"/>
+            <a:ext cx="1021649" cy="1021649"/>
+          </a:xfrm>
+          <a:prstGeom prst="rect">
+            <a:avLst/>
+          </a:prstGeom>
+          <a:noFill/>
+          <a:extLst>
+            <a:ext uri="{909E8E84-426E-40DD-AFC4-6F175D3DCCD1}">
+              <a14:hiddenFill xmlns:a14="http://schemas.microsoft.com/office/drawing/2010/main">
+                <a:solidFill>
+                  <a:srgbClr val="FFFFFF"/>
+                </a:solidFill>
+              </a14:hiddenFill>
+            </a:ext>
+          </a:extLst>
+        </p:spPr>
+      </p:pic>
+      <p:pic>
+        <p:nvPicPr>
+          <p:cNvPr id="8" name="Picture 2" descr="undefined">
+            <a:extLst>
+              <a:ext uri="{FF2B5EF4-FFF2-40B4-BE49-F238E27FC236}">
+                <a16:creationId xmlns:a16="http://schemas.microsoft.com/office/drawing/2014/main" id="{B38DF660-F52A-A67C-4463-E13F3B7B8679}"/>
+              </a:ext>
+            </a:extLst>
+          </p:cNvPr>
+          <p:cNvPicPr>
+            <a:picLocks noChangeAspect="1" noChangeArrowheads="1"/>
+          </p:cNvPicPr>
+          <p:nvPr/>
+        </p:nvPicPr>
+        <p:blipFill>
+          <a:blip r:embed="rId5">
+            <a:extLst>
+              <a:ext uri="{28A0092B-C50C-407E-A947-70E740481C1C}">
+                <a14:useLocalDpi xmlns:a14="http://schemas.microsoft.com/office/drawing/2010/main" val="0"/>
+              </a:ext>
+            </a:extLst>
+          </a:blip>
+          <a:srcRect/>
+          <a:stretch>
+            <a:fillRect/>
+          </a:stretch>
+        </p:blipFill>
+        <p:spPr bwMode="auto">
+          <a:xfrm>
+            <a:off x="5330557" y="1871424"/>
+            <a:ext cx="1124843" cy="1232392"/>
+          </a:xfrm>
+          <a:prstGeom prst="rect">
+            <a:avLst/>
+          </a:prstGeom>
+          <a:noFill/>
+          <a:extLst>
+            <a:ext uri="{909E8E84-426E-40DD-AFC4-6F175D3DCCD1}">
+              <a14:hiddenFill xmlns:a14="http://schemas.microsoft.com/office/drawing/2010/main">
+                <a:solidFill>
+                  <a:srgbClr val="FFFFFF"/>
+                </a:solidFill>
+              </a14:hiddenFill>
+            </a:ext>
+          </a:extLst>
+        </p:spPr>
+      </p:pic>
+    </p:spTree>
+    <p:extLst>
+      <p:ext uri="{BB962C8B-B14F-4D97-AF65-F5344CB8AC3E}">
+        <p14:creationId xmlns:p14="http://schemas.microsoft.com/office/powerpoint/2010/main" val="1398304897"/>
+      </p:ext>
+    </p:extLst>
+  </p:cSld>
+  <p:clrMapOvr>
+    <a:masterClrMapping/>
+  </p:clrMapOvr>
+</p:sld>
+</file>
+
+<file path=ppt/slides/slide12.xml><?xml version="1.0" encoding="utf-8"?>
+<p:sld xmlns:a="http://schemas.openxmlformats.org/drawingml/2006/main" xmlns:r="http://schemas.openxmlformats.org/officeDocument/2006/relationships" xmlns:p="http://schemas.openxmlformats.org/presentationml/2006/main">
+  <p:cSld>
+    <p:spTree>
+      <p:nvGrpSpPr>
+        <p:cNvPr id="1" name=""/>
+        <p:cNvGrpSpPr/>
+        <p:nvPr/>
+      </p:nvGrpSpPr>
+      <p:grpSpPr>
+        <a:xfrm>
+          <a:off x="0" y="0"/>
+          <a:ext cx="0" cy="0"/>
+          <a:chOff x="0" y="0"/>
+          <a:chExt cx="0" cy="0"/>
+        </a:xfrm>
+      </p:grpSpPr>
+      <p:sp>
+        <p:nvSpPr>
+          <p:cNvPr id="2" name="Titel 1">
+            <a:extLst>
+              <a:ext uri="{FF2B5EF4-FFF2-40B4-BE49-F238E27FC236}">
+                <a16:creationId xmlns:a16="http://schemas.microsoft.com/office/drawing/2014/main" id="{9D86B17B-886E-71F1-045C-1A8F4167464E}"/>
+              </a:ext>
+            </a:extLst>
+          </p:cNvPr>
+          <p:cNvSpPr>
+            <a:spLocks noGrp="1"/>
+          </p:cNvSpPr>
+          <p:nvPr>
+            <p:ph type="title"/>
+          </p:nvPr>
+        </p:nvSpPr>
+        <p:spPr/>
+        <p:txBody>
+          <a:bodyPr/>
+          <a:lstStyle/>
+          <a:p>
+            <a:r>
+              <a:rPr lang="de-DE" dirty="0"/>
+              <a:t>Course </a:t>
+            </a:r>
+            <a:r>
+              <a:rPr lang="de-DE" dirty="0" err="1"/>
+              <a:t>Structure</a:t>
+            </a:r>
+            <a:r>
+              <a:rPr lang="de-DE" dirty="0"/>
+              <a:t> and Goals</a:t>
+            </a:r>
+          </a:p>
+        </p:txBody>
+      </p:sp>
+      <p:sp>
+        <p:nvSpPr>
+          <p:cNvPr id="3" name="Inhaltsplatzhalter 2">
+            <a:extLst>
+              <a:ext uri="{FF2B5EF4-FFF2-40B4-BE49-F238E27FC236}">
+                <a16:creationId xmlns:a16="http://schemas.microsoft.com/office/drawing/2014/main" id="{AF52CE77-34C9-F112-5986-F8A45BF0D49F}"/>
+              </a:ext>
+            </a:extLst>
+          </p:cNvPr>
+          <p:cNvSpPr>
+            <a:spLocks noGrp="1"/>
+          </p:cNvSpPr>
+          <p:nvPr>
+            <p:ph idx="1"/>
+          </p:nvPr>
+        </p:nvSpPr>
+        <p:spPr/>
+        <p:txBody>
+          <a:bodyPr/>
+          <a:lstStyle/>
+          <a:p>
+            <a:r>
+              <a:rPr lang="de-DE" dirty="0" err="1"/>
+              <a:t>Understand</a:t>
+            </a:r>
+            <a:r>
+              <a:rPr lang="de-DE" dirty="0"/>
+              <a:t> </a:t>
+            </a:r>
+            <a:r>
+              <a:rPr lang="de-DE" dirty="0" err="1"/>
+              <a:t>core</a:t>
+            </a:r>
+            <a:r>
+              <a:rPr lang="de-DE" dirty="0"/>
+              <a:t> </a:t>
+            </a:r>
+            <a:r>
+              <a:rPr lang="de-DE" dirty="0" err="1"/>
+              <a:t>control</a:t>
+            </a:r>
+            <a:r>
+              <a:rPr lang="de-DE" dirty="0"/>
+              <a:t> </a:t>
+            </a:r>
+            <a:r>
+              <a:rPr lang="de-DE" dirty="0" err="1"/>
+              <a:t>concepts</a:t>
+            </a:r>
+            <a:endParaRPr lang="de-DE" dirty="0"/>
+          </a:p>
+          <a:p>
+            <a:pPr marL="0" indent="0">
+              <a:buNone/>
+            </a:pPr>
+            <a:endParaRPr lang="de-DE" dirty="0"/>
+          </a:p>
+          <a:p>
+            <a:r>
+              <a:rPr lang="de-DE" dirty="0"/>
+              <a:t>Analyze </a:t>
+            </a:r>
+            <a:r>
+              <a:rPr lang="de-DE" dirty="0" err="1"/>
+              <a:t>system</a:t>
+            </a:r>
+            <a:r>
+              <a:rPr lang="de-DE" dirty="0"/>
+              <a:t> </a:t>
+            </a:r>
+            <a:r>
+              <a:rPr lang="de-DE" dirty="0" err="1"/>
+              <a:t>behavior</a:t>
+            </a:r>
+            <a:endParaRPr lang="de-DE" dirty="0"/>
+          </a:p>
+          <a:p>
+            <a:pPr marL="0" indent="0">
+              <a:buNone/>
+            </a:pPr>
+            <a:endParaRPr lang="de-DE" dirty="0"/>
+          </a:p>
+          <a:p>
+            <a:r>
+              <a:rPr lang="de-DE" dirty="0"/>
+              <a:t>Design </a:t>
+            </a:r>
+            <a:r>
+              <a:rPr lang="de-DE" dirty="0" err="1"/>
+              <a:t>classical</a:t>
+            </a:r>
+            <a:r>
+              <a:rPr lang="de-DE" dirty="0"/>
+              <a:t> and modern </a:t>
+            </a:r>
+            <a:r>
+              <a:rPr lang="de-DE" dirty="0" err="1"/>
+              <a:t>controllers</a:t>
+            </a:r>
+            <a:endParaRPr lang="de-DE" dirty="0"/>
+          </a:p>
+          <a:p>
+            <a:pPr marL="0" indent="0">
+              <a:buNone/>
+            </a:pPr>
+            <a:endParaRPr lang="de-DE" dirty="0"/>
+          </a:p>
+          <a:p>
+            <a:r>
+              <a:rPr lang="de-DE" dirty="0"/>
+              <a:t>Bridge </a:t>
+            </a:r>
+            <a:r>
+              <a:rPr lang="de-DE" dirty="0" err="1"/>
+              <a:t>theory</a:t>
+            </a:r>
+            <a:r>
+              <a:rPr lang="de-DE" dirty="0"/>
+              <a:t> and </a:t>
+            </a:r>
+            <a:r>
+              <a:rPr lang="de-DE" dirty="0" err="1"/>
+              <a:t>implementation</a:t>
+            </a:r>
+            <a:endParaRPr lang="de-DE" dirty="0"/>
+          </a:p>
+        </p:txBody>
+      </p:sp>
+      <p:sp>
+        <p:nvSpPr>
+          <p:cNvPr id="4" name="Foliennummernplatzhalter 3">
+            <a:extLst>
+              <a:ext uri="{FF2B5EF4-FFF2-40B4-BE49-F238E27FC236}">
+                <a16:creationId xmlns:a16="http://schemas.microsoft.com/office/drawing/2014/main" id="{1509B56B-083E-6FB0-C2E8-1775C36DD5F9}"/>
+              </a:ext>
+            </a:extLst>
+          </p:cNvPr>
+          <p:cNvSpPr>
+            <a:spLocks noGrp="1"/>
+          </p:cNvSpPr>
+          <p:nvPr>
+            <p:ph type="sldNum" sz="quarter" idx="12"/>
+          </p:nvPr>
+        </p:nvSpPr>
+        <p:spPr/>
+        <p:txBody>
+          <a:bodyPr/>
+          <a:lstStyle/>
+          <a:p>
+            <a:fld id="{08C366F5-AFAD-49CB-854A-9D9E238FCA13}" type="slidenum">
+              <a:rPr lang="en-GB" smtClean="0"/>
+              <a:t>12</a:t>
+            </a:fld>
+            <a:endParaRPr lang="en-GB"/>
+          </a:p>
+        </p:txBody>
+      </p:sp>
+    </p:spTree>
+    <p:extLst>
+      <p:ext uri="{BB962C8B-B14F-4D97-AF65-F5344CB8AC3E}">
+        <p14:creationId xmlns:p14="http://schemas.microsoft.com/office/powerpoint/2010/main" val="1147194666"/>
+      </p:ext>
+    </p:extLst>
+  </p:cSld>
+  <p:clrMapOvr>
+    <a:masterClrMapping/>
+  </p:clrMapOvr>
+</p:sld>
+</file>
+
+<file path=ppt/slides/slide13.xml><?xml version="1.0" encoding="utf-8"?>
+<p:sld xmlns:a="http://schemas.openxmlformats.org/drawingml/2006/main" xmlns:r="http://schemas.openxmlformats.org/officeDocument/2006/relationships" xmlns:p="http://schemas.openxmlformats.org/presentationml/2006/main">
+  <p:cSld>
+    <p:spTree>
+      <p:nvGrpSpPr>
+        <p:cNvPr id="1" name=""/>
+        <p:cNvGrpSpPr/>
+        <p:nvPr/>
+      </p:nvGrpSpPr>
+      <p:grpSpPr>
+        <a:xfrm>
+          <a:off x="0" y="0"/>
+          <a:ext cx="0" cy="0"/>
+          <a:chOff x="0" y="0"/>
+          <a:chExt cx="0" cy="0"/>
+        </a:xfrm>
+      </p:grpSpPr>
+      <p:sp>
+        <p:nvSpPr>
           <p:cNvPr id="4" name="Title 3">
             <a:extLst>
               <a:ext uri="{FF2B5EF4-FFF2-40B4-BE49-F238E27FC236}">
@@ -4535,7 +5195,7 @@
           <a:p>
             <a:fld id="{08C366F5-AFAD-49CB-854A-9D9E238FCA13}" type="slidenum">
               <a:rPr lang="en-GB" smtClean="0"/>
-              <a:t>11</a:t>
+              <a:t>13</a:t>
             </a:fld>
             <a:endParaRPr lang="en-GB" dirty="0"/>
           </a:p>
@@ -4634,36 +5294,12 @@
           <a:lstStyle/>
           <a:p>
             <a:r>
-              <a:rPr lang="de-DE" dirty="0"/>
-              <a:t>Control </a:t>
-            </a:r>
-            <a:r>
-              <a:rPr lang="de-DE" dirty="0" err="1"/>
-              <a:t>engineering</a:t>
-            </a:r>
-            <a:r>
-              <a:rPr lang="de-DE" dirty="0"/>
-              <a:t> </a:t>
-            </a:r>
-            <a:r>
-              <a:rPr lang="de-DE" dirty="0" err="1"/>
-              <a:t>deals</a:t>
-            </a:r>
-            <a:r>
-              <a:rPr lang="de-DE" dirty="0"/>
-              <a:t> </a:t>
-            </a:r>
-            <a:r>
-              <a:rPr lang="de-DE" dirty="0" err="1"/>
-              <a:t>with</a:t>
-            </a:r>
-            <a:r>
-              <a:rPr lang="de-DE" dirty="0"/>
-              <a:t> </a:t>
+              <a:rPr lang="de-DE" b="1" dirty="0"/>
+              <a:t>Making </a:t>
             </a:r>
             <a:r>
               <a:rPr lang="de-DE" b="1" dirty="0" err="1"/>
-              <a:t>making</a:t>
+              <a:t>systems</a:t>
             </a:r>
             <a:r>
               <a:rPr lang="de-DE" b="1" dirty="0"/>
@@ -4671,7 +5307,7 @@
             </a:r>
             <a:r>
               <a:rPr lang="de-DE" b="1" dirty="0" err="1"/>
-              <a:t>systems</a:t>
+              <a:t>behave</a:t>
             </a:r>
             <a:r>
               <a:rPr lang="de-DE" b="1" dirty="0"/>
@@ -4679,7 +5315,7 @@
             </a:r>
             <a:r>
               <a:rPr lang="de-DE" b="1" dirty="0" err="1"/>
-              <a:t>behave</a:t>
+              <a:t>as</a:t>
             </a:r>
             <a:r>
               <a:rPr lang="de-DE" b="1" dirty="0"/>
@@ -4687,161 +5323,116 @@
             </a:r>
             <a:r>
               <a:rPr lang="de-DE" b="1" dirty="0" err="1"/>
-              <a:t>as</a:t>
-            </a:r>
-            <a:r>
-              <a:rPr lang="de-DE" b="1" dirty="0"/>
-              <a:t> </a:t>
-            </a:r>
-            <a:r>
-              <a:rPr lang="de-DE" b="1" dirty="0" err="1"/>
               <a:t>desired</a:t>
             </a:r>
             <a:endParaRPr lang="de-DE" dirty="0"/>
-          </a:p>
-          <a:p>
-            <a:r>
-              <a:rPr lang="de-DE" dirty="0" err="1"/>
-              <a:t>Objective</a:t>
-            </a:r>
-            <a:r>
-              <a:rPr lang="de-DE" dirty="0"/>
-              <a:t>: </a:t>
-            </a:r>
-            <a:r>
-              <a:rPr lang="de-DE" dirty="0" err="1"/>
-              <a:t>regulate</a:t>
-            </a:r>
-            <a:r>
-              <a:rPr lang="de-DE" dirty="0"/>
-              <a:t>, track, and </a:t>
-            </a:r>
-            <a:r>
-              <a:rPr lang="de-DE" dirty="0" err="1"/>
-              <a:t>stabilize</a:t>
-            </a:r>
-            <a:r>
-              <a:rPr lang="de-DE" dirty="0"/>
-              <a:t> </a:t>
-            </a:r>
-            <a:r>
-              <a:rPr lang="de-DE" dirty="0" err="1"/>
-              <a:t>dynamic</a:t>
-            </a:r>
-            <a:r>
-              <a:rPr lang="de-DE" dirty="0"/>
-              <a:t> </a:t>
-            </a:r>
-            <a:r>
-              <a:rPr lang="de-DE" dirty="0" err="1"/>
-              <a:t>systems</a:t>
-            </a:r>
-            <a:endParaRPr lang="de-DE" dirty="0"/>
-          </a:p>
-          <a:p>
-            <a:r>
-              <a:rPr lang="de-DE" dirty="0"/>
-              <a:t>Inputs → </a:t>
-            </a:r>
-            <a:r>
-              <a:rPr lang="de-DE" dirty="0" err="1"/>
-              <a:t>system</a:t>
-            </a:r>
-            <a:r>
-              <a:rPr lang="de-DE" dirty="0"/>
-              <a:t> → </a:t>
-            </a:r>
-            <a:r>
-              <a:rPr lang="de-DE" dirty="0" err="1"/>
-              <a:t>outputs</a:t>
-            </a:r>
-            <a:endParaRPr lang="de-DE" dirty="0"/>
-          </a:p>
-          <a:p>
-            <a:r>
-              <a:rPr lang="de-DE" dirty="0"/>
-              <a:t>Control </a:t>
-            </a:r>
-            <a:r>
-              <a:rPr lang="de-DE" dirty="0" err="1"/>
-              <a:t>is</a:t>
-            </a:r>
-            <a:r>
-              <a:rPr lang="de-DE" dirty="0"/>
-              <a:t> </a:t>
-            </a:r>
-            <a:r>
-              <a:rPr lang="de-DE" dirty="0" err="1"/>
-              <a:t>about</a:t>
-            </a:r>
-            <a:r>
-              <a:rPr lang="de-DE" dirty="0"/>
-              <a:t> </a:t>
-            </a:r>
-            <a:r>
-              <a:rPr lang="de-DE" b="1" dirty="0" err="1"/>
-              <a:t>decision-making</a:t>
-            </a:r>
-            <a:r>
-              <a:rPr lang="de-DE" b="1" dirty="0"/>
-              <a:t> </a:t>
-            </a:r>
-            <a:r>
-              <a:rPr lang="de-DE" b="1" dirty="0" err="1"/>
-              <a:t>over</a:t>
-            </a:r>
-            <a:r>
-              <a:rPr lang="de-DE" b="1" dirty="0"/>
-              <a:t> time</a:t>
-            </a:r>
           </a:p>
           <a:p>
             <a:pPr marL="0" indent="0">
               <a:buNone/>
             </a:pPr>
-            <a:endParaRPr lang="de-DE" b="1" dirty="0"/>
+            <a:endParaRPr lang="de-DE" dirty="0"/>
           </a:p>
           <a:p>
             <a:pPr marL="0" indent="0">
               <a:buNone/>
             </a:pPr>
+            <a:endParaRPr lang="de-DE" dirty="0"/>
+          </a:p>
+          <a:p>
+            <a:pPr marL="0" indent="0">
+              <a:buNone/>
+            </a:pPr>
+            <a:endParaRPr lang="de-DE" dirty="0"/>
+          </a:p>
+          <a:p>
+            <a:pPr marL="0" indent="0">
+              <a:buNone/>
+            </a:pPr>
+            <a:endParaRPr lang="de-DE" dirty="0"/>
+          </a:p>
+          <a:p>
+            <a:pPr marL="0" indent="0">
+              <a:buNone/>
+            </a:pPr>
+            <a:endParaRPr lang="de-DE" dirty="0"/>
+          </a:p>
+          <a:p>
+            <a:r>
+              <a:rPr lang="de-DE" dirty="0" err="1"/>
+              <a:t>Objective</a:t>
+            </a:r>
+            <a:r>
+              <a:rPr lang="de-DE" dirty="0"/>
+              <a:t>: </a:t>
+            </a:r>
+            <a:r>
+              <a:rPr lang="de-DE" dirty="0" err="1"/>
+              <a:t>regulate</a:t>
+            </a:r>
+            <a:r>
+              <a:rPr lang="de-DE" dirty="0"/>
+              <a:t>, track, and </a:t>
+            </a:r>
+            <a:r>
+              <a:rPr lang="de-DE" dirty="0" err="1"/>
+              <a:t>stabilize</a:t>
+            </a:r>
+            <a:r>
+              <a:rPr lang="de-DE" dirty="0"/>
+              <a:t> </a:t>
+            </a:r>
+            <a:r>
+              <a:rPr lang="de-DE" dirty="0" err="1"/>
+              <a:t>dynamic</a:t>
+            </a:r>
+            <a:r>
+              <a:rPr lang="de-DE" dirty="0"/>
+              <a:t> </a:t>
+            </a:r>
+            <a:r>
+              <a:rPr lang="de-DE" dirty="0" err="1"/>
+              <a:t>systems</a:t>
+            </a:r>
+            <a:endParaRPr lang="de-DE" dirty="0"/>
+          </a:p>
+          <a:p>
+            <a:r>
+              <a:rPr lang="de-DE" dirty="0"/>
+              <a:t>Control </a:t>
+            </a:r>
+            <a:r>
+              <a:rPr lang="de-DE" dirty="0" err="1"/>
+              <a:t>is</a:t>
+            </a:r>
+            <a:r>
+              <a:rPr lang="de-DE" dirty="0"/>
+              <a:t> </a:t>
+            </a:r>
+            <a:r>
+              <a:rPr lang="de-DE" dirty="0" err="1"/>
+              <a:t>about</a:t>
+            </a:r>
+            <a:r>
+              <a:rPr lang="de-DE" dirty="0"/>
+              <a:t> </a:t>
+            </a:r>
+            <a:r>
+              <a:rPr lang="de-DE" b="1" dirty="0" err="1"/>
+              <a:t>decision-making</a:t>
+            </a:r>
             <a:r>
               <a:rPr lang="de-DE" b="1" dirty="0"/>
-              <a:t>Image:</a:t>
-            </a:r>
-            <a:r>
-              <a:rPr lang="de-DE" dirty="0"/>
-              <a:t> block </a:t>
-            </a:r>
-            <a:r>
-              <a:rPr lang="de-DE" dirty="0" err="1"/>
-              <a:t>diagram</a:t>
-            </a:r>
-            <a:r>
-              <a:rPr lang="de-DE" dirty="0"/>
-              <a:t>: </a:t>
-            </a:r>
-            <a:r>
-              <a:rPr lang="de-DE" dirty="0" err="1"/>
-              <a:t>input</a:t>
-            </a:r>
-            <a:r>
-              <a:rPr lang="de-DE" dirty="0"/>
-              <a:t> → </a:t>
-            </a:r>
-            <a:r>
-              <a:rPr lang="de-DE" dirty="0" err="1"/>
-              <a:t>system</a:t>
-            </a:r>
-            <a:r>
-              <a:rPr lang="de-DE" dirty="0"/>
-              <a:t> → </a:t>
-            </a:r>
-            <a:r>
-              <a:rPr lang="de-DE" dirty="0" err="1"/>
-              <a:t>output</a:t>
-            </a:r>
-            <a:endParaRPr lang="de-DE" dirty="0"/>
+              <a:t> </a:t>
+            </a:r>
+            <a:r>
+              <a:rPr lang="de-DE" b="1" dirty="0" err="1"/>
+              <a:t>over</a:t>
+            </a:r>
+            <a:r>
+              <a:rPr lang="de-DE" b="1" dirty="0"/>
+              <a:t> time</a:t>
+            </a:r>
           </a:p>
         </p:txBody>
       </p:sp>
@@ -4874,6 +5465,215 @@
           </a:p>
         </p:txBody>
       </p:sp>
+      <p:sp>
+        <p:nvSpPr>
+          <p:cNvPr id="2" name="Rechteck 1">
+            <a:extLst>
+              <a:ext uri="{FF2B5EF4-FFF2-40B4-BE49-F238E27FC236}">
+                <a16:creationId xmlns:a16="http://schemas.microsoft.com/office/drawing/2014/main" id="{3C1DCFE2-15B0-E489-57DD-4BED8E6DFFC0}"/>
+              </a:ext>
+            </a:extLst>
+          </p:cNvPr>
+          <p:cNvSpPr/>
+          <p:nvPr/>
+        </p:nvSpPr>
+        <p:spPr>
+          <a:xfrm>
+            <a:off x="4366340" y="3039340"/>
+            <a:ext cx="1984663" cy="779319"/>
+          </a:xfrm>
+          <a:prstGeom prst="rect">
+            <a:avLst/>
+          </a:prstGeom>
+          <a:noFill/>
+          <a:ln>
+            <a:solidFill>
+              <a:schemeClr val="tx1"/>
+            </a:solidFill>
+          </a:ln>
+        </p:spPr>
+        <p:style>
+          <a:lnRef idx="2">
+            <a:schemeClr val="accent1">
+              <a:shade val="15000"/>
+            </a:schemeClr>
+          </a:lnRef>
+          <a:fillRef idx="1">
+            <a:schemeClr val="accent1"/>
+          </a:fillRef>
+          <a:effectRef idx="0">
+            <a:schemeClr val="accent1"/>
+          </a:effectRef>
+          <a:fontRef idx="minor">
+            <a:schemeClr val="lt1"/>
+          </a:fontRef>
+        </p:style>
+        <p:txBody>
+          <a:bodyPr rtlCol="0" anchor="ctr"/>
+          <a:lstStyle/>
+          <a:p>
+            <a:pPr algn="ctr"/>
+            <a:r>
+              <a:rPr lang="de-DE" sz="2800" dirty="0">
+                <a:solidFill>
+                  <a:schemeClr val="tx1"/>
+                </a:solidFill>
+              </a:rPr>
+              <a:t>System</a:t>
+            </a:r>
+          </a:p>
+        </p:txBody>
+      </p:sp>
+      <p:sp>
+        <p:nvSpPr>
+          <p:cNvPr id="5" name="Textfeld 4">
+            <a:extLst>
+              <a:ext uri="{FF2B5EF4-FFF2-40B4-BE49-F238E27FC236}">
+                <a16:creationId xmlns:a16="http://schemas.microsoft.com/office/drawing/2014/main" id="{14C08370-325E-C181-90A9-AEBB8C817397}"/>
+              </a:ext>
+            </a:extLst>
+          </p:cNvPr>
+          <p:cNvSpPr txBox="1"/>
+          <p:nvPr/>
+        </p:nvSpPr>
+        <p:spPr>
+          <a:xfrm>
+            <a:off x="2381429" y="3167388"/>
+            <a:ext cx="992579" cy="523220"/>
+          </a:xfrm>
+          <a:prstGeom prst="rect">
+            <a:avLst/>
+          </a:prstGeom>
+          <a:noFill/>
+        </p:spPr>
+        <p:txBody>
+          <a:bodyPr wrap="none" rtlCol="0">
+            <a:spAutoFit/>
+          </a:bodyPr>
+          <a:lstStyle/>
+          <a:p>
+            <a:r>
+              <a:rPr lang="de-DE" sz="2800" dirty="0"/>
+              <a:t>Input</a:t>
+            </a:r>
+          </a:p>
+        </p:txBody>
+      </p:sp>
+      <p:sp>
+        <p:nvSpPr>
+          <p:cNvPr id="6" name="Textfeld 5">
+            <a:extLst>
+              <a:ext uri="{FF2B5EF4-FFF2-40B4-BE49-F238E27FC236}">
+                <a16:creationId xmlns:a16="http://schemas.microsoft.com/office/drawing/2014/main" id="{48D16279-3EA7-9F20-F626-9791C36CFFE9}"/>
+              </a:ext>
+            </a:extLst>
+          </p:cNvPr>
+          <p:cNvSpPr txBox="1"/>
+          <p:nvPr/>
+        </p:nvSpPr>
+        <p:spPr>
+          <a:xfrm>
+            <a:off x="7329480" y="3167388"/>
+            <a:ext cx="1281120" cy="523220"/>
+          </a:xfrm>
+          <a:prstGeom prst="rect">
+            <a:avLst/>
+          </a:prstGeom>
+          <a:noFill/>
+        </p:spPr>
+        <p:txBody>
+          <a:bodyPr wrap="none" rtlCol="0">
+            <a:spAutoFit/>
+          </a:bodyPr>
+          <a:lstStyle/>
+          <a:p>
+            <a:r>
+              <a:rPr lang="de-DE" sz="2800" dirty="0"/>
+              <a:t>Output</a:t>
+            </a:r>
+          </a:p>
+        </p:txBody>
+      </p:sp>
+      <p:cxnSp>
+        <p:nvCxnSpPr>
+          <p:cNvPr id="8" name="Gerade Verbindung mit Pfeil 7">
+            <a:extLst>
+              <a:ext uri="{FF2B5EF4-FFF2-40B4-BE49-F238E27FC236}">
+                <a16:creationId xmlns:a16="http://schemas.microsoft.com/office/drawing/2014/main" id="{25EC3401-4D10-0D87-E15E-8777CAD07110}"/>
+              </a:ext>
+            </a:extLst>
+          </p:cNvPr>
+          <p:cNvCxnSpPr>
+            <a:endCxn id="2" idx="1"/>
+          </p:cNvCxnSpPr>
+          <p:nvPr/>
+        </p:nvCxnSpPr>
+        <p:spPr>
+          <a:xfrm>
+            <a:off x="3387863" y="3428999"/>
+            <a:ext cx="978477" cy="1"/>
+          </a:xfrm>
+          <a:prstGeom prst="straightConnector1">
+            <a:avLst/>
+          </a:prstGeom>
+          <a:ln>
+            <a:tailEnd type="triangle"/>
+          </a:ln>
+        </p:spPr>
+        <p:style>
+          <a:lnRef idx="3">
+            <a:schemeClr val="dk1"/>
+          </a:lnRef>
+          <a:fillRef idx="0">
+            <a:schemeClr val="dk1"/>
+          </a:fillRef>
+          <a:effectRef idx="2">
+            <a:schemeClr val="dk1"/>
+          </a:effectRef>
+          <a:fontRef idx="minor">
+            <a:schemeClr val="tx1"/>
+          </a:fontRef>
+        </p:style>
+      </p:cxnSp>
+      <p:cxnSp>
+        <p:nvCxnSpPr>
+          <p:cNvPr id="9" name="Gerade Verbindung mit Pfeil 8">
+            <a:extLst>
+              <a:ext uri="{FF2B5EF4-FFF2-40B4-BE49-F238E27FC236}">
+                <a16:creationId xmlns:a16="http://schemas.microsoft.com/office/drawing/2014/main" id="{9E4F23EC-7368-6E28-6C1C-2D0F2F3E772F}"/>
+              </a:ext>
+            </a:extLst>
+          </p:cNvPr>
+          <p:cNvCxnSpPr/>
+          <p:nvPr/>
+        </p:nvCxnSpPr>
+        <p:spPr>
+          <a:xfrm>
+            <a:off x="6351003" y="3428998"/>
+            <a:ext cx="978477" cy="1"/>
+          </a:xfrm>
+          <a:prstGeom prst="straightConnector1">
+            <a:avLst/>
+          </a:prstGeom>
+          <a:ln>
+            <a:tailEnd type="triangle"/>
+          </a:ln>
+        </p:spPr>
+        <p:style>
+          <a:lnRef idx="3">
+            <a:schemeClr val="dk1"/>
+          </a:lnRef>
+          <a:fillRef idx="0">
+            <a:schemeClr val="dk1"/>
+          </a:fillRef>
+          <a:effectRef idx="2">
+            <a:schemeClr val="dk1"/>
+          </a:effectRef>
+          <a:fontRef idx="minor">
+            <a:schemeClr val="tx1"/>
+          </a:fontRef>
+        </p:style>
+      </p:cxnSp>
     </p:spTree>
     <p:extLst>
       <p:ext uri="{BB962C8B-B14F-4D97-AF65-F5344CB8AC3E}">
@@ -4948,13 +5748,21 @@
             <p:ph idx="1"/>
           </p:nvPr>
         </p:nvSpPr>
-        <p:spPr/>
+        <p:spPr>
+          <a:xfrm>
+            <a:off x="838200" y="3003838"/>
+            <a:ext cx="10515600" cy="3717637"/>
+          </a:xfrm>
+        </p:spPr>
         <p:txBody>
           <a:bodyPr>
-            <a:normAutofit/>
+            <a:normAutofit fontScale="92500" lnSpcReduction="20000"/>
           </a:bodyPr>
           <a:lstStyle/>
           <a:p>
+            <a:pPr marL="0" indent="0">
+              <a:buNone/>
+            </a:pPr>
             <a:r>
               <a:rPr lang="de-DE" dirty="0"/>
               <a:t>Control </a:t>
@@ -4990,87 +5798,6 @@
             <a:r>
               <a:rPr lang="de-DE" b="1" dirty="0" err="1"/>
               <a:t>output</a:t>
-            </a:r>
-            <a:endParaRPr lang="de-DE" dirty="0"/>
-          </a:p>
-          <a:p>
-            <a:r>
-              <a:rPr lang="de-DE" dirty="0" err="1"/>
-              <a:t>No</a:t>
-            </a:r>
-            <a:r>
-              <a:rPr lang="de-DE" dirty="0"/>
-              <a:t> </a:t>
-            </a:r>
-            <a:r>
-              <a:rPr lang="de-DE" dirty="0" err="1"/>
-              <a:t>feedback</a:t>
-            </a:r>
-            <a:endParaRPr lang="de-DE" dirty="0"/>
-          </a:p>
-          <a:p>
-            <a:r>
-              <a:rPr lang="de-DE" dirty="0"/>
-              <a:t>Simple, </a:t>
-            </a:r>
-            <a:r>
-              <a:rPr lang="de-DE" dirty="0" err="1"/>
-              <a:t>cheap</a:t>
-            </a:r>
-            <a:r>
-              <a:rPr lang="de-DE" dirty="0"/>
-              <a:t>, but </a:t>
-            </a:r>
-            <a:r>
-              <a:rPr lang="de-DE" dirty="0" err="1"/>
-              <a:t>inaccurate</a:t>
-            </a:r>
-            <a:endParaRPr lang="de-DE" dirty="0"/>
-          </a:p>
-          <a:p>
-            <a:r>
-              <a:rPr lang="de-DE" dirty="0" err="1"/>
-              <a:t>Cannot</a:t>
-            </a:r>
-            <a:r>
-              <a:rPr lang="de-DE" dirty="0"/>
-              <a:t> </a:t>
-            </a:r>
-            <a:r>
-              <a:rPr lang="de-DE" dirty="0" err="1"/>
-              <a:t>correct</a:t>
-            </a:r>
-            <a:r>
-              <a:rPr lang="de-DE" dirty="0"/>
-              <a:t> </a:t>
-            </a:r>
-            <a:r>
-              <a:rPr lang="de-DE" dirty="0" err="1"/>
-              <a:t>disturbances</a:t>
-            </a:r>
-            <a:r>
-              <a:rPr lang="de-DE" dirty="0"/>
-              <a:t> </a:t>
-            </a:r>
-            <a:r>
-              <a:rPr lang="de-DE" dirty="0" err="1"/>
-              <a:t>or</a:t>
-            </a:r>
-            <a:r>
-              <a:rPr lang="de-DE" dirty="0"/>
-              <a:t> </a:t>
-            </a:r>
-            <a:r>
-              <a:rPr lang="de-DE" dirty="0" err="1"/>
-              <a:t>model</a:t>
-            </a:r>
-            <a:r>
-              <a:rPr lang="de-DE" dirty="0"/>
-              <a:t> </a:t>
-            </a:r>
-            <a:r>
-              <a:rPr lang="de-DE" dirty="0" err="1"/>
-              <a:t>errors</a:t>
             </a:r>
             <a:endParaRPr lang="de-DE" dirty="0"/>
           </a:p>
@@ -5084,72 +5811,101 @@
             <a:pPr marL="0" indent="0">
               <a:buNone/>
             </a:pPr>
-            <a:r>
-              <a:rPr lang="de-DE" b="1" dirty="0" err="1"/>
-              <a:t>Example</a:t>
-            </a:r>
-            <a:r>
-              <a:rPr lang="de-DE" b="1" dirty="0"/>
-              <a:t>:</a:t>
-            </a:r>
-            <a:r>
-              <a:rPr lang="de-DE" dirty="0"/>
-              <a:t> </a:t>
-            </a:r>
-            <a:r>
-              <a:rPr lang="de-DE" dirty="0" err="1"/>
-              <a:t>toaster</a:t>
-            </a:r>
-            <a:r>
-              <a:rPr lang="de-DE" dirty="0"/>
-              <a:t> </a:t>
-            </a:r>
-            <a:r>
-              <a:rPr lang="de-DE" dirty="0" err="1"/>
-              <a:t>with</a:t>
-            </a:r>
-            <a:r>
-              <a:rPr lang="de-DE" dirty="0"/>
-              <a:t> </a:t>
-            </a:r>
-            <a:r>
-              <a:rPr lang="de-DE" dirty="0" err="1"/>
-              <a:t>fixed</a:t>
-            </a:r>
-            <a:r>
-              <a:rPr lang="de-DE" dirty="0"/>
-              <a:t> </a:t>
-            </a:r>
-            <a:r>
-              <a:rPr lang="de-DE" dirty="0" err="1"/>
-              <a:t>heating</a:t>
-            </a:r>
-            <a:r>
-              <a:rPr lang="de-DE" dirty="0"/>
-              <a:t> time</a:t>
-            </a:r>
+            <a:endParaRPr lang="de-DE" dirty="0"/>
           </a:p>
           <a:p>
             <a:pPr marL="0" indent="0">
               <a:buNone/>
             </a:pPr>
-            <a:endParaRPr lang="de-DE" b="1" dirty="0"/>
+            <a:endParaRPr lang="de-DE" dirty="0"/>
           </a:p>
           <a:p>
             <a:pPr marL="0" indent="0">
               <a:buNone/>
             </a:pPr>
-            <a:r>
-              <a:rPr lang="de-DE" b="1" dirty="0"/>
-              <a:t>Image:</a:t>
-            </a:r>
-            <a:r>
-              <a:rPr lang="de-DE" dirty="0"/>
-              <a:t> open-loop block </a:t>
-            </a:r>
-            <a:r>
-              <a:rPr lang="de-DE" dirty="0" err="1"/>
-              <a:t>diagram</a:t>
+            <a:endParaRPr lang="de-DE" dirty="0"/>
+          </a:p>
+          <a:p>
+            <a:endParaRPr lang="de-DE" dirty="0"/>
+          </a:p>
+          <a:p>
+            <a:r>
+              <a:rPr lang="de-DE" dirty="0" err="1"/>
+              <a:t>No</a:t>
+            </a:r>
+            <a:r>
+              <a:rPr lang="de-DE" dirty="0"/>
+              <a:t> </a:t>
+            </a:r>
+            <a:r>
+              <a:rPr lang="de-DE" dirty="0" err="1"/>
+              <a:t>feedback</a:t>
+            </a:r>
+            <a:endParaRPr lang="de-DE" dirty="0"/>
+          </a:p>
+          <a:p>
+            <a:r>
+              <a:rPr lang="de-DE" dirty="0"/>
+              <a:t>Simple, </a:t>
+            </a:r>
+            <a:r>
+              <a:rPr lang="de-DE" dirty="0" err="1"/>
+              <a:t>cheap</a:t>
+            </a:r>
+            <a:r>
+              <a:rPr lang="de-DE" dirty="0"/>
+              <a:t>, but </a:t>
+            </a:r>
+            <a:r>
+              <a:rPr lang="de-DE" dirty="0" err="1"/>
+              <a:t>inaccurate</a:t>
+            </a:r>
+            <a:endParaRPr lang="de-DE" dirty="0"/>
+          </a:p>
+          <a:p>
+            <a:r>
+              <a:rPr lang="de-DE" dirty="0" err="1"/>
+              <a:t>Cannot</a:t>
+            </a:r>
+            <a:r>
+              <a:rPr lang="de-DE" dirty="0"/>
+              <a:t> </a:t>
+            </a:r>
+            <a:r>
+              <a:rPr lang="de-DE" dirty="0" err="1"/>
+              <a:t>correct</a:t>
+            </a:r>
+            <a:r>
+              <a:rPr lang="de-DE" dirty="0"/>
+              <a:t> </a:t>
+            </a:r>
+            <a:r>
+              <a:rPr lang="de-DE" dirty="0" err="1"/>
+              <a:t>disturbances</a:t>
+            </a:r>
+            <a:r>
+              <a:rPr lang="de-DE" dirty="0"/>
+              <a:t> </a:t>
+            </a:r>
+            <a:r>
+              <a:rPr lang="de-DE" dirty="0" err="1"/>
+              <a:t>or</a:t>
+            </a:r>
+            <a:r>
+              <a:rPr lang="de-DE" dirty="0"/>
+              <a:t> </a:t>
+            </a:r>
+            <a:r>
+              <a:rPr lang="de-DE" dirty="0" err="1"/>
+              <a:t>model</a:t>
+            </a:r>
+            <a:r>
+              <a:rPr lang="de-DE" dirty="0"/>
+              <a:t> </a:t>
+            </a:r>
+            <a:r>
+              <a:rPr lang="de-DE" dirty="0" err="1"/>
+              <a:t>errors</a:t>
             </a:r>
             <a:endParaRPr lang="de-DE" dirty="0"/>
           </a:p>
@@ -5184,6 +5940,738 @@
           </a:p>
         </p:txBody>
       </p:sp>
+      <p:pic>
+        <p:nvPicPr>
+          <p:cNvPr id="5122" name="Picture 2">
+            <a:extLst>
+              <a:ext uri="{FF2B5EF4-FFF2-40B4-BE49-F238E27FC236}">
+                <a16:creationId xmlns:a16="http://schemas.microsoft.com/office/drawing/2014/main" id="{B5BFAC6B-F298-7D62-13E7-DDD7DD2DAC8B}"/>
+              </a:ext>
+            </a:extLst>
+          </p:cNvPr>
+          <p:cNvPicPr>
+            <a:picLocks noChangeAspect="1" noChangeArrowheads="1"/>
+          </p:cNvPicPr>
+          <p:nvPr/>
+        </p:nvPicPr>
+        <p:blipFill>
+          <a:blip r:embed="rId2">
+            <a:extLst>
+              <a:ext uri="{28A0092B-C50C-407E-A947-70E740481C1C}">
+                <a14:useLocalDpi xmlns:a14="http://schemas.microsoft.com/office/drawing/2010/main" val="0"/>
+              </a:ext>
+            </a:extLst>
+          </a:blip>
+          <a:srcRect/>
+          <a:stretch>
+            <a:fillRect/>
+          </a:stretch>
+        </p:blipFill>
+        <p:spPr bwMode="auto">
+          <a:xfrm>
+            <a:off x="8718932" y="2754743"/>
+            <a:ext cx="3175000" cy="2387600"/>
+          </a:xfrm>
+          <a:prstGeom prst="rect">
+            <a:avLst/>
+          </a:prstGeom>
+          <a:noFill/>
+          <a:extLst>
+            <a:ext uri="{909E8E84-426E-40DD-AFC4-6F175D3DCCD1}">
+              <a14:hiddenFill xmlns:a14="http://schemas.microsoft.com/office/drawing/2010/main">
+                <a:solidFill>
+                  <a:srgbClr val="FFFFFF"/>
+                </a:solidFill>
+              </a14:hiddenFill>
+            </a:ext>
+          </a:extLst>
+        </p:spPr>
+      </p:pic>
+      <p:sp>
+        <p:nvSpPr>
+          <p:cNvPr id="6" name="Textfeld 5">
+            <a:extLst>
+              <a:ext uri="{FF2B5EF4-FFF2-40B4-BE49-F238E27FC236}">
+                <a16:creationId xmlns:a16="http://schemas.microsoft.com/office/drawing/2014/main" id="{DB7CB5EA-CBEE-8618-06BB-BFCE85CD132A}"/>
+              </a:ext>
+            </a:extLst>
+          </p:cNvPr>
+          <p:cNvSpPr txBox="1"/>
+          <p:nvPr/>
+        </p:nvSpPr>
+        <p:spPr>
+          <a:xfrm>
+            <a:off x="8426976" y="5142343"/>
+            <a:ext cx="3758911" cy="369332"/>
+          </a:xfrm>
+          <a:prstGeom prst="rect">
+            <a:avLst/>
+          </a:prstGeom>
+          <a:noFill/>
+        </p:spPr>
+        <p:txBody>
+          <a:bodyPr wrap="square">
+            <a:spAutoFit/>
+          </a:bodyPr>
+          <a:lstStyle/>
+          <a:p>
+            <a:r>
+              <a:rPr lang="de-DE" b="0" i="0" u="none" strike="noStrike" dirty="0" err="1">
+                <a:solidFill>
+                  <a:srgbClr val="202122"/>
+                </a:solidFill>
+                <a:effectLst/>
+                <a:latin typeface="Arial" panose="020B0604020202020204" pitchFamily="34" charset="0"/>
+              </a:rPr>
+              <a:t>programmed</a:t>
+            </a:r>
+            <a:r>
+              <a:rPr lang="de-DE" b="0" i="0" u="none" strike="noStrike" dirty="0">
+                <a:solidFill>
+                  <a:srgbClr val="202122"/>
+                </a:solidFill>
+                <a:effectLst/>
+                <a:latin typeface="Arial" panose="020B0604020202020204" pitchFamily="34" charset="0"/>
+              </a:rPr>
+              <a:t> </a:t>
+            </a:r>
+            <a:r>
+              <a:rPr lang="de-DE" b="0" i="0" u="none" strike="noStrike" dirty="0" err="1">
+                <a:solidFill>
+                  <a:srgbClr val="202122"/>
+                </a:solidFill>
+                <a:effectLst/>
+                <a:latin typeface="Arial" panose="020B0604020202020204" pitchFamily="34" charset="0"/>
+              </a:rPr>
+              <a:t>to</a:t>
+            </a:r>
+            <a:r>
+              <a:rPr lang="de-DE" b="0" i="0" u="none" strike="noStrike" dirty="0">
+                <a:solidFill>
+                  <a:srgbClr val="202122"/>
+                </a:solidFill>
+                <a:effectLst/>
+                <a:latin typeface="Arial" panose="020B0604020202020204" pitchFamily="34" charset="0"/>
+              </a:rPr>
+              <a:t> turn on at </a:t>
+            </a:r>
+            <a:r>
+              <a:rPr lang="de-DE" b="0" i="0" u="none" strike="noStrike" dirty="0" err="1">
+                <a:solidFill>
+                  <a:srgbClr val="202122"/>
+                </a:solidFill>
+                <a:effectLst/>
+                <a:latin typeface="Arial" panose="020B0604020202020204" pitchFamily="34" charset="0"/>
+              </a:rPr>
+              <a:t>set</a:t>
+            </a:r>
+            <a:r>
+              <a:rPr lang="de-DE" b="0" i="0" u="none" strike="noStrike" dirty="0">
+                <a:solidFill>
+                  <a:srgbClr val="202122"/>
+                </a:solidFill>
+                <a:effectLst/>
+                <a:latin typeface="Arial" panose="020B0604020202020204" pitchFamily="34" charset="0"/>
+              </a:rPr>
+              <a:t> </a:t>
+            </a:r>
+            <a:r>
+              <a:rPr lang="de-DE" b="0" i="0" u="none" strike="noStrike" dirty="0" err="1">
+                <a:solidFill>
+                  <a:srgbClr val="202122"/>
+                </a:solidFill>
+                <a:effectLst/>
+                <a:latin typeface="Arial" panose="020B0604020202020204" pitchFamily="34" charset="0"/>
+              </a:rPr>
+              <a:t>times</a:t>
+            </a:r>
+            <a:endParaRPr lang="de-DE" dirty="0"/>
+          </a:p>
+        </p:txBody>
+      </p:sp>
+      <p:sp>
+        <p:nvSpPr>
+          <p:cNvPr id="7" name="Rechteck 6">
+            <a:extLst>
+              <a:ext uri="{FF2B5EF4-FFF2-40B4-BE49-F238E27FC236}">
+                <a16:creationId xmlns:a16="http://schemas.microsoft.com/office/drawing/2014/main" id="{0464A210-35E1-2C84-0C46-4736338845F3}"/>
+              </a:ext>
+            </a:extLst>
+          </p:cNvPr>
+          <p:cNvSpPr/>
+          <p:nvPr/>
+        </p:nvSpPr>
+        <p:spPr>
+          <a:xfrm>
+            <a:off x="1816678" y="1829459"/>
+            <a:ext cx="1291438" cy="779319"/>
+          </a:xfrm>
+          <a:prstGeom prst="rect">
+            <a:avLst/>
+          </a:prstGeom>
+          <a:noFill/>
+          <a:ln>
+            <a:solidFill>
+              <a:schemeClr val="tx1"/>
+            </a:solidFill>
+          </a:ln>
+        </p:spPr>
+        <p:style>
+          <a:lnRef idx="2">
+            <a:schemeClr val="accent1">
+              <a:shade val="15000"/>
+            </a:schemeClr>
+          </a:lnRef>
+          <a:fillRef idx="1">
+            <a:schemeClr val="accent1"/>
+          </a:fillRef>
+          <a:effectRef idx="0">
+            <a:schemeClr val="accent1"/>
+          </a:effectRef>
+          <a:fontRef idx="minor">
+            <a:schemeClr val="lt1"/>
+          </a:fontRef>
+        </p:style>
+        <p:txBody>
+          <a:bodyPr rtlCol="0" anchor="ctr"/>
+          <a:lstStyle/>
+          <a:p>
+            <a:pPr algn="ctr"/>
+            <a:r>
+              <a:rPr lang="de-DE" sz="1900" dirty="0">
+                <a:solidFill>
+                  <a:schemeClr val="tx1"/>
+                </a:solidFill>
+              </a:rPr>
+              <a:t>Controller</a:t>
+            </a:r>
+          </a:p>
+        </p:txBody>
+      </p:sp>
+      <p:sp>
+        <p:nvSpPr>
+          <p:cNvPr id="8" name="Textfeld 7">
+            <a:extLst>
+              <a:ext uri="{FF2B5EF4-FFF2-40B4-BE49-F238E27FC236}">
+                <a16:creationId xmlns:a16="http://schemas.microsoft.com/office/drawing/2014/main" id="{1E7289D4-548A-492F-9632-071BD1F89E37}"/>
+              </a:ext>
+            </a:extLst>
+          </p:cNvPr>
+          <p:cNvSpPr txBox="1"/>
+          <p:nvPr/>
+        </p:nvSpPr>
+        <p:spPr>
+          <a:xfrm>
+            <a:off x="915612" y="1832160"/>
+            <a:ext cx="734496" cy="384721"/>
+          </a:xfrm>
+          <a:prstGeom prst="rect">
+            <a:avLst/>
+          </a:prstGeom>
+          <a:noFill/>
+        </p:spPr>
+        <p:txBody>
+          <a:bodyPr wrap="none" rtlCol="0">
+            <a:spAutoFit/>
+          </a:bodyPr>
+          <a:lstStyle/>
+          <a:p>
+            <a:r>
+              <a:rPr lang="de-DE" sz="1900" dirty="0"/>
+              <a:t>Input</a:t>
+            </a:r>
+          </a:p>
+        </p:txBody>
+      </p:sp>
+      <p:sp>
+        <p:nvSpPr>
+          <p:cNvPr id="9" name="Textfeld 8">
+            <a:extLst>
+              <a:ext uri="{FF2B5EF4-FFF2-40B4-BE49-F238E27FC236}">
+                <a16:creationId xmlns:a16="http://schemas.microsoft.com/office/drawing/2014/main" id="{34505E3F-0BE3-B7AC-049F-69528FFE073E}"/>
+              </a:ext>
+            </a:extLst>
+          </p:cNvPr>
+          <p:cNvSpPr txBox="1"/>
+          <p:nvPr/>
+        </p:nvSpPr>
+        <p:spPr>
+          <a:xfrm>
+            <a:off x="7648652" y="1826536"/>
+            <a:ext cx="928459" cy="384721"/>
+          </a:xfrm>
+          <a:prstGeom prst="rect">
+            <a:avLst/>
+          </a:prstGeom>
+          <a:noFill/>
+        </p:spPr>
+        <p:txBody>
+          <a:bodyPr wrap="none" rtlCol="0">
+            <a:spAutoFit/>
+          </a:bodyPr>
+          <a:lstStyle/>
+          <a:p>
+            <a:r>
+              <a:rPr lang="de-DE" sz="1900" dirty="0"/>
+              <a:t>Output</a:t>
+            </a:r>
+          </a:p>
+        </p:txBody>
+      </p:sp>
+      <p:cxnSp>
+        <p:nvCxnSpPr>
+          <p:cNvPr id="10" name="Gerade Verbindung mit Pfeil 9">
+            <a:extLst>
+              <a:ext uri="{FF2B5EF4-FFF2-40B4-BE49-F238E27FC236}">
+                <a16:creationId xmlns:a16="http://schemas.microsoft.com/office/drawing/2014/main" id="{0A6CAB22-9741-F485-D327-15BDDC6D255B}"/>
+              </a:ext>
+            </a:extLst>
+          </p:cNvPr>
+          <p:cNvCxnSpPr>
+            <a:cxnSpLocks/>
+            <a:endCxn id="7" idx="1"/>
+          </p:cNvCxnSpPr>
+          <p:nvPr/>
+        </p:nvCxnSpPr>
+        <p:spPr>
+          <a:xfrm>
+            <a:off x="838200" y="2219118"/>
+            <a:ext cx="978478" cy="1"/>
+          </a:xfrm>
+          <a:prstGeom prst="straightConnector1">
+            <a:avLst/>
+          </a:prstGeom>
+          <a:ln>
+            <a:tailEnd type="triangle"/>
+          </a:ln>
+        </p:spPr>
+        <p:style>
+          <a:lnRef idx="3">
+            <a:schemeClr val="dk1"/>
+          </a:lnRef>
+          <a:fillRef idx="0">
+            <a:schemeClr val="dk1"/>
+          </a:fillRef>
+          <a:effectRef idx="2">
+            <a:schemeClr val="dk1"/>
+          </a:effectRef>
+          <a:fontRef idx="minor">
+            <a:schemeClr val="tx1"/>
+          </a:fontRef>
+        </p:style>
+      </p:cxnSp>
+      <p:cxnSp>
+        <p:nvCxnSpPr>
+          <p:cNvPr id="11" name="Gerade Verbindung mit Pfeil 10">
+            <a:extLst>
+              <a:ext uri="{FF2B5EF4-FFF2-40B4-BE49-F238E27FC236}">
+                <a16:creationId xmlns:a16="http://schemas.microsoft.com/office/drawing/2014/main" id="{EF0D9285-D828-E3ED-B8B1-7244AD0438D1}"/>
+              </a:ext>
+            </a:extLst>
+          </p:cNvPr>
+          <p:cNvCxnSpPr/>
+          <p:nvPr/>
+        </p:nvCxnSpPr>
+        <p:spPr>
+          <a:xfrm>
+            <a:off x="3108116" y="2219118"/>
+            <a:ext cx="978477" cy="1"/>
+          </a:xfrm>
+          <a:prstGeom prst="straightConnector1">
+            <a:avLst/>
+          </a:prstGeom>
+          <a:ln>
+            <a:tailEnd type="triangle"/>
+          </a:ln>
+        </p:spPr>
+        <p:style>
+          <a:lnRef idx="3">
+            <a:schemeClr val="dk1"/>
+          </a:lnRef>
+          <a:fillRef idx="0">
+            <a:schemeClr val="dk1"/>
+          </a:fillRef>
+          <a:effectRef idx="2">
+            <a:schemeClr val="dk1"/>
+          </a:effectRef>
+          <a:fontRef idx="minor">
+            <a:schemeClr val="tx1"/>
+          </a:fontRef>
+        </p:style>
+      </p:cxnSp>
+      <p:sp>
+        <p:nvSpPr>
+          <p:cNvPr id="17" name="Rechteck 16">
+            <a:extLst>
+              <a:ext uri="{FF2B5EF4-FFF2-40B4-BE49-F238E27FC236}">
+                <a16:creationId xmlns:a16="http://schemas.microsoft.com/office/drawing/2014/main" id="{1E4E35B4-050C-06AC-05FF-2D3827AD94D6}"/>
+              </a:ext>
+            </a:extLst>
+          </p:cNvPr>
+          <p:cNvSpPr/>
+          <p:nvPr/>
+        </p:nvSpPr>
+        <p:spPr>
+          <a:xfrm>
+            <a:off x="4086593" y="1821821"/>
+            <a:ext cx="1291438" cy="779319"/>
+          </a:xfrm>
+          <a:prstGeom prst="rect">
+            <a:avLst/>
+          </a:prstGeom>
+          <a:noFill/>
+          <a:ln>
+            <a:solidFill>
+              <a:schemeClr val="tx1"/>
+            </a:solidFill>
+          </a:ln>
+        </p:spPr>
+        <p:style>
+          <a:lnRef idx="2">
+            <a:schemeClr val="accent1">
+              <a:shade val="15000"/>
+            </a:schemeClr>
+          </a:lnRef>
+          <a:fillRef idx="1">
+            <a:schemeClr val="accent1"/>
+          </a:fillRef>
+          <a:effectRef idx="0">
+            <a:schemeClr val="accent1"/>
+          </a:effectRef>
+          <a:fontRef idx="minor">
+            <a:schemeClr val="lt1"/>
+          </a:fontRef>
+        </p:style>
+        <p:txBody>
+          <a:bodyPr rtlCol="0" anchor="ctr"/>
+          <a:lstStyle/>
+          <a:p>
+            <a:pPr algn="ctr"/>
+            <a:r>
+              <a:rPr lang="de-DE" sz="1900" dirty="0" err="1">
+                <a:solidFill>
+                  <a:schemeClr val="tx1"/>
+                </a:solidFill>
+              </a:rPr>
+              <a:t>Actuator</a:t>
+            </a:r>
+            <a:endParaRPr lang="de-DE" sz="1900" dirty="0">
+              <a:solidFill>
+                <a:schemeClr val="tx1"/>
+              </a:solidFill>
+            </a:endParaRPr>
+          </a:p>
+        </p:txBody>
+      </p:sp>
+      <p:cxnSp>
+        <p:nvCxnSpPr>
+          <p:cNvPr id="18" name="Gerade Verbindung mit Pfeil 17">
+            <a:extLst>
+              <a:ext uri="{FF2B5EF4-FFF2-40B4-BE49-F238E27FC236}">
+                <a16:creationId xmlns:a16="http://schemas.microsoft.com/office/drawing/2014/main" id="{C264F9CF-BE7D-7649-71FD-D7D288433D98}"/>
+              </a:ext>
+            </a:extLst>
+          </p:cNvPr>
+          <p:cNvCxnSpPr/>
+          <p:nvPr/>
+        </p:nvCxnSpPr>
+        <p:spPr>
+          <a:xfrm>
+            <a:off x="5378031" y="2216881"/>
+            <a:ext cx="978477" cy="1"/>
+          </a:xfrm>
+          <a:prstGeom prst="straightConnector1">
+            <a:avLst/>
+          </a:prstGeom>
+          <a:ln>
+            <a:tailEnd type="triangle"/>
+          </a:ln>
+        </p:spPr>
+        <p:style>
+          <a:lnRef idx="3">
+            <a:schemeClr val="dk1"/>
+          </a:lnRef>
+          <a:fillRef idx="0">
+            <a:schemeClr val="dk1"/>
+          </a:fillRef>
+          <a:effectRef idx="2">
+            <a:schemeClr val="dk1"/>
+          </a:effectRef>
+          <a:fontRef idx="minor">
+            <a:schemeClr val="tx1"/>
+          </a:fontRef>
+        </p:style>
+      </p:cxnSp>
+      <p:sp>
+        <p:nvSpPr>
+          <p:cNvPr id="19" name="Rechteck 18">
+            <a:extLst>
+              <a:ext uri="{FF2B5EF4-FFF2-40B4-BE49-F238E27FC236}">
+                <a16:creationId xmlns:a16="http://schemas.microsoft.com/office/drawing/2014/main" id="{5D633AC9-12F8-10D3-6A1D-2AA5420B9592}"/>
+              </a:ext>
+            </a:extLst>
+          </p:cNvPr>
+          <p:cNvSpPr/>
+          <p:nvPr/>
+        </p:nvSpPr>
+        <p:spPr>
+          <a:xfrm>
+            <a:off x="6356508" y="1819584"/>
+            <a:ext cx="1291438" cy="779319"/>
+          </a:xfrm>
+          <a:prstGeom prst="rect">
+            <a:avLst/>
+          </a:prstGeom>
+          <a:noFill/>
+          <a:ln>
+            <a:solidFill>
+              <a:schemeClr val="tx1"/>
+            </a:solidFill>
+          </a:ln>
+        </p:spPr>
+        <p:style>
+          <a:lnRef idx="2">
+            <a:schemeClr val="accent1">
+              <a:shade val="15000"/>
+            </a:schemeClr>
+          </a:lnRef>
+          <a:fillRef idx="1">
+            <a:schemeClr val="accent1"/>
+          </a:fillRef>
+          <a:effectRef idx="0">
+            <a:schemeClr val="accent1"/>
+          </a:effectRef>
+          <a:fontRef idx="minor">
+            <a:schemeClr val="lt1"/>
+          </a:fontRef>
+        </p:style>
+        <p:txBody>
+          <a:bodyPr rtlCol="0" anchor="ctr"/>
+          <a:lstStyle/>
+          <a:p>
+            <a:pPr algn="ctr"/>
+            <a:r>
+              <a:rPr lang="de-DE" sz="1900" dirty="0">
+                <a:solidFill>
+                  <a:schemeClr val="tx1"/>
+                </a:solidFill>
+              </a:rPr>
+              <a:t>System</a:t>
+            </a:r>
+          </a:p>
+        </p:txBody>
+      </p:sp>
+      <p:cxnSp>
+        <p:nvCxnSpPr>
+          <p:cNvPr id="20" name="Gerade Verbindung mit Pfeil 19">
+            <a:extLst>
+              <a:ext uri="{FF2B5EF4-FFF2-40B4-BE49-F238E27FC236}">
+                <a16:creationId xmlns:a16="http://schemas.microsoft.com/office/drawing/2014/main" id="{CC89FE3D-44C7-9EEF-82C1-ADB3858D5607}"/>
+              </a:ext>
+            </a:extLst>
+          </p:cNvPr>
+          <p:cNvCxnSpPr/>
+          <p:nvPr/>
+        </p:nvCxnSpPr>
+        <p:spPr>
+          <a:xfrm>
+            <a:off x="7647946" y="2216881"/>
+            <a:ext cx="978477" cy="1"/>
+          </a:xfrm>
+          <a:prstGeom prst="straightConnector1">
+            <a:avLst/>
+          </a:prstGeom>
+          <a:ln>
+            <a:tailEnd type="triangle"/>
+          </a:ln>
+        </p:spPr>
+        <p:style>
+          <a:lnRef idx="3">
+            <a:schemeClr val="dk1"/>
+          </a:lnRef>
+          <a:fillRef idx="0">
+            <a:schemeClr val="dk1"/>
+          </a:fillRef>
+          <a:effectRef idx="2">
+            <a:schemeClr val="dk1"/>
+          </a:effectRef>
+          <a:fontRef idx="minor">
+            <a:schemeClr val="tx1"/>
+          </a:fontRef>
+        </p:style>
+      </p:cxnSp>
+      <p:grpSp>
+        <p:nvGrpSpPr>
+          <p:cNvPr id="23" name="Gruppieren 22">
+            <a:extLst>
+              <a:ext uri="{FF2B5EF4-FFF2-40B4-BE49-F238E27FC236}">
+                <a16:creationId xmlns:a16="http://schemas.microsoft.com/office/drawing/2014/main" id="{301AF99C-E255-E64A-15AF-234AE00A0B28}"/>
+              </a:ext>
+            </a:extLst>
+          </p:cNvPr>
+          <p:cNvGrpSpPr/>
+          <p:nvPr/>
+        </p:nvGrpSpPr>
+        <p:grpSpPr>
+          <a:xfrm>
+            <a:off x="1338434" y="3688942"/>
+            <a:ext cx="6188395" cy="1540885"/>
+            <a:chOff x="1920330" y="3688942"/>
+            <a:chExt cx="6188395" cy="1540885"/>
+          </a:xfrm>
+        </p:grpSpPr>
+        <p:pic>
+          <p:nvPicPr>
+            <p:cNvPr id="5124" name="Picture 4" descr="open-loop system">
+              <a:extLst>
+                <a:ext uri="{FF2B5EF4-FFF2-40B4-BE49-F238E27FC236}">
+                  <a16:creationId xmlns:a16="http://schemas.microsoft.com/office/drawing/2014/main" id="{E71BC585-3E89-1CF8-ABCC-4E7CB599D4D1}"/>
+                </a:ext>
+              </a:extLst>
+            </p:cNvPr>
+            <p:cNvPicPr>
+              <a:picLocks noChangeAspect="1" noChangeArrowheads="1"/>
+            </p:cNvPicPr>
+            <p:nvPr/>
+          </p:nvPicPr>
+          <p:blipFill>
+            <a:blip r:embed="rId3">
+              <a:extLst>
+                <a:ext uri="{28A0092B-C50C-407E-A947-70E740481C1C}">
+                  <a14:useLocalDpi xmlns:a14="http://schemas.microsoft.com/office/drawing/2010/main" val="0"/>
+                </a:ext>
+              </a:extLst>
+            </a:blip>
+            <a:srcRect/>
+            <a:stretch>
+              <a:fillRect/>
+            </a:stretch>
+          </p:blipFill>
+          <p:spPr bwMode="auto">
+            <a:xfrm>
+              <a:off x="1920330" y="3688942"/>
+              <a:ext cx="6188395" cy="1540885"/>
+            </a:xfrm>
+            <a:prstGeom prst="rect">
+              <a:avLst/>
+            </a:prstGeom>
+            <a:noFill/>
+            <a:extLst>
+              <a:ext uri="{909E8E84-426E-40DD-AFC4-6F175D3DCCD1}">
+                <a14:hiddenFill xmlns:a14="http://schemas.microsoft.com/office/drawing/2010/main">
+                  <a:solidFill>
+                    <a:srgbClr val="FFFFFF"/>
+                  </a:solidFill>
+                </a14:hiddenFill>
+              </a:ext>
+            </a:extLst>
+          </p:spPr>
+        </p:pic>
+        <p:sp>
+          <p:nvSpPr>
+            <p:cNvPr id="21" name="Rechteck 20">
+              <a:extLst>
+                <a:ext uri="{FF2B5EF4-FFF2-40B4-BE49-F238E27FC236}">
+                  <a16:creationId xmlns:a16="http://schemas.microsoft.com/office/drawing/2014/main" id="{3C00375A-AFBF-E39B-7680-D7C88C11DFC6}"/>
+                </a:ext>
+              </a:extLst>
+            </p:cNvPr>
+            <p:cNvSpPr/>
+            <p:nvPr/>
+          </p:nvSpPr>
+          <p:spPr>
+            <a:xfrm>
+              <a:off x="1920330" y="5007631"/>
+              <a:ext cx="5259230" cy="222195"/>
+            </a:xfrm>
+            <a:prstGeom prst="rect">
+              <a:avLst/>
+            </a:prstGeom>
+            <a:solidFill>
+              <a:schemeClr val="bg1"/>
+            </a:solidFill>
+            <a:ln>
+              <a:noFill/>
+            </a:ln>
+          </p:spPr>
+          <p:style>
+            <a:lnRef idx="2">
+              <a:schemeClr val="accent1">
+                <a:shade val="15000"/>
+              </a:schemeClr>
+            </a:lnRef>
+            <a:fillRef idx="1">
+              <a:schemeClr val="accent1"/>
+            </a:fillRef>
+            <a:effectRef idx="0">
+              <a:schemeClr val="accent1"/>
+            </a:effectRef>
+            <a:fontRef idx="minor">
+              <a:schemeClr val="lt1"/>
+            </a:fontRef>
+          </p:style>
+          <p:txBody>
+            <a:bodyPr rtlCol="0" anchor="ctr"/>
+            <a:lstStyle/>
+            <a:p>
+              <a:pPr algn="ctr"/>
+              <a:endParaRPr lang="de-DE"/>
+            </a:p>
+          </p:txBody>
+        </p:sp>
+        <p:sp>
+          <p:nvSpPr>
+            <p:cNvPr id="22" name="Rechteck 21">
+              <a:extLst>
+                <a:ext uri="{FF2B5EF4-FFF2-40B4-BE49-F238E27FC236}">
+                  <a16:creationId xmlns:a16="http://schemas.microsoft.com/office/drawing/2014/main" id="{A9F0C303-F59C-2DF7-EFB9-2399D4A50446}"/>
+                </a:ext>
+              </a:extLst>
+            </p:cNvPr>
+            <p:cNvSpPr/>
+            <p:nvPr/>
+          </p:nvSpPr>
+          <p:spPr>
+            <a:xfrm>
+              <a:off x="3118577" y="3699333"/>
+              <a:ext cx="913096" cy="560940"/>
+            </a:xfrm>
+            <a:prstGeom prst="rect">
+              <a:avLst/>
+            </a:prstGeom>
+            <a:solidFill>
+              <a:schemeClr val="bg1"/>
+            </a:solidFill>
+            <a:ln>
+              <a:noFill/>
+            </a:ln>
+          </p:spPr>
+          <p:style>
+            <a:lnRef idx="2">
+              <a:schemeClr val="accent1">
+                <a:shade val="15000"/>
+              </a:schemeClr>
+            </a:lnRef>
+            <a:fillRef idx="1">
+              <a:schemeClr val="accent1"/>
+            </a:fillRef>
+            <a:effectRef idx="0">
+              <a:schemeClr val="accent1"/>
+            </a:effectRef>
+            <a:fontRef idx="minor">
+              <a:schemeClr val="lt1"/>
+            </a:fontRef>
+          </p:style>
+          <p:txBody>
+            <a:bodyPr rtlCol="0" anchor="ctr"/>
+            <a:lstStyle/>
+            <a:p>
+              <a:pPr algn="ctr"/>
+              <a:endParaRPr lang="de-DE"/>
+            </a:p>
+          </p:txBody>
+        </p:sp>
+      </p:grpSp>
     </p:spTree>
     <p:extLst>
       <p:ext uri="{BB962C8B-B14F-4D97-AF65-F5344CB8AC3E}">
@@ -5262,9 +6750,16 @@
             <p:ph idx="1"/>
           </p:nvPr>
         </p:nvSpPr>
-        <p:spPr/>
-        <p:txBody>
-          <a:bodyPr/>
+        <p:spPr>
+          <a:xfrm>
+            <a:off x="838200" y="1690688"/>
+            <a:ext cx="10515600" cy="5167311"/>
+          </a:xfrm>
+        </p:spPr>
+        <p:txBody>
+          <a:bodyPr>
+            <a:normAutofit fontScale="92500" lnSpcReduction="10000"/>
+          </a:bodyPr>
           <a:lstStyle/>
           <a:p>
             <a:r>
@@ -5355,29 +6850,6 @@
             <a:r>
               <a:rPr lang="de-DE" dirty="0" err="1"/>
               <a:t>action</a:t>
-            </a:r>
-            <a:endParaRPr lang="de-DE" dirty="0"/>
-          </a:p>
-          <a:p>
-            <a:r>
-              <a:rPr lang="de-DE" dirty="0" err="1"/>
-              <a:t>Improves</a:t>
-            </a:r>
-            <a:r>
-              <a:rPr lang="de-DE" dirty="0"/>
-              <a:t> </a:t>
-            </a:r>
-            <a:r>
-              <a:rPr lang="de-DE" dirty="0" err="1"/>
-              <a:t>accuracy</a:t>
-            </a:r>
-            <a:r>
-              <a:rPr lang="de-DE" dirty="0"/>
-              <a:t> and </a:t>
-            </a:r>
-            <a:r>
-              <a:rPr lang="de-DE" dirty="0" err="1"/>
-              <a:t>robustness</a:t>
             </a:r>
             <a:endParaRPr lang="de-DE" dirty="0"/>
           </a:p>
@@ -5388,28 +6860,52 @@
             <a:endParaRPr lang="de-DE" dirty="0"/>
           </a:p>
           <a:p>
+            <a:endParaRPr lang="de-DE" dirty="0"/>
+          </a:p>
+          <a:p>
+            <a:endParaRPr lang="de-DE" dirty="0"/>
+          </a:p>
+          <a:p>
+            <a:endParaRPr lang="de-DE" dirty="0"/>
+          </a:p>
+          <a:p>
+            <a:endParaRPr lang="de-DE" dirty="0"/>
+          </a:p>
+          <a:p>
+            <a:endParaRPr lang="de-DE" dirty="0"/>
+          </a:p>
+          <a:p>
+            <a:endParaRPr lang="de-DE" dirty="0"/>
+          </a:p>
+          <a:p>
             <a:pPr marL="0" indent="0">
               <a:buNone/>
             </a:pPr>
             <a:r>
-              <a:rPr lang="de-DE" b="1" dirty="0"/>
-              <a:t>Image:</a:t>
-            </a:r>
-            <a:r>
-              <a:rPr lang="de-DE" dirty="0"/>
-              <a:t> classic </a:t>
-            </a:r>
-            <a:r>
-              <a:rPr lang="de-DE" dirty="0" err="1"/>
-              <a:t>feedback</a:t>
-            </a:r>
-            <a:r>
-              <a:rPr lang="de-DE" dirty="0"/>
-              <a:t> loop </a:t>
-            </a:r>
-            <a:r>
-              <a:rPr lang="de-DE" dirty="0" err="1"/>
-              <a:t>diagram</a:t>
+              <a:rPr lang="de-DE" dirty="0">
+                <a:sym typeface="Wingdings" pitchFamily="2" charset="2"/>
+              </a:rPr>
+              <a:t> </a:t>
+            </a:r>
+            <a:r>
+              <a:rPr lang="de-DE" dirty="0" err="1"/>
+              <a:t>Improves</a:t>
+            </a:r>
+            <a:r>
+              <a:rPr lang="de-DE" dirty="0"/>
+              <a:t> </a:t>
+            </a:r>
+            <a:r>
+              <a:rPr lang="de-DE" dirty="0" err="1"/>
+              <a:t>accuracy</a:t>
+            </a:r>
+            <a:r>
+              <a:rPr lang="de-DE" dirty="0"/>
+              <a:t> and </a:t>
+            </a:r>
+            <a:r>
+              <a:rPr lang="de-DE" dirty="0" err="1"/>
+              <a:t>robustness</a:t>
             </a:r>
             <a:endParaRPr lang="de-DE" dirty="0"/>
           </a:p>
@@ -5441,6 +6937,167 @@
               <a:t>4</a:t>
             </a:fld>
             <a:endParaRPr lang="en-GB"/>
+          </a:p>
+        </p:txBody>
+      </p:sp>
+      <p:pic>
+        <p:nvPicPr>
+          <p:cNvPr id="1026" name="Picture 2" descr="undefined">
+            <a:extLst>
+              <a:ext uri="{FF2B5EF4-FFF2-40B4-BE49-F238E27FC236}">
+                <a16:creationId xmlns:a16="http://schemas.microsoft.com/office/drawing/2014/main" id="{03B2EE04-1262-D49F-16FA-5FFE7C7CE23B}"/>
+              </a:ext>
+            </a:extLst>
+          </p:cNvPr>
+          <p:cNvPicPr>
+            <a:picLocks noChangeAspect="1" noChangeArrowheads="1"/>
+          </p:cNvPicPr>
+          <p:nvPr/>
+        </p:nvPicPr>
+        <p:blipFill>
+          <a:blip r:embed="rId2">
+            <a:extLst>
+              <a:ext uri="{28A0092B-C50C-407E-A947-70E740481C1C}">
+                <a14:useLocalDpi xmlns:a14="http://schemas.microsoft.com/office/drawing/2010/main" val="0"/>
+              </a:ext>
+            </a:extLst>
+          </a:blip>
+          <a:srcRect/>
+          <a:stretch>
+            <a:fillRect/>
+          </a:stretch>
+        </p:blipFill>
+        <p:spPr bwMode="auto">
+          <a:xfrm>
+            <a:off x="1186295" y="3166495"/>
+            <a:ext cx="9819409" cy="2820523"/>
+          </a:xfrm>
+          <a:prstGeom prst="rect">
+            <a:avLst/>
+          </a:prstGeom>
+          <a:noFill/>
+          <a:ln>
+            <a:solidFill>
+              <a:schemeClr val="bg1">
+                <a:lumMod val="85000"/>
+              </a:schemeClr>
+            </a:solidFill>
+          </a:ln>
+          <a:extLst>
+            <a:ext uri="{909E8E84-426E-40DD-AFC4-6F175D3DCCD1}">
+              <a14:hiddenFill xmlns:a14="http://schemas.microsoft.com/office/drawing/2010/main">
+                <a:solidFill>
+                  <a:srgbClr val="FFFFFF"/>
+                </a:solidFill>
+              </a14:hiddenFill>
+            </a:ext>
+          </a:extLst>
+        </p:spPr>
+      </p:pic>
+      <p:pic>
+        <p:nvPicPr>
+          <p:cNvPr id="1030" name="Picture 6">
+            <a:extLst>
+              <a:ext uri="{FF2B5EF4-FFF2-40B4-BE49-F238E27FC236}">
+                <a16:creationId xmlns:a16="http://schemas.microsoft.com/office/drawing/2014/main" id="{728BC0FC-895C-4EFD-795C-80692263F5F8}"/>
+              </a:ext>
+            </a:extLst>
+          </p:cNvPr>
+          <p:cNvPicPr>
+            <a:picLocks noChangeAspect="1" noChangeArrowheads="1"/>
+          </p:cNvPicPr>
+          <p:nvPr/>
+        </p:nvPicPr>
+        <p:blipFill>
+          <a:blip r:embed="rId3">
+            <a:extLst>
+              <a:ext uri="{28A0092B-C50C-407E-A947-70E740481C1C}">
+                <a14:useLocalDpi xmlns:a14="http://schemas.microsoft.com/office/drawing/2010/main" val="0"/>
+              </a:ext>
+            </a:extLst>
+          </a:blip>
+          <a:srcRect/>
+          <a:stretch>
+            <a:fillRect/>
+          </a:stretch>
+        </p:blipFill>
+        <p:spPr bwMode="auto">
+          <a:xfrm>
+            <a:off x="8610600" y="240800"/>
+            <a:ext cx="3175000" cy="2120900"/>
+          </a:xfrm>
+          <a:prstGeom prst="rect">
+            <a:avLst/>
+          </a:prstGeom>
+          <a:noFill/>
+          <a:extLst>
+            <a:ext uri="{909E8E84-426E-40DD-AFC4-6F175D3DCCD1}">
+              <a14:hiddenFill xmlns:a14="http://schemas.microsoft.com/office/drawing/2010/main">
+                <a:solidFill>
+                  <a:srgbClr val="FFFFFF"/>
+                </a:solidFill>
+              </a14:hiddenFill>
+            </a:ext>
+          </a:extLst>
+        </p:spPr>
+      </p:pic>
+      <p:sp>
+        <p:nvSpPr>
+          <p:cNvPr id="5" name="Textfeld 4">
+            <a:extLst>
+              <a:ext uri="{FF2B5EF4-FFF2-40B4-BE49-F238E27FC236}">
+                <a16:creationId xmlns:a16="http://schemas.microsoft.com/office/drawing/2014/main" id="{5D5A7AC4-023C-6F5F-9C9C-17702D7A0B59}"/>
+              </a:ext>
+            </a:extLst>
+          </p:cNvPr>
+          <p:cNvSpPr txBox="1"/>
+          <p:nvPr/>
+        </p:nvSpPr>
+        <p:spPr>
+          <a:xfrm>
+            <a:off x="8286198" y="2361700"/>
+            <a:ext cx="3823804" cy="369332"/>
+          </a:xfrm>
+          <a:prstGeom prst="rect">
+            <a:avLst/>
+          </a:prstGeom>
+          <a:noFill/>
+        </p:spPr>
+        <p:txBody>
+          <a:bodyPr wrap="none" rtlCol="0">
+            <a:spAutoFit/>
+          </a:bodyPr>
+          <a:lstStyle/>
+          <a:p>
+            <a:r>
+              <a:rPr lang="de-DE" dirty="0" err="1"/>
+              <a:t>maintains</a:t>
+            </a:r>
+            <a:r>
+              <a:rPr lang="de-DE" dirty="0"/>
+              <a:t> </a:t>
+            </a:r>
+            <a:r>
+              <a:rPr lang="de-DE" dirty="0" err="1"/>
+              <a:t>temperature</a:t>
+            </a:r>
+            <a:r>
+              <a:rPr lang="de-DE" dirty="0"/>
+              <a:t> </a:t>
+            </a:r>
+            <a:r>
+              <a:rPr lang="de-DE" dirty="0" err="1"/>
+              <a:t>near</a:t>
+            </a:r>
+            <a:r>
+              <a:rPr lang="de-DE" dirty="0"/>
+              <a:t> </a:t>
+            </a:r>
+            <a:r>
+              <a:rPr lang="de-DE" dirty="0" err="1"/>
+              <a:t>setpoint</a:t>
+            </a:r>
+            <a:endParaRPr lang="de-DE" dirty="0"/>
           </a:p>
         </p:txBody>
       </p:sp>
@@ -5476,255 +7133,10 @@
       </p:grpSpPr>
       <p:sp>
         <p:nvSpPr>
-          <p:cNvPr id="2" name="Titel 1">
-            <a:extLst>
-              <a:ext uri="{FF2B5EF4-FFF2-40B4-BE49-F238E27FC236}">
-                <a16:creationId xmlns:a16="http://schemas.microsoft.com/office/drawing/2014/main" id="{7950ED58-5FA1-F257-7511-87418DE7947F}"/>
-              </a:ext>
-            </a:extLst>
-          </p:cNvPr>
-          <p:cNvSpPr>
-            <a:spLocks noGrp="1"/>
-          </p:cNvSpPr>
-          <p:nvPr>
-            <p:ph type="title"/>
-          </p:nvPr>
-        </p:nvSpPr>
-        <p:spPr/>
-        <p:txBody>
-          <a:bodyPr/>
-          <a:lstStyle/>
-          <a:p>
-            <a:r>
-              <a:rPr lang="de-DE" dirty="0"/>
-              <a:t>Measurement, Sensors, and </a:t>
-            </a:r>
-            <a:r>
-              <a:rPr lang="de-DE" dirty="0" err="1"/>
-              <a:t>Actuators</a:t>
-            </a:r>
-            <a:endParaRPr lang="de-DE" dirty="0"/>
-          </a:p>
-        </p:txBody>
-      </p:sp>
-      <p:sp>
-        <p:nvSpPr>
-          <p:cNvPr id="3" name="Inhaltsplatzhalter 2">
-            <a:extLst>
-              <a:ext uri="{FF2B5EF4-FFF2-40B4-BE49-F238E27FC236}">
-                <a16:creationId xmlns:a16="http://schemas.microsoft.com/office/drawing/2014/main" id="{78DF0C89-4633-D22B-E857-71C24580841A}"/>
-              </a:ext>
-            </a:extLst>
-          </p:cNvPr>
-          <p:cNvSpPr>
-            <a:spLocks noGrp="1"/>
-          </p:cNvSpPr>
-          <p:nvPr>
-            <p:ph idx="1"/>
-          </p:nvPr>
-        </p:nvSpPr>
-        <p:spPr/>
-        <p:txBody>
-          <a:bodyPr/>
-          <a:lstStyle/>
-          <a:p>
-            <a:r>
-              <a:rPr lang="de-DE" dirty="0"/>
-              <a:t>Sensors </a:t>
-            </a:r>
-            <a:r>
-              <a:rPr lang="de-DE" dirty="0" err="1"/>
-              <a:t>measure</a:t>
-            </a:r>
-            <a:r>
-              <a:rPr lang="de-DE" dirty="0"/>
-              <a:t> </a:t>
-            </a:r>
-            <a:r>
-              <a:rPr lang="de-DE" dirty="0" err="1"/>
-              <a:t>system</a:t>
-            </a:r>
-            <a:r>
-              <a:rPr lang="de-DE" dirty="0"/>
-              <a:t> </a:t>
-            </a:r>
-            <a:r>
-              <a:rPr lang="de-DE" dirty="0" err="1"/>
-              <a:t>output</a:t>
-            </a:r>
-            <a:r>
-              <a:rPr lang="de-DE" dirty="0"/>
-              <a:t> (</a:t>
-            </a:r>
-            <a:r>
-              <a:rPr lang="de-DE" dirty="0" err="1"/>
-              <a:t>position</a:t>
-            </a:r>
-            <a:r>
-              <a:rPr lang="de-DE" dirty="0"/>
-              <a:t>, </a:t>
-            </a:r>
-            <a:r>
-              <a:rPr lang="de-DE" dirty="0" err="1"/>
-              <a:t>speed</a:t>
-            </a:r>
-            <a:r>
-              <a:rPr lang="de-DE" dirty="0"/>
-              <a:t>, </a:t>
-            </a:r>
-            <a:r>
-              <a:rPr lang="de-DE" dirty="0" err="1"/>
-              <a:t>temperature</a:t>
-            </a:r>
-            <a:r>
-              <a:rPr lang="de-DE" dirty="0"/>
-              <a:t>)</a:t>
-            </a:r>
-          </a:p>
-          <a:p>
-            <a:r>
-              <a:rPr lang="de-DE" dirty="0" err="1"/>
-              <a:t>Actuators</a:t>
-            </a:r>
-            <a:r>
-              <a:rPr lang="de-DE" dirty="0"/>
-              <a:t> </a:t>
-            </a:r>
-            <a:r>
-              <a:rPr lang="de-DE" dirty="0" err="1"/>
-              <a:t>apply</a:t>
-            </a:r>
-            <a:r>
-              <a:rPr lang="de-DE" dirty="0"/>
-              <a:t> </a:t>
-            </a:r>
-            <a:r>
-              <a:rPr lang="de-DE" dirty="0" err="1"/>
-              <a:t>control</a:t>
-            </a:r>
-            <a:r>
-              <a:rPr lang="de-DE" dirty="0"/>
-              <a:t> </a:t>
-            </a:r>
-            <a:r>
-              <a:rPr lang="de-DE" dirty="0" err="1"/>
-              <a:t>input</a:t>
-            </a:r>
-            <a:r>
-              <a:rPr lang="de-DE" dirty="0"/>
-              <a:t> (</a:t>
-            </a:r>
-            <a:r>
-              <a:rPr lang="de-DE" dirty="0" err="1"/>
-              <a:t>motor</a:t>
-            </a:r>
-            <a:r>
-              <a:rPr lang="de-DE" dirty="0"/>
-              <a:t> </a:t>
-            </a:r>
-            <a:r>
-              <a:rPr lang="de-DE" dirty="0" err="1"/>
-              <a:t>torque</a:t>
-            </a:r>
-            <a:r>
-              <a:rPr lang="de-DE" dirty="0"/>
-              <a:t>, </a:t>
-            </a:r>
-            <a:r>
-              <a:rPr lang="de-DE" dirty="0" err="1"/>
-              <a:t>valve</a:t>
-            </a:r>
-            <a:r>
-              <a:rPr lang="de-DE" dirty="0"/>
-              <a:t> </a:t>
-            </a:r>
-            <a:r>
-              <a:rPr lang="de-DE" dirty="0" err="1"/>
-              <a:t>opening</a:t>
-            </a:r>
-            <a:r>
-              <a:rPr lang="de-DE" dirty="0"/>
-              <a:t>)</a:t>
-            </a:r>
-          </a:p>
-          <a:p>
-            <a:r>
-              <a:rPr lang="de-DE" dirty="0"/>
-              <a:t>Measurement </a:t>
-            </a:r>
-            <a:r>
-              <a:rPr lang="de-DE" dirty="0" err="1"/>
-              <a:t>noise</a:t>
-            </a:r>
-            <a:r>
-              <a:rPr lang="de-DE" dirty="0"/>
-              <a:t> and </a:t>
-            </a:r>
-            <a:r>
-              <a:rPr lang="de-DE" dirty="0" err="1"/>
-              <a:t>delays</a:t>
-            </a:r>
-            <a:r>
-              <a:rPr lang="de-DE" dirty="0"/>
-              <a:t> </a:t>
-            </a:r>
-            <a:r>
-              <a:rPr lang="de-DE" dirty="0" err="1"/>
-              <a:t>are</a:t>
-            </a:r>
-            <a:r>
-              <a:rPr lang="de-DE" dirty="0"/>
-              <a:t> </a:t>
-            </a:r>
-            <a:r>
-              <a:rPr lang="de-DE" dirty="0" err="1"/>
-              <a:t>unavoidable</a:t>
-            </a:r>
-            <a:endParaRPr lang="de-DE" dirty="0"/>
-          </a:p>
-          <a:p>
-            <a:r>
-              <a:rPr lang="de-DE" dirty="0"/>
-              <a:t>Control design </a:t>
-            </a:r>
-            <a:r>
-              <a:rPr lang="de-DE" dirty="0" err="1"/>
-              <a:t>must</a:t>
-            </a:r>
-            <a:r>
-              <a:rPr lang="de-DE" dirty="0"/>
-              <a:t> </a:t>
-            </a:r>
-            <a:r>
-              <a:rPr lang="de-DE" dirty="0" err="1"/>
-              <a:t>account</a:t>
-            </a:r>
-            <a:r>
-              <a:rPr lang="de-DE" dirty="0"/>
-              <a:t> </a:t>
-            </a:r>
-            <a:r>
-              <a:rPr lang="de-DE" dirty="0" err="1"/>
-              <a:t>for</a:t>
-            </a:r>
-            <a:r>
-              <a:rPr lang="de-DE" dirty="0"/>
-              <a:t> </a:t>
-            </a:r>
-            <a:r>
-              <a:rPr lang="de-DE" dirty="0" err="1"/>
-              <a:t>imperfections</a:t>
-            </a:r>
-            <a:endParaRPr lang="de-DE" dirty="0"/>
-          </a:p>
-        </p:txBody>
-      </p:sp>
-      <p:sp>
-        <p:nvSpPr>
           <p:cNvPr id="4" name="Foliennummernplatzhalter 3">
             <a:extLst>
               <a:ext uri="{FF2B5EF4-FFF2-40B4-BE49-F238E27FC236}">
-                <a16:creationId xmlns:a16="http://schemas.microsoft.com/office/drawing/2014/main" id="{02347BD4-FB42-D585-E4E6-3F7E59ED6720}"/>
+                <a16:creationId xmlns:a16="http://schemas.microsoft.com/office/drawing/2014/main" id="{B286533E-CD80-5B8C-D6BC-8237FBA8B5F1}"/>
               </a:ext>
             </a:extLst>
           </p:cNvPr>
@@ -5748,10 +7160,213 @@
           </a:p>
         </p:txBody>
       </p:sp>
+      <p:pic>
+        <p:nvPicPr>
+          <p:cNvPr id="5" name="Picture 4" descr="Closed Loop System and Closed-loop Feedback Control Systems">
+            <a:extLst>
+              <a:ext uri="{FF2B5EF4-FFF2-40B4-BE49-F238E27FC236}">
+                <a16:creationId xmlns:a16="http://schemas.microsoft.com/office/drawing/2014/main" id="{A7AC868E-480E-184E-ECAC-420650192074}"/>
+              </a:ext>
+            </a:extLst>
+          </p:cNvPr>
+          <p:cNvPicPr>
+            <a:picLocks noChangeAspect="1" noChangeArrowheads="1"/>
+          </p:cNvPicPr>
+          <p:nvPr/>
+        </p:nvPicPr>
+        <p:blipFill>
+          <a:blip r:embed="rId2">
+            <a:extLst>
+              <a:ext uri="{28A0092B-C50C-407E-A947-70E740481C1C}">
+                <a14:useLocalDpi xmlns:a14="http://schemas.microsoft.com/office/drawing/2010/main" val="0"/>
+              </a:ext>
+            </a:extLst>
+          </a:blip>
+          <a:srcRect/>
+          <a:stretch>
+            <a:fillRect/>
+          </a:stretch>
+        </p:blipFill>
+        <p:spPr bwMode="auto">
+          <a:xfrm>
+            <a:off x="1479008" y="1569749"/>
+            <a:ext cx="9233983" cy="3718502"/>
+          </a:xfrm>
+          <a:prstGeom prst="rect">
+            <a:avLst/>
+          </a:prstGeom>
+          <a:noFill/>
+          <a:extLst>
+            <a:ext uri="{909E8E84-426E-40DD-AFC4-6F175D3DCCD1}">
+              <a14:hiddenFill xmlns:a14="http://schemas.microsoft.com/office/drawing/2010/main">
+                <a:solidFill>
+                  <a:srgbClr val="FFFFFF"/>
+                </a:solidFill>
+              </a14:hiddenFill>
+            </a:ext>
+          </a:extLst>
+        </p:spPr>
+      </p:pic>
+      <p:sp>
+        <p:nvSpPr>
+          <p:cNvPr id="6" name="Rechteck 5">
+            <a:extLst>
+              <a:ext uri="{FF2B5EF4-FFF2-40B4-BE49-F238E27FC236}">
+                <a16:creationId xmlns:a16="http://schemas.microsoft.com/office/drawing/2014/main" id="{AE523742-8946-1647-84BD-79CA3E93CE67}"/>
+              </a:ext>
+            </a:extLst>
+          </p:cNvPr>
+          <p:cNvSpPr/>
+          <p:nvPr/>
+        </p:nvSpPr>
+        <p:spPr>
+          <a:xfrm flipV="1">
+            <a:off x="1312999" y="2971798"/>
+            <a:ext cx="921046" cy="374074"/>
+          </a:xfrm>
+          <a:prstGeom prst="rect">
+            <a:avLst/>
+          </a:prstGeom>
+          <a:solidFill>
+            <a:schemeClr val="bg1"/>
+          </a:solidFill>
+          <a:ln>
+            <a:noFill/>
+          </a:ln>
+        </p:spPr>
+        <p:style>
+          <a:lnRef idx="2">
+            <a:schemeClr val="accent1">
+              <a:shade val="15000"/>
+            </a:schemeClr>
+          </a:lnRef>
+          <a:fillRef idx="1">
+            <a:schemeClr val="accent1"/>
+          </a:fillRef>
+          <a:effectRef idx="0">
+            <a:schemeClr val="accent1"/>
+          </a:effectRef>
+          <a:fontRef idx="minor">
+            <a:schemeClr val="lt1"/>
+          </a:fontRef>
+        </p:style>
+        <p:txBody>
+          <a:bodyPr rtlCol="0" anchor="ctr"/>
+          <a:lstStyle/>
+          <a:p>
+            <a:pPr algn="ctr"/>
+            <a:endParaRPr lang="de-DE"/>
+          </a:p>
+        </p:txBody>
+      </p:sp>
+      <p:sp>
+        <p:nvSpPr>
+          <p:cNvPr id="7" name="Rechteck 6">
+            <a:extLst>
+              <a:ext uri="{FF2B5EF4-FFF2-40B4-BE49-F238E27FC236}">
+                <a16:creationId xmlns:a16="http://schemas.microsoft.com/office/drawing/2014/main" id="{E19C7476-F588-E0F5-E8FC-01AC6343002A}"/>
+              </a:ext>
+            </a:extLst>
+          </p:cNvPr>
+          <p:cNvSpPr/>
+          <p:nvPr/>
+        </p:nvSpPr>
+        <p:spPr>
+          <a:xfrm flipV="1">
+            <a:off x="9791945" y="3054926"/>
+            <a:ext cx="921046" cy="374074"/>
+          </a:xfrm>
+          <a:prstGeom prst="rect">
+            <a:avLst/>
+          </a:prstGeom>
+          <a:solidFill>
+            <a:schemeClr val="bg1"/>
+          </a:solidFill>
+          <a:ln>
+            <a:noFill/>
+          </a:ln>
+        </p:spPr>
+        <p:style>
+          <a:lnRef idx="2">
+            <a:schemeClr val="accent1">
+              <a:shade val="15000"/>
+            </a:schemeClr>
+          </a:lnRef>
+          <a:fillRef idx="1">
+            <a:schemeClr val="accent1"/>
+          </a:fillRef>
+          <a:effectRef idx="0">
+            <a:schemeClr val="accent1"/>
+          </a:effectRef>
+          <a:fontRef idx="minor">
+            <a:schemeClr val="lt1"/>
+          </a:fontRef>
+        </p:style>
+        <p:txBody>
+          <a:bodyPr rtlCol="0" anchor="ctr"/>
+          <a:lstStyle/>
+          <a:p>
+            <a:pPr algn="ctr"/>
+            <a:endParaRPr lang="de-DE"/>
+          </a:p>
+        </p:txBody>
+      </p:sp>
+      <p:sp>
+        <p:nvSpPr>
+          <p:cNvPr id="8" name="Rechteck 7">
+            <a:extLst>
+              <a:ext uri="{FF2B5EF4-FFF2-40B4-BE49-F238E27FC236}">
+                <a16:creationId xmlns:a16="http://schemas.microsoft.com/office/drawing/2014/main" id="{DB330525-47C4-8D5A-AD70-FE0865C7A283}"/>
+              </a:ext>
+            </a:extLst>
+          </p:cNvPr>
+          <p:cNvSpPr/>
+          <p:nvPr/>
+        </p:nvSpPr>
+        <p:spPr>
+          <a:xfrm flipV="1">
+            <a:off x="3314981" y="1551600"/>
+            <a:ext cx="1433664" cy="830551"/>
+          </a:xfrm>
+          <a:prstGeom prst="rect">
+            <a:avLst/>
+          </a:prstGeom>
+          <a:solidFill>
+            <a:schemeClr val="bg1"/>
+          </a:solidFill>
+          <a:ln>
+            <a:noFill/>
+          </a:ln>
+        </p:spPr>
+        <p:style>
+          <a:lnRef idx="2">
+            <a:schemeClr val="accent1">
+              <a:shade val="15000"/>
+            </a:schemeClr>
+          </a:lnRef>
+          <a:fillRef idx="1">
+            <a:schemeClr val="accent1"/>
+          </a:fillRef>
+          <a:effectRef idx="0">
+            <a:schemeClr val="accent1"/>
+          </a:effectRef>
+          <a:fontRef idx="minor">
+            <a:schemeClr val="lt1"/>
+          </a:fontRef>
+        </p:style>
+        <p:txBody>
+          <a:bodyPr rtlCol="0" anchor="ctr"/>
+          <a:lstStyle/>
+          <a:p>
+            <a:pPr algn="ctr"/>
+            <a:endParaRPr lang="de-DE"/>
+          </a:p>
+        </p:txBody>
+      </p:sp>
     </p:spTree>
     <p:extLst>
       <p:ext uri="{BB962C8B-B14F-4D97-AF65-F5344CB8AC3E}">
-        <p14:creationId xmlns:p14="http://schemas.microsoft.com/office/powerpoint/2010/main" val="1103483296"/>
+        <p14:creationId xmlns:p14="http://schemas.microsoft.com/office/powerpoint/2010/main" val="3637306280"/>
       </p:ext>
     </p:extLst>
   </p:cSld>
@@ -5778,214 +7393,59 @@
           <a:chExt cx="0" cy="0"/>
         </a:xfrm>
       </p:grpSpPr>
-      <p:sp>
-        <p:nvSpPr>
-          <p:cNvPr id="2" name="Titel 1">
-            <a:extLst>
-              <a:ext uri="{FF2B5EF4-FFF2-40B4-BE49-F238E27FC236}">
-                <a16:creationId xmlns:a16="http://schemas.microsoft.com/office/drawing/2014/main" id="{9F812107-E377-DB91-6E16-5180CD6AF303}"/>
-              </a:ext>
-            </a:extLst>
-          </p:cNvPr>
-          <p:cNvSpPr>
-            <a:spLocks noGrp="1"/>
-          </p:cNvSpPr>
-          <p:nvPr>
-            <p:ph type="title"/>
-          </p:nvPr>
-        </p:nvSpPr>
-        <p:spPr/>
-        <p:txBody>
-          <a:bodyPr/>
-          <a:lstStyle/>
-          <a:p>
-            <a:r>
-              <a:rPr lang="de-DE" dirty="0"/>
-              <a:t>Feedback: </a:t>
-            </a:r>
-            <a:r>
-              <a:rPr lang="de-DE" dirty="0" err="1"/>
-              <a:t>Why</a:t>
-            </a:r>
-            <a:r>
-              <a:rPr lang="de-DE" dirty="0"/>
-              <a:t> </a:t>
-            </a:r>
-            <a:r>
-              <a:rPr lang="de-DE" dirty="0" err="1"/>
-              <a:t>It</a:t>
-            </a:r>
-            <a:r>
-              <a:rPr lang="de-DE" dirty="0"/>
-              <a:t> Works</a:t>
-            </a:r>
-          </a:p>
-        </p:txBody>
-      </p:sp>
-      <p:sp>
-        <p:nvSpPr>
-          <p:cNvPr id="3" name="Inhaltsplatzhalter 2">
-            <a:extLst>
-              <a:ext uri="{FF2B5EF4-FFF2-40B4-BE49-F238E27FC236}">
-                <a16:creationId xmlns:a16="http://schemas.microsoft.com/office/drawing/2014/main" id="{3FC46CA0-26AF-9F63-1400-0D58BE5CF84B}"/>
-              </a:ext>
-            </a:extLst>
-          </p:cNvPr>
-          <p:cNvSpPr>
-            <a:spLocks noGrp="1"/>
-          </p:cNvSpPr>
-          <p:nvPr>
-            <p:ph idx="1"/>
-          </p:nvPr>
-        </p:nvSpPr>
-        <p:spPr/>
-        <p:txBody>
-          <a:bodyPr/>
-          <a:lstStyle/>
-          <a:p>
-            <a:r>
-              <a:rPr lang="de-DE" dirty="0" err="1"/>
-              <a:t>Reduces</a:t>
-            </a:r>
-            <a:r>
-              <a:rPr lang="de-DE" dirty="0"/>
-              <a:t> </a:t>
-            </a:r>
-            <a:r>
-              <a:rPr lang="de-DE" dirty="0" err="1"/>
-              <a:t>sensitivity</a:t>
-            </a:r>
-            <a:r>
-              <a:rPr lang="de-DE" dirty="0"/>
-              <a:t> </a:t>
-            </a:r>
-            <a:r>
-              <a:rPr lang="de-DE" dirty="0" err="1"/>
-              <a:t>to</a:t>
-            </a:r>
-            <a:r>
-              <a:rPr lang="de-DE" dirty="0"/>
-              <a:t> </a:t>
-            </a:r>
-            <a:r>
-              <a:rPr lang="de-DE" dirty="0" err="1"/>
-              <a:t>disturbances</a:t>
-            </a:r>
-            <a:endParaRPr lang="de-DE" dirty="0"/>
-          </a:p>
-          <a:p>
-            <a:r>
-              <a:rPr lang="de-DE" dirty="0" err="1"/>
-              <a:t>Reduces</a:t>
-            </a:r>
-            <a:r>
-              <a:rPr lang="de-DE" dirty="0"/>
-              <a:t> </a:t>
-            </a:r>
-            <a:r>
-              <a:rPr lang="de-DE" dirty="0" err="1"/>
-              <a:t>effect</a:t>
-            </a:r>
-            <a:r>
-              <a:rPr lang="de-DE" dirty="0"/>
-              <a:t> </a:t>
-            </a:r>
-            <a:r>
-              <a:rPr lang="de-DE" dirty="0" err="1"/>
-              <a:t>of</a:t>
-            </a:r>
-            <a:r>
-              <a:rPr lang="de-DE" dirty="0"/>
-              <a:t> </a:t>
-            </a:r>
-            <a:r>
-              <a:rPr lang="de-DE" dirty="0" err="1"/>
-              <a:t>model</a:t>
-            </a:r>
-            <a:r>
-              <a:rPr lang="de-DE" dirty="0"/>
-              <a:t> </a:t>
-            </a:r>
-            <a:r>
-              <a:rPr lang="de-DE" dirty="0" err="1"/>
-              <a:t>uncertainty</a:t>
-            </a:r>
-            <a:endParaRPr lang="de-DE" dirty="0"/>
-          </a:p>
-          <a:p>
-            <a:r>
-              <a:rPr lang="de-DE" dirty="0" err="1"/>
-              <a:t>Improves</a:t>
-            </a:r>
-            <a:r>
-              <a:rPr lang="de-DE" dirty="0"/>
-              <a:t> </a:t>
-            </a:r>
-            <a:r>
-              <a:rPr lang="de-DE" dirty="0" err="1"/>
-              <a:t>tracking</a:t>
-            </a:r>
-            <a:r>
-              <a:rPr lang="de-DE" dirty="0"/>
-              <a:t> </a:t>
-            </a:r>
-            <a:r>
-              <a:rPr lang="de-DE" dirty="0" err="1"/>
-              <a:t>accuracy</a:t>
-            </a:r>
-            <a:endParaRPr lang="de-DE" dirty="0"/>
-          </a:p>
-          <a:p>
-            <a:r>
-              <a:rPr lang="de-DE" dirty="0"/>
-              <a:t>Can </a:t>
-            </a:r>
-            <a:r>
-              <a:rPr lang="de-DE" dirty="0" err="1"/>
-              <a:t>destabilize</a:t>
-            </a:r>
-            <a:r>
-              <a:rPr lang="de-DE" dirty="0"/>
-              <a:t> </a:t>
-            </a:r>
-            <a:r>
-              <a:rPr lang="de-DE" dirty="0" err="1"/>
-              <a:t>systems</a:t>
-            </a:r>
-            <a:r>
-              <a:rPr lang="de-DE" dirty="0"/>
-              <a:t> </a:t>
-            </a:r>
-            <a:r>
-              <a:rPr lang="de-DE" dirty="0" err="1"/>
-              <a:t>if</a:t>
-            </a:r>
-            <a:r>
-              <a:rPr lang="de-DE" dirty="0"/>
-              <a:t> </a:t>
-            </a:r>
-            <a:r>
-              <a:rPr lang="de-DE" dirty="0" err="1"/>
-              <a:t>poorly</a:t>
-            </a:r>
-            <a:r>
-              <a:rPr lang="de-DE" dirty="0"/>
-              <a:t> </a:t>
-            </a:r>
-            <a:r>
-              <a:rPr lang="de-DE" dirty="0" err="1"/>
-              <a:t>designed</a:t>
-            </a:r>
-            <a:endParaRPr lang="de-DE" dirty="0"/>
-          </a:p>
-        </p:txBody>
-      </p:sp>
+      <p:pic>
+        <p:nvPicPr>
+          <p:cNvPr id="4102" name="Picture 6">
+            <a:extLst>
+              <a:ext uri="{FF2B5EF4-FFF2-40B4-BE49-F238E27FC236}">
+                <a16:creationId xmlns:a16="http://schemas.microsoft.com/office/drawing/2014/main" id="{0B121C6D-6A3B-E6C4-325C-73795373A40E}"/>
+              </a:ext>
+            </a:extLst>
+          </p:cNvPr>
+          <p:cNvPicPr>
+            <a:picLocks noChangeAspect="1" noChangeArrowheads="1"/>
+          </p:cNvPicPr>
+          <p:nvPr/>
+        </p:nvPicPr>
+        <p:blipFill>
+          <a:blip r:embed="rId2">
+            <a:extLst>
+              <a:ext uri="{28A0092B-C50C-407E-A947-70E740481C1C}">
+                <a14:useLocalDpi xmlns:a14="http://schemas.microsoft.com/office/drawing/2010/main" val="0"/>
+              </a:ext>
+            </a:extLst>
+          </a:blip>
+          <a:srcRect/>
+          <a:stretch>
+            <a:fillRect/>
+          </a:stretch>
+        </p:blipFill>
+        <p:spPr bwMode="auto">
+          <a:xfrm>
+            <a:off x="838200" y="381521"/>
+            <a:ext cx="10035309" cy="6339954"/>
+          </a:xfrm>
+          <a:prstGeom prst="rect">
+            <a:avLst/>
+          </a:prstGeom>
+          <a:noFill/>
+          <a:extLst>
+            <a:ext uri="{909E8E84-426E-40DD-AFC4-6F175D3DCCD1}">
+              <a14:hiddenFill xmlns:a14="http://schemas.microsoft.com/office/drawing/2010/main">
+                <a:solidFill>
+                  <a:srgbClr val="FFFFFF"/>
+                </a:solidFill>
+              </a14:hiddenFill>
+            </a:ext>
+          </a:extLst>
+        </p:spPr>
+      </p:pic>
       <p:sp>
         <p:nvSpPr>
           <p:cNvPr id="4" name="Foliennummernplatzhalter 3">
             <a:extLst>
               <a:ext uri="{FF2B5EF4-FFF2-40B4-BE49-F238E27FC236}">
-                <a16:creationId xmlns:a16="http://schemas.microsoft.com/office/drawing/2014/main" id="{2A230E84-B9F1-09AA-7ED5-98BAB1A45747}"/>
+                <a16:creationId xmlns:a16="http://schemas.microsoft.com/office/drawing/2014/main" id="{1F7247C8-F08E-D5F2-4FCB-49426E9BC5D3}"/>
               </a:ext>
             </a:extLst>
           </p:cNvPr>
@@ -6012,7 +7472,7 @@
     </p:spTree>
     <p:extLst>
       <p:ext uri="{BB962C8B-B14F-4D97-AF65-F5344CB8AC3E}">
-        <p14:creationId xmlns:p14="http://schemas.microsoft.com/office/powerpoint/2010/main" val="1629702239"/>
+        <p14:creationId xmlns:p14="http://schemas.microsoft.com/office/powerpoint/2010/main" val="2313886892"/>
       </p:ext>
     </p:extLst>
   </p:cSld>
@@ -6041,10 +7501,10 @@
       </p:grpSpPr>
       <p:sp>
         <p:nvSpPr>
-          <p:cNvPr id="2" name="Title 1">
-            <a:extLst>
-              <a:ext uri="{FF2B5EF4-FFF2-40B4-BE49-F238E27FC236}">
-                <a16:creationId xmlns:a16="http://schemas.microsoft.com/office/drawing/2014/main" id="{D19A2E5C-5FD4-F085-4DAA-7404FBAAA90F}"/>
+          <p:cNvPr id="2" name="Titel 1">
+            <a:extLst>
+              <a:ext uri="{FF2B5EF4-FFF2-40B4-BE49-F238E27FC236}">
+                <a16:creationId xmlns:a16="http://schemas.microsoft.com/office/drawing/2014/main" id="{7950ED58-5FA1-F257-7511-87418DE7947F}"/>
               </a:ext>
             </a:extLst>
           </p:cNvPr>
@@ -6061,9 +7521,14 @@
           <a:lstStyle/>
           <a:p>
             <a:r>
-              <a:rPr lang="en-GB" dirty="0"/>
-              <a:t>Control Engineering Applications</a:t>
-            </a:r>
+              <a:rPr lang="de-DE" dirty="0"/>
+              <a:t>Measurement, Sensors, and </a:t>
+            </a:r>
+            <a:r>
+              <a:rPr lang="de-DE" dirty="0" err="1"/>
+              <a:t>Actuators</a:t>
+            </a:r>
+            <a:endParaRPr lang="de-DE" dirty="0"/>
           </a:p>
         </p:txBody>
       </p:sp>
@@ -6072,7 +7537,7 @@
           <p:cNvPr id="3" name="Inhaltsplatzhalter 2">
             <a:extLst>
               <a:ext uri="{FF2B5EF4-FFF2-40B4-BE49-F238E27FC236}">
-                <a16:creationId xmlns:a16="http://schemas.microsoft.com/office/drawing/2014/main" id="{63165E42-8540-9972-087F-81866151DFEE}"/>
+                <a16:creationId xmlns:a16="http://schemas.microsoft.com/office/drawing/2014/main" id="{78DF0C89-4633-D22B-E857-71C24580841A}"/>
               </a:ext>
             </a:extLst>
           </p:cNvPr>
@@ -6090,11 +7555,11 @@
           <a:p>
             <a:r>
               <a:rPr lang="de-DE" dirty="0"/>
-              <a:t>Robotics: </a:t>
-            </a:r>
-            <a:r>
-              <a:rPr lang="de-DE" dirty="0" err="1"/>
-              <a:t>motion</a:t>
+              <a:t>Sensors </a:t>
+            </a:r>
+            <a:r>
+              <a:rPr lang="de-DE" dirty="0" err="1"/>
+              <a:t>measure</a:t>
             </a:r>
             <a:r>
               <a:rPr lang="de-DE" dirty="0"/>
@@ -6102,34 +7567,154 @@
             </a:r>
             <a:r>
               <a:rPr lang="de-DE" dirty="0" err="1"/>
+              <a:t>system</a:t>
+            </a:r>
+            <a:r>
+              <a:rPr lang="de-DE" dirty="0"/>
+              <a:t> </a:t>
+            </a:r>
+            <a:r>
+              <a:rPr lang="de-DE" dirty="0" err="1"/>
+              <a:t>output</a:t>
+            </a:r>
+            <a:r>
+              <a:rPr lang="de-DE" dirty="0"/>
+              <a:t> (</a:t>
+            </a:r>
+            <a:r>
+              <a:rPr lang="de-DE" dirty="0" err="1"/>
+              <a:t>position</a:t>
+            </a:r>
+            <a:r>
+              <a:rPr lang="de-DE" dirty="0"/>
+              <a:t>, </a:t>
+            </a:r>
+            <a:r>
+              <a:rPr lang="de-DE" dirty="0" err="1"/>
+              <a:t>speed</a:t>
+            </a:r>
+            <a:r>
+              <a:rPr lang="de-DE" dirty="0"/>
+              <a:t>, </a:t>
+            </a:r>
+            <a:r>
+              <a:rPr lang="de-DE" dirty="0" err="1"/>
+              <a:t>temperature</a:t>
+            </a:r>
+            <a:r>
+              <a:rPr lang="de-DE" dirty="0"/>
+              <a:t>)</a:t>
+            </a:r>
+          </a:p>
+          <a:p>
+            <a:r>
+              <a:rPr lang="de-DE" dirty="0" err="1"/>
+              <a:t>Actuators</a:t>
+            </a:r>
+            <a:r>
+              <a:rPr lang="de-DE" dirty="0"/>
+              <a:t> </a:t>
+            </a:r>
+            <a:r>
+              <a:rPr lang="de-DE" dirty="0" err="1"/>
+              <a:t>apply</a:t>
+            </a:r>
+            <a:r>
+              <a:rPr lang="de-DE" dirty="0"/>
+              <a:t> </a:t>
+            </a:r>
+            <a:r>
+              <a:rPr lang="de-DE" dirty="0" err="1"/>
               <a:t>control</a:t>
             </a:r>
             <a:r>
               <a:rPr lang="de-DE" dirty="0"/>
+              <a:t> </a:t>
+            </a:r>
+            <a:r>
+              <a:rPr lang="de-DE" dirty="0" err="1"/>
+              <a:t>input</a:t>
+            </a:r>
+            <a:r>
+              <a:rPr lang="de-DE" dirty="0"/>
+              <a:t> (</a:t>
+            </a:r>
+            <a:r>
+              <a:rPr lang="de-DE" dirty="0" err="1"/>
+              <a:t>motor</a:t>
+            </a:r>
+            <a:r>
+              <a:rPr lang="de-DE" dirty="0"/>
+              <a:t> </a:t>
+            </a:r>
+            <a:r>
+              <a:rPr lang="de-DE" dirty="0" err="1"/>
+              <a:t>torque</a:t>
+            </a:r>
+            <a:r>
+              <a:rPr lang="de-DE" dirty="0"/>
               <a:t>, </a:t>
             </a:r>
             <a:r>
               <a:rPr lang="de-DE" dirty="0" err="1"/>
-              <a:t>balance</a:t>
-            </a:r>
-            <a:r>
-              <a:rPr lang="de-DE" dirty="0"/>
-              <a:t>, </a:t>
-            </a:r>
-            <a:r>
-              <a:rPr lang="de-DE" dirty="0" err="1"/>
-              <a:t>manipulation</a:t>
+              <a:t>valve</a:t>
+            </a:r>
+            <a:r>
+              <a:rPr lang="de-DE" dirty="0"/>
+              <a:t> </a:t>
+            </a:r>
+            <a:r>
+              <a:rPr lang="de-DE" dirty="0" err="1"/>
+              <a:t>opening</a:t>
+            </a:r>
+            <a:r>
+              <a:rPr lang="de-DE" dirty="0"/>
+              <a:t>)</a:t>
+            </a:r>
+          </a:p>
+          <a:p>
+            <a:r>
+              <a:rPr lang="de-DE" dirty="0"/>
+              <a:t>Measurement </a:t>
+            </a:r>
+            <a:r>
+              <a:rPr lang="de-DE" dirty="0" err="1"/>
+              <a:t>noise</a:t>
+            </a:r>
+            <a:r>
+              <a:rPr lang="de-DE" dirty="0"/>
+              <a:t> and </a:t>
+            </a:r>
+            <a:r>
+              <a:rPr lang="de-DE" dirty="0" err="1"/>
+              <a:t>delays</a:t>
+            </a:r>
+            <a:r>
+              <a:rPr lang="de-DE" dirty="0"/>
+              <a:t> </a:t>
+            </a:r>
+            <a:r>
+              <a:rPr lang="de-DE" dirty="0" err="1"/>
+              <a:t>are</a:t>
+            </a:r>
+            <a:r>
+              <a:rPr lang="de-DE" dirty="0"/>
+              <a:t> </a:t>
+            </a:r>
+            <a:r>
+              <a:rPr lang="de-DE" dirty="0" err="1"/>
+              <a:t>unavoidable</a:t>
             </a:r>
             <a:endParaRPr lang="de-DE" dirty="0"/>
           </a:p>
           <a:p>
             <a:r>
               <a:rPr lang="de-DE" dirty="0"/>
-              <a:t>Automation: </a:t>
-            </a:r>
-            <a:r>
-              <a:rPr lang="de-DE" dirty="0" err="1"/>
-              <a:t>process</a:t>
+              <a:t>Control design </a:t>
+            </a:r>
+            <a:r>
+              <a:rPr lang="de-DE" dirty="0" err="1"/>
+              <a:t>must</a:t>
             </a:r>
             <a:r>
               <a:rPr lang="de-DE" dirty="0"/>
@@ -6137,15 +7722,7 @@
             </a:r>
             <a:r>
               <a:rPr lang="de-DE" dirty="0" err="1"/>
-              <a:t>control</a:t>
-            </a:r>
-            <a:r>
-              <a:rPr lang="de-DE" dirty="0"/>
-              <a:t>, </a:t>
-            </a:r>
-            <a:r>
-              <a:rPr lang="de-DE" dirty="0" err="1"/>
-              <a:t>manufacturing</a:t>
+              <a:t>account</a:t>
             </a:r>
             <a:r>
               <a:rPr lang="de-DE" dirty="0"/>
@@ -6153,120 +7730,26 @@
             </a:r>
             <a:r>
               <a:rPr lang="de-DE" dirty="0" err="1"/>
-              <a:t>lines</a:t>
+              <a:t>for</a:t>
+            </a:r>
+            <a:r>
+              <a:rPr lang="de-DE" dirty="0"/>
+              <a:t> </a:t>
+            </a:r>
+            <a:r>
+              <a:rPr lang="de-DE" dirty="0" err="1"/>
+              <a:t>imperfections</a:t>
             </a:r>
             <a:endParaRPr lang="de-DE" dirty="0"/>
           </a:p>
-          <a:p>
-            <a:r>
-              <a:rPr lang="de-DE" dirty="0"/>
-              <a:t>Automotive: cruise </a:t>
-            </a:r>
-            <a:r>
-              <a:rPr lang="de-DE" dirty="0" err="1"/>
-              <a:t>control</a:t>
-            </a:r>
-            <a:r>
-              <a:rPr lang="de-DE" dirty="0"/>
-              <a:t>, ABS, </a:t>
-            </a:r>
-            <a:r>
-              <a:rPr lang="de-DE" dirty="0" err="1"/>
-              <a:t>engine</a:t>
-            </a:r>
-            <a:r>
-              <a:rPr lang="de-DE" dirty="0"/>
-              <a:t> </a:t>
-            </a:r>
-            <a:r>
-              <a:rPr lang="de-DE" dirty="0" err="1"/>
-              <a:t>control</a:t>
-            </a:r>
-            <a:endParaRPr lang="de-DE" dirty="0"/>
-          </a:p>
-          <a:p>
-            <a:r>
-              <a:rPr lang="de-DE" dirty="0"/>
-              <a:t>Energy </a:t>
-            </a:r>
-            <a:r>
-              <a:rPr lang="de-DE" dirty="0" err="1"/>
-              <a:t>systems</a:t>
-            </a:r>
-            <a:r>
-              <a:rPr lang="de-DE" dirty="0"/>
-              <a:t>, </a:t>
-            </a:r>
-            <a:r>
-              <a:rPr lang="de-DE" dirty="0" err="1"/>
-              <a:t>aerospace</a:t>
-            </a:r>
-            <a:r>
-              <a:rPr lang="de-DE" dirty="0"/>
-              <a:t>, </a:t>
-            </a:r>
-            <a:r>
-              <a:rPr lang="de-DE" dirty="0" err="1"/>
-              <a:t>biomedical</a:t>
-            </a:r>
-            <a:r>
-              <a:rPr lang="de-DE" dirty="0"/>
-              <a:t> </a:t>
-            </a:r>
-            <a:r>
-              <a:rPr lang="de-DE" dirty="0" err="1"/>
-              <a:t>engineering</a:t>
-            </a:r>
-            <a:endParaRPr lang="de-DE" dirty="0"/>
-          </a:p>
-          <a:p>
-            <a:pPr marL="0" indent="0">
-              <a:buNone/>
-            </a:pPr>
-            <a:endParaRPr lang="de-DE" dirty="0"/>
-          </a:p>
-          <a:p>
-            <a:pPr marL="0" indent="0">
-              <a:buNone/>
-            </a:pPr>
-            <a:r>
-              <a:rPr lang="de-DE" b="1" dirty="0"/>
-              <a:t>Image:</a:t>
-            </a:r>
-            <a:r>
-              <a:rPr lang="de-DE" dirty="0"/>
-              <a:t> </a:t>
-            </a:r>
-            <a:r>
-              <a:rPr lang="de-DE" dirty="0" err="1"/>
-              <a:t>collage</a:t>
-            </a:r>
-            <a:r>
-              <a:rPr lang="de-DE" dirty="0"/>
-              <a:t> </a:t>
-            </a:r>
-            <a:r>
-              <a:rPr lang="de-DE" dirty="0" err="1"/>
-              <a:t>of</a:t>
-            </a:r>
-            <a:r>
-              <a:rPr lang="de-DE" dirty="0"/>
-              <a:t> </a:t>
-            </a:r>
-            <a:r>
-              <a:rPr lang="de-DE" dirty="0" err="1"/>
-              <a:t>applications</a:t>
-            </a:r>
-            <a:endParaRPr lang="de-DE" dirty="0"/>
-          </a:p>
-        </p:txBody>
-      </p:sp>
-      <p:sp>
-        <p:nvSpPr>
-          <p:cNvPr id="4" name="Slide Number Placeholder 3">
-            <a:extLst>
-              <a:ext uri="{FF2B5EF4-FFF2-40B4-BE49-F238E27FC236}">
-                <a16:creationId xmlns:a16="http://schemas.microsoft.com/office/drawing/2014/main" id="{CE226E71-3908-2652-F640-7EB52307FFEA}"/>
+        </p:txBody>
+      </p:sp>
+      <p:sp>
+        <p:nvSpPr>
+          <p:cNvPr id="4" name="Foliennummernplatzhalter 3">
+            <a:extLst>
+              <a:ext uri="{FF2B5EF4-FFF2-40B4-BE49-F238E27FC236}">
+                <a16:creationId xmlns:a16="http://schemas.microsoft.com/office/drawing/2014/main" id="{02347BD4-FB42-D585-E4E6-3F7E59ED6720}"/>
               </a:ext>
             </a:extLst>
           </p:cNvPr>
@@ -6290,10 +7773,390 @@
           </a:p>
         </p:txBody>
       </p:sp>
+      <p:grpSp>
+        <p:nvGrpSpPr>
+          <p:cNvPr id="11" name="Gruppieren 10">
+            <a:extLst>
+              <a:ext uri="{FF2B5EF4-FFF2-40B4-BE49-F238E27FC236}">
+                <a16:creationId xmlns:a16="http://schemas.microsoft.com/office/drawing/2014/main" id="{6A2F046B-8AD8-1F0E-FE39-A6D9B3614EBB}"/>
+              </a:ext>
+            </a:extLst>
+          </p:cNvPr>
+          <p:cNvGrpSpPr/>
+          <p:nvPr/>
+        </p:nvGrpSpPr>
+        <p:grpSpPr>
+          <a:xfrm>
+            <a:off x="2963281" y="4001294"/>
+            <a:ext cx="5647319" cy="2794361"/>
+            <a:chOff x="2963281" y="4001294"/>
+            <a:chExt cx="5647319" cy="2794361"/>
+          </a:xfrm>
+        </p:grpSpPr>
+        <p:pic>
+          <p:nvPicPr>
+            <p:cNvPr id="6150" name="Picture 6" descr="Closed Loop Systems - an overview | ScienceDirect Topics">
+              <a:extLst>
+                <a:ext uri="{FF2B5EF4-FFF2-40B4-BE49-F238E27FC236}">
+                  <a16:creationId xmlns:a16="http://schemas.microsoft.com/office/drawing/2014/main" id="{75E4E095-69E4-D97E-24D8-99A54A72E370}"/>
+                </a:ext>
+              </a:extLst>
+            </p:cNvPr>
+            <p:cNvPicPr>
+              <a:picLocks noChangeAspect="1" noChangeArrowheads="1"/>
+            </p:cNvPicPr>
+            <p:nvPr/>
+          </p:nvPicPr>
+          <p:blipFill>
+            <a:blip r:embed="rId2">
+              <a:extLst>
+                <a:ext uri="{28A0092B-C50C-407E-A947-70E740481C1C}">
+                  <a14:useLocalDpi xmlns:a14="http://schemas.microsoft.com/office/drawing/2010/main" val="0"/>
+                </a:ext>
+              </a:extLst>
+            </a:blip>
+            <a:srcRect/>
+            <a:stretch>
+              <a:fillRect/>
+            </a:stretch>
+          </p:blipFill>
+          <p:spPr bwMode="auto">
+            <a:xfrm>
+              <a:off x="3020571" y="4001294"/>
+              <a:ext cx="5590029" cy="2783320"/>
+            </a:xfrm>
+            <a:prstGeom prst="rect">
+              <a:avLst/>
+            </a:prstGeom>
+            <a:noFill/>
+            <a:extLst>
+              <a:ext uri="{909E8E84-426E-40DD-AFC4-6F175D3DCCD1}">
+                <a14:hiddenFill xmlns:a14="http://schemas.microsoft.com/office/drawing/2010/main">
+                  <a:solidFill>
+                    <a:srgbClr val="FFFFFF"/>
+                  </a:solidFill>
+                </a14:hiddenFill>
+              </a:ext>
+            </a:extLst>
+          </p:spPr>
+        </p:pic>
+        <p:sp>
+          <p:nvSpPr>
+            <p:cNvPr id="5" name="Rechteck 4">
+              <a:extLst>
+                <a:ext uri="{FF2B5EF4-FFF2-40B4-BE49-F238E27FC236}">
+                  <a16:creationId xmlns:a16="http://schemas.microsoft.com/office/drawing/2014/main" id="{8A110454-E3E6-E3D5-8C14-3D1F540DA00C}"/>
+                </a:ext>
+              </a:extLst>
+            </p:cNvPr>
+            <p:cNvSpPr/>
+            <p:nvPr/>
+          </p:nvSpPr>
+          <p:spPr>
+            <a:xfrm>
+              <a:off x="3020571" y="4665518"/>
+              <a:ext cx="283738" cy="270164"/>
+            </a:xfrm>
+            <a:prstGeom prst="rect">
+              <a:avLst/>
+            </a:prstGeom>
+            <a:solidFill>
+              <a:schemeClr val="bg1"/>
+            </a:solidFill>
+            <a:ln>
+              <a:noFill/>
+            </a:ln>
+          </p:spPr>
+          <p:style>
+            <a:lnRef idx="2">
+              <a:schemeClr val="accent1">
+                <a:shade val="15000"/>
+              </a:schemeClr>
+            </a:lnRef>
+            <a:fillRef idx="1">
+              <a:schemeClr val="accent1"/>
+            </a:fillRef>
+            <a:effectRef idx="0">
+              <a:schemeClr val="accent1"/>
+            </a:effectRef>
+            <a:fontRef idx="minor">
+              <a:schemeClr val="lt1"/>
+            </a:fontRef>
+          </p:style>
+          <p:txBody>
+            <a:bodyPr rtlCol="0" anchor="ctr"/>
+            <a:lstStyle/>
+            <a:p>
+              <a:pPr algn="ctr"/>
+              <a:endParaRPr lang="de-DE"/>
+            </a:p>
+          </p:txBody>
+        </p:sp>
+        <p:sp>
+          <p:nvSpPr>
+            <p:cNvPr id="6" name="Rechteck 5">
+              <a:extLst>
+                <a:ext uri="{FF2B5EF4-FFF2-40B4-BE49-F238E27FC236}">
+                  <a16:creationId xmlns:a16="http://schemas.microsoft.com/office/drawing/2014/main" id="{D3DEC7F2-EFDA-3EC6-3564-E6697726F5F2}"/>
+                </a:ext>
+              </a:extLst>
+            </p:cNvPr>
+            <p:cNvSpPr/>
+            <p:nvPr/>
+          </p:nvSpPr>
+          <p:spPr>
+            <a:xfrm>
+              <a:off x="3020571" y="6525491"/>
+              <a:ext cx="283738" cy="270164"/>
+            </a:xfrm>
+            <a:prstGeom prst="rect">
+              <a:avLst/>
+            </a:prstGeom>
+            <a:solidFill>
+              <a:schemeClr val="bg1"/>
+            </a:solidFill>
+            <a:ln>
+              <a:noFill/>
+            </a:ln>
+          </p:spPr>
+          <p:style>
+            <a:lnRef idx="2">
+              <a:schemeClr val="accent1">
+                <a:shade val="15000"/>
+              </a:schemeClr>
+            </a:lnRef>
+            <a:fillRef idx="1">
+              <a:schemeClr val="accent1"/>
+            </a:fillRef>
+            <a:effectRef idx="0">
+              <a:schemeClr val="accent1"/>
+            </a:effectRef>
+            <a:fontRef idx="minor">
+              <a:schemeClr val="lt1"/>
+            </a:fontRef>
+          </p:style>
+          <p:txBody>
+            <a:bodyPr rtlCol="0" anchor="ctr"/>
+            <a:lstStyle/>
+            <a:p>
+              <a:pPr algn="ctr"/>
+              <a:endParaRPr lang="de-DE"/>
+            </a:p>
+          </p:txBody>
+        </p:sp>
+        <p:sp>
+          <p:nvSpPr>
+            <p:cNvPr id="7" name="Rechteck 6">
+              <a:extLst>
+                <a:ext uri="{FF2B5EF4-FFF2-40B4-BE49-F238E27FC236}">
+                  <a16:creationId xmlns:a16="http://schemas.microsoft.com/office/drawing/2014/main" id="{A40EC6F9-F15F-9604-3B41-E2E3778ED24C}"/>
+                </a:ext>
+              </a:extLst>
+            </p:cNvPr>
+            <p:cNvSpPr/>
+            <p:nvPr/>
+          </p:nvSpPr>
+          <p:spPr>
+            <a:xfrm>
+              <a:off x="5147244" y="5524500"/>
+              <a:ext cx="283738" cy="270164"/>
+            </a:xfrm>
+            <a:prstGeom prst="rect">
+              <a:avLst/>
+            </a:prstGeom>
+            <a:solidFill>
+              <a:schemeClr val="bg1"/>
+            </a:solidFill>
+            <a:ln>
+              <a:noFill/>
+            </a:ln>
+          </p:spPr>
+          <p:style>
+            <a:lnRef idx="2">
+              <a:schemeClr val="accent1">
+                <a:shade val="15000"/>
+              </a:schemeClr>
+            </a:lnRef>
+            <a:fillRef idx="1">
+              <a:schemeClr val="accent1"/>
+            </a:fillRef>
+            <a:effectRef idx="0">
+              <a:schemeClr val="accent1"/>
+            </a:effectRef>
+            <a:fontRef idx="minor">
+              <a:schemeClr val="lt1"/>
+            </a:fontRef>
+          </p:style>
+          <p:txBody>
+            <a:bodyPr rtlCol="0" anchor="ctr"/>
+            <a:lstStyle/>
+            <a:p>
+              <a:pPr algn="ctr"/>
+              <a:endParaRPr lang="de-DE"/>
+            </a:p>
+          </p:txBody>
+        </p:sp>
+        <p:sp>
+          <p:nvSpPr>
+            <p:cNvPr id="8" name="Rechteck 7">
+              <a:extLst>
+                <a:ext uri="{FF2B5EF4-FFF2-40B4-BE49-F238E27FC236}">
+                  <a16:creationId xmlns:a16="http://schemas.microsoft.com/office/drawing/2014/main" id="{13B8936F-5782-4F43-FCFF-DFF77F131F19}"/>
+                </a:ext>
+              </a:extLst>
+            </p:cNvPr>
+            <p:cNvSpPr/>
+            <p:nvPr/>
+          </p:nvSpPr>
+          <p:spPr>
+            <a:xfrm>
+              <a:off x="6425327" y="5534891"/>
+              <a:ext cx="283738" cy="270164"/>
+            </a:xfrm>
+            <a:prstGeom prst="rect">
+              <a:avLst/>
+            </a:prstGeom>
+            <a:solidFill>
+              <a:schemeClr val="bg1"/>
+            </a:solidFill>
+            <a:ln>
+              <a:noFill/>
+            </a:ln>
+          </p:spPr>
+          <p:style>
+            <a:lnRef idx="2">
+              <a:schemeClr val="accent1">
+                <a:shade val="15000"/>
+              </a:schemeClr>
+            </a:lnRef>
+            <a:fillRef idx="1">
+              <a:schemeClr val="accent1"/>
+            </a:fillRef>
+            <a:effectRef idx="0">
+              <a:schemeClr val="accent1"/>
+            </a:effectRef>
+            <a:fontRef idx="minor">
+              <a:schemeClr val="lt1"/>
+            </a:fontRef>
+          </p:style>
+          <p:txBody>
+            <a:bodyPr rtlCol="0" anchor="ctr"/>
+            <a:lstStyle/>
+            <a:p>
+              <a:pPr algn="ctr"/>
+              <a:endParaRPr lang="de-DE"/>
+            </a:p>
+          </p:txBody>
+        </p:sp>
+        <p:sp>
+          <p:nvSpPr>
+            <p:cNvPr id="9" name="Rechteck 8">
+              <a:extLst>
+                <a:ext uri="{FF2B5EF4-FFF2-40B4-BE49-F238E27FC236}">
+                  <a16:creationId xmlns:a16="http://schemas.microsoft.com/office/drawing/2014/main" id="{91CD4402-5670-9F9E-944B-726D3E0CE652}"/>
+                </a:ext>
+              </a:extLst>
+            </p:cNvPr>
+            <p:cNvSpPr/>
+            <p:nvPr/>
+          </p:nvSpPr>
+          <p:spPr>
+            <a:xfrm flipV="1">
+              <a:off x="3640562" y="4592781"/>
+              <a:ext cx="723620" cy="145473"/>
+            </a:xfrm>
+            <a:prstGeom prst="rect">
+              <a:avLst/>
+            </a:prstGeom>
+            <a:solidFill>
+              <a:schemeClr val="bg1"/>
+            </a:solidFill>
+            <a:ln>
+              <a:noFill/>
+            </a:ln>
+          </p:spPr>
+          <p:style>
+            <a:lnRef idx="2">
+              <a:schemeClr val="accent1">
+                <a:shade val="15000"/>
+              </a:schemeClr>
+            </a:lnRef>
+            <a:fillRef idx="1">
+              <a:schemeClr val="accent1"/>
+            </a:fillRef>
+            <a:effectRef idx="0">
+              <a:schemeClr val="accent1"/>
+            </a:effectRef>
+            <a:fontRef idx="minor">
+              <a:schemeClr val="lt1"/>
+            </a:fontRef>
+          </p:style>
+          <p:txBody>
+            <a:bodyPr rtlCol="0" anchor="ctr"/>
+            <a:lstStyle/>
+            <a:p>
+              <a:pPr algn="ctr"/>
+              <a:endParaRPr lang="de-DE"/>
+            </a:p>
+          </p:txBody>
+        </p:sp>
+        <p:sp>
+          <p:nvSpPr>
+            <p:cNvPr id="10" name="Rechteck 9">
+              <a:extLst>
+                <a:ext uri="{FF2B5EF4-FFF2-40B4-BE49-F238E27FC236}">
+                  <a16:creationId xmlns:a16="http://schemas.microsoft.com/office/drawing/2014/main" id="{10A30F5C-545F-6C74-B4FC-0749C68F124F}"/>
+                </a:ext>
+              </a:extLst>
+            </p:cNvPr>
+            <p:cNvSpPr/>
+            <p:nvPr/>
+          </p:nvSpPr>
+          <p:spPr>
+            <a:xfrm flipV="1">
+              <a:off x="2963281" y="5891537"/>
+              <a:ext cx="723620" cy="145473"/>
+            </a:xfrm>
+            <a:prstGeom prst="rect">
+              <a:avLst/>
+            </a:prstGeom>
+            <a:solidFill>
+              <a:schemeClr val="bg1"/>
+            </a:solidFill>
+            <a:ln>
+              <a:noFill/>
+            </a:ln>
+          </p:spPr>
+          <p:style>
+            <a:lnRef idx="2">
+              <a:schemeClr val="accent1">
+                <a:shade val="15000"/>
+              </a:schemeClr>
+            </a:lnRef>
+            <a:fillRef idx="1">
+              <a:schemeClr val="accent1"/>
+            </a:fillRef>
+            <a:effectRef idx="0">
+              <a:schemeClr val="accent1"/>
+            </a:effectRef>
+            <a:fontRef idx="minor">
+              <a:schemeClr val="lt1"/>
+            </a:fontRef>
+          </p:style>
+          <p:txBody>
+            <a:bodyPr rtlCol="0" anchor="ctr"/>
+            <a:lstStyle/>
+            <a:p>
+              <a:pPr algn="ctr"/>
+              <a:endParaRPr lang="de-DE"/>
+            </a:p>
+          </p:txBody>
+        </p:sp>
+      </p:grpSp>
     </p:spTree>
     <p:extLst>
       <p:ext uri="{BB962C8B-B14F-4D97-AF65-F5344CB8AC3E}">
-        <p14:creationId xmlns:p14="http://schemas.microsoft.com/office/powerpoint/2010/main" val="3227613796"/>
+        <p14:creationId xmlns:p14="http://schemas.microsoft.com/office/powerpoint/2010/main" val="1103483296"/>
       </p:ext>
     </p:extLst>
   </p:cSld>
@@ -6325,7 +8188,7 @@
           <p:cNvPr id="2" name="Titel 1">
             <a:extLst>
               <a:ext uri="{FF2B5EF4-FFF2-40B4-BE49-F238E27FC236}">
-                <a16:creationId xmlns:a16="http://schemas.microsoft.com/office/drawing/2014/main" id="{DEBAD325-45D4-6586-A523-3DE94A71972A}"/>
+                <a16:creationId xmlns:a16="http://schemas.microsoft.com/office/drawing/2014/main" id="{9F812107-E377-DB91-6E16-5180CD6AF303}"/>
               </a:ext>
             </a:extLst>
           </p:cNvPr>
@@ -6342,12 +8205,24 @@
           <a:lstStyle/>
           <a:p>
             <a:r>
-              <a:rPr lang="de-DE" dirty="0" err="1"/>
-              <a:t>Typical</a:t>
-            </a:r>
-            <a:r>
-              <a:rPr lang="de-DE" dirty="0"/>
-              <a:t> Control Engineering Workflow</a:t>
+              <a:rPr lang="de-DE" dirty="0"/>
+              <a:t>Feedback: </a:t>
+            </a:r>
+            <a:r>
+              <a:rPr lang="de-DE" dirty="0" err="1"/>
+              <a:t>Why</a:t>
+            </a:r>
+            <a:r>
+              <a:rPr lang="de-DE" dirty="0"/>
+              <a:t> </a:t>
+            </a:r>
+            <a:r>
+              <a:rPr lang="de-DE" dirty="0" err="1"/>
+              <a:t>It</a:t>
+            </a:r>
+            <a:r>
+              <a:rPr lang="de-DE" dirty="0"/>
+              <a:t> Works</a:t>
             </a:r>
           </a:p>
         </p:txBody>
@@ -6357,7 +8232,7 @@
           <p:cNvPr id="3" name="Inhaltsplatzhalter 2">
             <a:extLst>
               <a:ext uri="{FF2B5EF4-FFF2-40B4-BE49-F238E27FC236}">
-                <a16:creationId xmlns:a16="http://schemas.microsoft.com/office/drawing/2014/main" id="{971BEE14-FC3B-78F5-006B-79ECB9B9D29C}"/>
+                <a16:creationId xmlns:a16="http://schemas.microsoft.com/office/drawing/2014/main" id="{3FC46CA0-26AF-9F63-1400-0D58BE5CF84B}"/>
               </a:ext>
             </a:extLst>
           </p:cNvPr>
@@ -6375,7 +8250,7 @@
           <a:p>
             <a:r>
               <a:rPr lang="de-DE" dirty="0" err="1"/>
-              <a:t>Understand</a:t>
+              <a:t>Reduces</a:t>
             </a:r>
             <a:r>
               <a:rPr lang="de-DE" dirty="0"/>
@@ -6383,7 +8258,7 @@
             </a:r>
             <a:r>
               <a:rPr lang="de-DE" dirty="0" err="1"/>
-              <a:t>the</a:t>
+              <a:t>sensitivity</a:t>
             </a:r>
             <a:r>
               <a:rPr lang="de-DE" dirty="0"/>
@@ -6391,7 +8266,7 @@
             </a:r>
             <a:r>
               <a:rPr lang="de-DE" dirty="0" err="1"/>
-              <a:t>physical</a:t>
+              <a:t>to</a:t>
             </a:r>
             <a:r>
               <a:rPr lang="de-DE" dirty="0"/>
@@ -6399,22 +8274,20 @@
             </a:r>
             <a:r>
               <a:rPr lang="de-DE" dirty="0" err="1"/>
-              <a:t>system</a:t>
+              <a:t>disturbances</a:t>
             </a:r>
             <a:endParaRPr lang="de-DE" dirty="0"/>
           </a:p>
           <a:p>
-            <a:r>
-              <a:rPr lang="de-DE" dirty="0" err="1"/>
-              <a:t>Build</a:t>
-            </a:r>
-            <a:r>
-              <a:rPr lang="de-DE" dirty="0"/>
-              <a:t> a </a:t>
-            </a:r>
-            <a:r>
-              <a:rPr lang="de-DE" dirty="0" err="1"/>
-              <a:t>mathematical</a:t>
+            <a:pPr marL="0" indent="0">
+              <a:buNone/>
+            </a:pPr>
+            <a:endParaRPr lang="de-DE" dirty="0"/>
+          </a:p>
+          <a:p>
+            <a:r>
+              <a:rPr lang="de-DE" dirty="0" err="1"/>
+              <a:t>Reduces</a:t>
             </a:r>
             <a:r>
               <a:rPr lang="de-DE" dirty="0"/>
@@ -6422,33 +8295,44 @@
             </a:r>
             <a:r>
               <a:rPr lang="de-DE" dirty="0" err="1"/>
+              <a:t>effect</a:t>
+            </a:r>
+            <a:r>
+              <a:rPr lang="de-DE" dirty="0"/>
+              <a:t> </a:t>
+            </a:r>
+            <a:r>
+              <a:rPr lang="de-DE" dirty="0" err="1"/>
+              <a:t>of</a:t>
+            </a:r>
+            <a:r>
+              <a:rPr lang="de-DE" dirty="0"/>
+              <a:t> </a:t>
+            </a:r>
+            <a:r>
+              <a:rPr lang="de-DE" dirty="0" err="1"/>
               <a:t>model</a:t>
             </a:r>
+            <a:r>
+              <a:rPr lang="de-DE" dirty="0"/>
+              <a:t> </a:t>
+            </a:r>
+            <a:r>
+              <a:rPr lang="de-DE" dirty="0" err="1"/>
+              <a:t>uncertainty</a:t>
+            </a:r>
             <a:endParaRPr lang="de-DE" dirty="0"/>
           </a:p>
           <a:p>
-            <a:r>
-              <a:rPr lang="de-DE" dirty="0"/>
-              <a:t>Design a </a:t>
-            </a:r>
-            <a:r>
-              <a:rPr lang="de-DE" dirty="0" err="1"/>
-              <a:t>controller</a:t>
-            </a:r>
+            <a:pPr marL="0" indent="0">
+              <a:buNone/>
+            </a:pPr>
             <a:endParaRPr lang="de-DE" dirty="0"/>
           </a:p>
           <a:p>
             <a:r>
               <a:rPr lang="de-DE" dirty="0" err="1"/>
-              <a:t>Simulate</a:t>
-            </a:r>
-            <a:r>
-              <a:rPr lang="de-DE" dirty="0"/>
-              <a:t> and </a:t>
-            </a:r>
-            <a:r>
-              <a:rPr lang="de-DE" dirty="0" err="1"/>
-              <a:t>analyze</a:t>
+              <a:t>Improves</a:t>
             </a:r>
             <a:r>
               <a:rPr lang="de-DE" dirty="0"/>
@@ -6456,21 +8340,75 @@
             </a:r>
             <a:r>
               <a:rPr lang="de-DE" dirty="0" err="1"/>
-              <a:t>performance</a:t>
+              <a:t>tracking</a:t>
+            </a:r>
+            <a:r>
+              <a:rPr lang="de-DE" dirty="0"/>
+              <a:t> </a:t>
+            </a:r>
+            <a:r>
+              <a:rPr lang="de-DE" dirty="0" err="1"/>
+              <a:t>accuracy</a:t>
             </a:r>
             <a:endParaRPr lang="de-DE" dirty="0"/>
           </a:p>
           <a:p>
-            <a:r>
-              <a:rPr lang="de-DE" dirty="0"/>
-              <a:t>Implement and </a:t>
-            </a:r>
-            <a:r>
-              <a:rPr lang="de-DE" dirty="0" err="1"/>
-              <a:t>test</a:t>
-            </a:r>
+            <a:pPr marL="0" indent="0">
+              <a:buNone/>
+            </a:pPr>
             <a:endParaRPr lang="de-DE" dirty="0"/>
           </a:p>
+          <a:p>
+            <a:r>
+              <a:rPr lang="de-DE" dirty="0"/>
+              <a:t>But </a:t>
+            </a:r>
+            <a:r>
+              <a:rPr lang="de-DE" dirty="0" err="1"/>
+              <a:t>can</a:t>
+            </a:r>
+            <a:r>
+              <a:rPr lang="de-DE" dirty="0"/>
+              <a:t> also </a:t>
+            </a:r>
+            <a:r>
+              <a:rPr lang="de-DE" dirty="0" err="1"/>
+              <a:t>destabilize</a:t>
+            </a:r>
+            <a:r>
+              <a:rPr lang="de-DE" dirty="0"/>
+              <a:t> </a:t>
+            </a:r>
+            <a:r>
+              <a:rPr lang="de-DE" dirty="0" err="1"/>
+              <a:t>systems</a:t>
+            </a:r>
+            <a:r>
+              <a:rPr lang="de-DE" dirty="0"/>
+              <a:t> </a:t>
+            </a:r>
+            <a:r>
+              <a:rPr lang="de-DE" dirty="0" err="1"/>
+              <a:t>if</a:t>
+            </a:r>
+            <a:r>
+              <a:rPr lang="de-DE" dirty="0"/>
+              <a:t> </a:t>
+            </a:r>
+            <a:r>
+              <a:rPr lang="de-DE" dirty="0" err="1"/>
+              <a:t>poorly</a:t>
+            </a:r>
+            <a:r>
+              <a:rPr lang="de-DE" dirty="0"/>
+              <a:t> </a:t>
+            </a:r>
+            <a:r>
+              <a:rPr lang="de-DE" dirty="0" err="1"/>
+              <a:t>designed</a:t>
+            </a:r>
+            <a:endParaRPr lang="de-DE" dirty="0"/>
+          </a:p>
         </p:txBody>
       </p:sp>
       <p:sp>
@@ -6478,7 +8416,7 @@
           <p:cNvPr id="4" name="Foliennummernplatzhalter 3">
             <a:extLst>
               <a:ext uri="{FF2B5EF4-FFF2-40B4-BE49-F238E27FC236}">
-                <a16:creationId xmlns:a16="http://schemas.microsoft.com/office/drawing/2014/main" id="{B715D189-2B0D-6B32-3F39-4AAB58321F79}"/>
+                <a16:creationId xmlns:a16="http://schemas.microsoft.com/office/drawing/2014/main" id="{2A230E84-B9F1-09AA-7ED5-98BAB1A45747}"/>
               </a:ext>
             </a:extLst>
           </p:cNvPr>
@@ -6505,7 +8443,7 @@
     </p:spTree>
     <p:extLst>
       <p:ext uri="{BB962C8B-B14F-4D97-AF65-F5344CB8AC3E}">
-        <p14:creationId xmlns:p14="http://schemas.microsoft.com/office/powerpoint/2010/main" val="2665937130"/>
+        <p14:creationId xmlns:p14="http://schemas.microsoft.com/office/powerpoint/2010/main" val="1629702239"/>
       </p:ext>
     </p:extLst>
   </p:cSld>
@@ -6534,10 +8472,10 @@
       </p:grpSpPr>
       <p:sp>
         <p:nvSpPr>
-          <p:cNvPr id="6" name="Titel 5">
-            <a:extLst>
-              <a:ext uri="{FF2B5EF4-FFF2-40B4-BE49-F238E27FC236}">
-                <a16:creationId xmlns:a16="http://schemas.microsoft.com/office/drawing/2014/main" id="{3135310B-9F15-7386-2DEF-6280289B0301}"/>
+          <p:cNvPr id="2" name="Title 1">
+            <a:extLst>
+              <a:ext uri="{FF2B5EF4-FFF2-40B4-BE49-F238E27FC236}">
+                <a16:creationId xmlns:a16="http://schemas.microsoft.com/office/drawing/2014/main" id="{D19A2E5C-5FD4-F085-4DAA-7404FBAAA90F}"/>
               </a:ext>
             </a:extLst>
           </p:cNvPr>
@@ -6554,26 +8492,18 @@
           <a:lstStyle/>
           <a:p>
             <a:r>
-              <a:rPr lang="de-DE" dirty="0"/>
-              <a:t>Software Tools </a:t>
-            </a:r>
-            <a:r>
-              <a:rPr lang="de-DE" dirty="0" err="1"/>
-              <a:t>for</a:t>
-            </a:r>
-            <a:r>
-              <a:rPr lang="de-DE" dirty="0"/>
-              <a:t> This Course</a:t>
-            </a:r>
-          </a:p>
-        </p:txBody>
-      </p:sp>
-      <p:sp>
-        <p:nvSpPr>
-          <p:cNvPr id="7" name="Inhaltsplatzhalter 6">
-            <a:extLst>
-              <a:ext uri="{FF2B5EF4-FFF2-40B4-BE49-F238E27FC236}">
-                <a16:creationId xmlns:a16="http://schemas.microsoft.com/office/drawing/2014/main" id="{0676C7C6-1A78-E5A4-E683-89B4C7906908}"/>
+              <a:rPr lang="en-GB" dirty="0"/>
+              <a:t>Control Engineering Applications</a:t>
+            </a:r>
+          </a:p>
+        </p:txBody>
+      </p:sp>
+      <p:sp>
+        <p:nvSpPr>
+          <p:cNvPr id="3" name="Inhaltsplatzhalter 2">
+            <a:extLst>
+              <a:ext uri="{FF2B5EF4-FFF2-40B4-BE49-F238E27FC236}">
+                <a16:creationId xmlns:a16="http://schemas.microsoft.com/office/drawing/2014/main" id="{63165E42-8540-9972-087F-81866151DFEE}"/>
               </a:ext>
             </a:extLst>
           </p:cNvPr>
@@ -6586,89 +8516,156 @@
         </p:nvSpPr>
         <p:spPr/>
         <p:txBody>
-          <a:bodyPr/>
-          <a:lstStyle/>
-          <a:p>
-            <a:r>
-              <a:rPr lang="de-DE" dirty="0"/>
-              <a:t>Python </a:t>
-            </a:r>
-            <a:r>
-              <a:rPr lang="de-DE" dirty="0" err="1"/>
-              <a:t>ecosystem</a:t>
-            </a:r>
-            <a:r>
-              <a:rPr lang="de-DE" dirty="0"/>
-              <a:t>:</a:t>
-            </a:r>
-          </a:p>
-          <a:p>
-            <a:pPr lvl="1"/>
-            <a:r>
-              <a:rPr lang="de-DE" dirty="0" err="1"/>
-              <a:t>numpy</a:t>
-            </a:r>
-            <a:r>
-              <a:rPr lang="de-DE" dirty="0"/>
+          <a:bodyPr>
+            <a:normAutofit/>
+          </a:bodyPr>
+          <a:lstStyle/>
+          <a:p>
+            <a:r>
+              <a:rPr lang="de-DE" sz="2600" dirty="0"/>
+              <a:t>Robotics: </a:t>
+            </a:r>
+            <a:r>
+              <a:rPr lang="de-DE" sz="2600" dirty="0" err="1"/>
+              <a:t>motion</a:t>
+            </a:r>
+            <a:r>
+              <a:rPr lang="de-DE" sz="2600" dirty="0"/>
+              <a:t> </a:t>
+            </a:r>
+            <a:r>
+              <a:rPr lang="de-DE" sz="2600" dirty="0" err="1"/>
+              <a:t>control</a:t>
+            </a:r>
+            <a:r>
+              <a:rPr lang="de-DE" sz="2600" dirty="0"/>
               <a:t>, </a:t>
             </a:r>
             <a:r>
-              <a:rPr lang="de-DE" dirty="0" err="1"/>
-              <a:t>scipy</a:t>
-            </a:r>
-            <a:endParaRPr lang="de-DE" dirty="0"/>
-          </a:p>
-          <a:p>
-            <a:pPr lvl="1"/>
-            <a:r>
-              <a:rPr lang="de-DE" dirty="0" err="1"/>
-              <a:t>matplotlib</a:t>
-            </a:r>
-            <a:endParaRPr lang="de-DE" dirty="0"/>
-          </a:p>
-          <a:p>
-            <a:pPr lvl="1"/>
-            <a:r>
-              <a:rPr lang="de-DE" dirty="0" err="1"/>
-              <a:t>python-control</a:t>
-            </a:r>
-            <a:endParaRPr lang="de-DE" dirty="0"/>
-          </a:p>
-          <a:p>
-            <a:r>
-              <a:rPr lang="de-DE" dirty="0"/>
-              <a:t>Advantages: open-source, </a:t>
-            </a:r>
-            <a:r>
-              <a:rPr lang="de-DE" dirty="0" err="1"/>
-              <a:t>reproducible</a:t>
-            </a:r>
-            <a:r>
-              <a:rPr lang="de-DE" dirty="0"/>
+              <a:rPr lang="de-DE" sz="2600" dirty="0" err="1"/>
+              <a:t>balance</a:t>
+            </a:r>
+            <a:r>
+              <a:rPr lang="de-DE" sz="2600" dirty="0"/>
               <a:t>, </a:t>
             </a:r>
             <a:r>
-              <a:rPr lang="de-DE" dirty="0" err="1"/>
-              <a:t>widely</a:t>
-            </a:r>
-            <a:r>
-              <a:rPr lang="de-DE" dirty="0"/>
+              <a:rPr lang="de-DE" sz="2600" dirty="0" err="1"/>
+              <a:t>manipulation</a:t>
+            </a:r>
+            <a:endParaRPr lang="de-DE" sz="2600" dirty="0"/>
+          </a:p>
+          <a:p>
+            <a:r>
+              <a:rPr lang="de-DE" sz="2600" dirty="0"/>
+              <a:t>Automation: </a:t>
+            </a:r>
+            <a:r>
+              <a:rPr lang="de-DE" sz="2600" dirty="0" err="1"/>
+              <a:t>process</a:t>
+            </a:r>
+            <a:r>
+              <a:rPr lang="de-DE" sz="2600" dirty="0"/>
               <a:t> </a:t>
             </a:r>
             <a:r>
-              <a:rPr lang="de-DE" dirty="0" err="1"/>
-              <a:t>used</a:t>
-            </a:r>
-            <a:endParaRPr lang="de-DE" dirty="0"/>
-          </a:p>
-        </p:txBody>
-      </p:sp>
-      <p:sp>
-        <p:nvSpPr>
-          <p:cNvPr id="5" name="Foliennummernplatzhalter 4">
-            <a:extLst>
-              <a:ext uri="{FF2B5EF4-FFF2-40B4-BE49-F238E27FC236}">
-                <a16:creationId xmlns:a16="http://schemas.microsoft.com/office/drawing/2014/main" id="{313491D7-C432-6B3E-E374-5B0305EED3C9}"/>
+              <a:rPr lang="de-DE" sz="2600" dirty="0" err="1"/>
+              <a:t>control</a:t>
+            </a:r>
+            <a:r>
+              <a:rPr lang="de-DE" sz="2600" dirty="0"/>
+              <a:t>, </a:t>
+            </a:r>
+            <a:r>
+              <a:rPr lang="de-DE" sz="2600" dirty="0" err="1"/>
+              <a:t>manufacturing</a:t>
+            </a:r>
+            <a:r>
+              <a:rPr lang="de-DE" sz="2600" dirty="0"/>
+              <a:t> </a:t>
+            </a:r>
+            <a:r>
+              <a:rPr lang="de-DE" sz="2600" dirty="0" err="1"/>
+              <a:t>lines</a:t>
+            </a:r>
+            <a:endParaRPr lang="de-DE" sz="2600" dirty="0"/>
+          </a:p>
+          <a:p>
+            <a:r>
+              <a:rPr lang="de-DE" sz="2600" dirty="0"/>
+              <a:t>Automotive: cruise </a:t>
+            </a:r>
+            <a:r>
+              <a:rPr lang="de-DE" sz="2600" dirty="0" err="1"/>
+              <a:t>control</a:t>
+            </a:r>
+            <a:r>
+              <a:rPr lang="de-DE" sz="2600" dirty="0"/>
+              <a:t>, ABS, </a:t>
+            </a:r>
+            <a:r>
+              <a:rPr lang="de-DE" sz="2600" dirty="0" err="1"/>
+              <a:t>engine</a:t>
+            </a:r>
+            <a:r>
+              <a:rPr lang="de-DE" sz="2600" dirty="0"/>
+              <a:t> </a:t>
+            </a:r>
+            <a:r>
+              <a:rPr lang="de-DE" sz="2600" dirty="0" err="1"/>
+              <a:t>control</a:t>
+            </a:r>
+            <a:endParaRPr lang="de-DE" sz="2600" dirty="0"/>
+          </a:p>
+          <a:p>
+            <a:r>
+              <a:rPr lang="de-DE" sz="2600" dirty="0"/>
+              <a:t>Energy </a:t>
+            </a:r>
+            <a:r>
+              <a:rPr lang="de-DE" sz="2600" dirty="0" err="1"/>
+              <a:t>systems</a:t>
+            </a:r>
+            <a:r>
+              <a:rPr lang="de-DE" sz="2600" dirty="0"/>
+              <a:t>, </a:t>
+            </a:r>
+            <a:r>
+              <a:rPr lang="de-DE" sz="2600" dirty="0" err="1"/>
+              <a:t>aerospace</a:t>
+            </a:r>
+            <a:r>
+              <a:rPr lang="de-DE" sz="2600" dirty="0"/>
+              <a:t>, </a:t>
+            </a:r>
+            <a:r>
+              <a:rPr lang="de-DE" sz="2600" dirty="0" err="1"/>
+              <a:t>biomedical</a:t>
+            </a:r>
+            <a:r>
+              <a:rPr lang="de-DE" sz="2600" dirty="0"/>
+              <a:t> </a:t>
+            </a:r>
+            <a:r>
+              <a:rPr lang="de-DE" sz="2600" dirty="0" err="1"/>
+              <a:t>engineering</a:t>
+            </a:r>
+            <a:endParaRPr lang="de-DE" sz="2600" dirty="0"/>
+          </a:p>
+          <a:p>
+            <a:r>
+              <a:rPr lang="de-DE" sz="2600" dirty="0"/>
+              <a:t>…</a:t>
+            </a:r>
+          </a:p>
+        </p:txBody>
+      </p:sp>
+      <p:sp>
+        <p:nvSpPr>
+          <p:cNvPr id="4" name="Slide Number Placeholder 3">
+            <a:extLst>
+              <a:ext uri="{FF2B5EF4-FFF2-40B4-BE49-F238E27FC236}">
+                <a16:creationId xmlns:a16="http://schemas.microsoft.com/office/drawing/2014/main" id="{CE226E71-3908-2652-F640-7EB52307FFEA}"/>
               </a:ext>
             </a:extLst>
           </p:cNvPr>
@@ -6692,10 +8689,198 @@
           </a:p>
         </p:txBody>
       </p:sp>
+      <p:pic>
+        <p:nvPicPr>
+          <p:cNvPr id="2050" name="Picture 2">
+            <a:extLst>
+              <a:ext uri="{FF2B5EF4-FFF2-40B4-BE49-F238E27FC236}">
+                <a16:creationId xmlns:a16="http://schemas.microsoft.com/office/drawing/2014/main" id="{FAE98922-05D6-3F98-B9E9-B91AFA84AA53}"/>
+              </a:ext>
+            </a:extLst>
+          </p:cNvPr>
+          <p:cNvPicPr>
+            <a:picLocks noChangeAspect="1" noChangeArrowheads="1"/>
+          </p:cNvPicPr>
+          <p:nvPr/>
+        </p:nvPicPr>
+        <p:blipFill>
+          <a:blip r:embed="rId2">
+            <a:extLst>
+              <a:ext uri="{28A0092B-C50C-407E-A947-70E740481C1C}">
+                <a14:useLocalDpi xmlns:a14="http://schemas.microsoft.com/office/drawing/2010/main" val="0"/>
+              </a:ext>
+            </a:extLst>
+          </a:blip>
+          <a:srcRect/>
+          <a:stretch>
+            <a:fillRect/>
+          </a:stretch>
+        </p:blipFill>
+        <p:spPr bwMode="auto">
+          <a:xfrm>
+            <a:off x="1040246" y="4506912"/>
+            <a:ext cx="2032000" cy="2032000"/>
+          </a:xfrm>
+          <a:prstGeom prst="rect">
+            <a:avLst/>
+          </a:prstGeom>
+          <a:noFill/>
+          <a:extLst>
+            <a:ext uri="{909E8E84-426E-40DD-AFC4-6F175D3DCCD1}">
+              <a14:hiddenFill xmlns:a14="http://schemas.microsoft.com/office/drawing/2010/main">
+                <a:solidFill>
+                  <a:srgbClr val="FFFFFF"/>
+                </a:solidFill>
+              </a14:hiddenFill>
+            </a:ext>
+          </a:extLst>
+        </p:spPr>
+      </p:pic>
+      <p:pic>
+        <p:nvPicPr>
+          <p:cNvPr id="2052" name="Picture 4">
+            <a:extLst>
+              <a:ext uri="{FF2B5EF4-FFF2-40B4-BE49-F238E27FC236}">
+                <a16:creationId xmlns:a16="http://schemas.microsoft.com/office/drawing/2014/main" id="{90CCDB53-C088-4AB2-30FC-CFCF54E59A7A}"/>
+              </a:ext>
+            </a:extLst>
+          </p:cNvPr>
+          <p:cNvPicPr>
+            <a:picLocks noChangeAspect="1" noChangeArrowheads="1"/>
+          </p:cNvPicPr>
+          <p:nvPr/>
+        </p:nvPicPr>
+        <p:blipFill>
+          <a:blip r:embed="rId3">
+            <a:extLst>
+              <a:ext uri="{28A0092B-C50C-407E-A947-70E740481C1C}">
+                <a14:useLocalDpi xmlns:a14="http://schemas.microsoft.com/office/drawing/2010/main" val="0"/>
+              </a:ext>
+            </a:extLst>
+          </a:blip>
+          <a:srcRect/>
+          <a:stretch>
+            <a:fillRect/>
+          </a:stretch>
+        </p:blipFill>
+        <p:spPr bwMode="auto">
+          <a:xfrm>
+            <a:off x="3581401" y="4689475"/>
+            <a:ext cx="1544073" cy="2032000"/>
+          </a:xfrm>
+          <a:prstGeom prst="rect">
+            <a:avLst/>
+          </a:prstGeom>
+          <a:noFill/>
+          <a:extLst>
+            <a:ext uri="{909E8E84-426E-40DD-AFC4-6F175D3DCCD1}">
+              <a14:hiddenFill xmlns:a14="http://schemas.microsoft.com/office/drawing/2010/main">
+                <a:solidFill>
+                  <a:srgbClr val="FFFFFF"/>
+                </a:solidFill>
+              </a14:hiddenFill>
+            </a:ext>
+          </a:extLst>
+        </p:spPr>
+      </p:pic>
+      <p:pic>
+        <p:nvPicPr>
+          <p:cNvPr id="2054" name="Picture 6">
+            <a:extLst>
+              <a:ext uri="{FF2B5EF4-FFF2-40B4-BE49-F238E27FC236}">
+                <a16:creationId xmlns:a16="http://schemas.microsoft.com/office/drawing/2014/main" id="{2506E513-637F-EA33-EC85-3F81E8330BFE}"/>
+              </a:ext>
+            </a:extLst>
+          </p:cNvPr>
+          <p:cNvPicPr>
+            <a:picLocks noChangeAspect="1" noChangeArrowheads="1"/>
+          </p:cNvPicPr>
+          <p:nvPr/>
+        </p:nvPicPr>
+        <p:blipFill>
+          <a:blip r:embed="rId4">
+            <a:extLst>
+              <a:ext uri="{28A0092B-C50C-407E-A947-70E740481C1C}">
+                <a14:useLocalDpi xmlns:a14="http://schemas.microsoft.com/office/drawing/2010/main" val="0"/>
+              </a:ext>
+            </a:extLst>
+          </a:blip>
+          <a:srcRect/>
+          <a:stretch>
+            <a:fillRect/>
+          </a:stretch>
+        </p:blipFill>
+        <p:spPr bwMode="auto">
+          <a:xfrm>
+            <a:off x="5767315" y="4178227"/>
+            <a:ext cx="2360685" cy="2360685"/>
+          </a:xfrm>
+          <a:prstGeom prst="rect">
+            <a:avLst/>
+          </a:prstGeom>
+          <a:noFill/>
+          <a:extLst>
+            <a:ext uri="{909E8E84-426E-40DD-AFC4-6F175D3DCCD1}">
+              <a14:hiddenFill xmlns:a14="http://schemas.microsoft.com/office/drawing/2010/main">
+                <a:solidFill>
+                  <a:srgbClr val="FFFFFF"/>
+                </a:solidFill>
+              </a14:hiddenFill>
+            </a:ext>
+          </a:extLst>
+        </p:spPr>
+      </p:pic>
+      <p:pic>
+        <p:nvPicPr>
+          <p:cNvPr id="2056" name="Picture 8" descr="Bild von Boston Dynamics">
+            <a:extLst>
+              <a:ext uri="{FF2B5EF4-FFF2-40B4-BE49-F238E27FC236}">
+                <a16:creationId xmlns:a16="http://schemas.microsoft.com/office/drawing/2014/main" id="{D91A33C6-2BB8-9F11-8F9C-9268451C51C3}"/>
+              </a:ext>
+            </a:extLst>
+          </p:cNvPr>
+          <p:cNvPicPr>
+            <a:picLocks noChangeAspect="1" noChangeArrowheads="1"/>
+          </p:cNvPicPr>
+          <p:nvPr/>
+        </p:nvPicPr>
+        <p:blipFill>
+          <a:blip r:embed="rId5">
+            <a:extLst>
+              <a:ext uri="{28A0092B-C50C-407E-A947-70E740481C1C}">
+                <a14:useLocalDpi xmlns:a14="http://schemas.microsoft.com/office/drawing/2010/main" val="0"/>
+              </a:ext>
+            </a:extLst>
+          </a:blip>
+          <a:srcRect/>
+          <a:stretch>
+            <a:fillRect/>
+          </a:stretch>
+        </p:blipFill>
+        <p:spPr bwMode="auto">
+          <a:xfrm>
+            <a:off x="8769841" y="3335483"/>
+            <a:ext cx="2581740" cy="2931174"/>
+          </a:xfrm>
+          <a:prstGeom prst="rect">
+            <a:avLst/>
+          </a:prstGeom>
+          <a:noFill/>
+          <a:extLst>
+            <a:ext uri="{909E8E84-426E-40DD-AFC4-6F175D3DCCD1}">
+              <a14:hiddenFill xmlns:a14="http://schemas.microsoft.com/office/drawing/2010/main">
+                <a:solidFill>
+                  <a:srgbClr val="FFFFFF"/>
+                </a:solidFill>
+              </a14:hiddenFill>
+            </a:ext>
+          </a:extLst>
+        </p:spPr>
+      </p:pic>
     </p:spTree>
     <p:extLst>
       <p:ext uri="{BB962C8B-B14F-4D97-AF65-F5344CB8AC3E}">
-        <p14:creationId xmlns:p14="http://schemas.microsoft.com/office/powerpoint/2010/main" val="1398304897"/>
+        <p14:creationId xmlns:p14="http://schemas.microsoft.com/office/powerpoint/2010/main" val="3227613796"/>
       </p:ext>
     </p:extLst>
   </p:cSld>

--- a/slides/0_intro.pptx
+++ b/slides/0_intro.pptx
@@ -11,9 +11,9 @@
     <p:sldId id="256" r:id="rId2"/>
     <p:sldId id="276" r:id="rId3"/>
     <p:sldId id="279" r:id="rId4"/>
-    <p:sldId id="280" r:id="rId5"/>
-    <p:sldId id="286" r:id="rId6"/>
-    <p:sldId id="285" r:id="rId7"/>
+    <p:sldId id="286" r:id="rId5"/>
+    <p:sldId id="285" r:id="rId6"/>
+    <p:sldId id="280" r:id="rId7"/>
     <p:sldId id="281" r:id="rId8"/>
     <p:sldId id="282" r:id="rId9"/>
     <p:sldId id="259" r:id="rId10"/>
@@ -491,7 +491,7 @@
           <a:p>
             <a:fld id="{506E0FD1-891F-4B1E-916D-E9B585160BB8}" type="datetimeFigureOut">
               <a:rPr lang="en-GB" smtClean="0"/>
-              <a:t>28/01/2026</a:t>
+              <a:t>29/01/2026</a:t>
             </a:fld>
             <a:endParaRPr lang="en-GB"/>
           </a:p>
@@ -908,7 +908,7 @@
           <a:p>
             <a:fld id="{D68C3F22-27B2-44E3-9C5F-D08126455F6F}" type="datetime1">
               <a:rPr lang="en-GB" smtClean="0"/>
-              <a:t>28/01/2026</a:t>
+              <a:t>29/01/2026</a:t>
             </a:fld>
             <a:endParaRPr lang="en-GB"/>
           </a:p>
@@ -1108,7 +1108,7 @@
           <a:p>
             <a:fld id="{1CD03846-7BF6-4FB6-A921-FF3379ADBD4C}" type="datetime1">
               <a:rPr lang="en-GB" smtClean="0"/>
-              <a:t>28/01/2026</a:t>
+              <a:t>29/01/2026</a:t>
             </a:fld>
             <a:endParaRPr lang="en-GB"/>
           </a:p>
@@ -1318,7 +1318,7 @@
           <a:p>
             <a:fld id="{99E1B91A-3FD0-4144-9C84-63E9688ED2FE}" type="datetime1">
               <a:rPr lang="en-GB" smtClean="0"/>
-              <a:t>28/01/2026</a:t>
+              <a:t>29/01/2026</a:t>
             </a:fld>
             <a:endParaRPr lang="en-GB"/>
           </a:p>
@@ -1518,7 +1518,7 @@
           <a:p>
             <a:fld id="{5295ED7B-FEAD-4734-819F-93EF4B0EA908}" type="datetime1">
               <a:rPr lang="en-GB" smtClean="0"/>
-              <a:t>28/01/2026</a:t>
+              <a:t>29/01/2026</a:t>
             </a:fld>
             <a:endParaRPr lang="en-GB"/>
           </a:p>
@@ -1794,7 +1794,7 @@
           <a:p>
             <a:fld id="{D2D5D4B4-C926-4B45-8815-1ED8911179A2}" type="datetime1">
               <a:rPr lang="en-GB" smtClean="0"/>
-              <a:t>28/01/2026</a:t>
+              <a:t>29/01/2026</a:t>
             </a:fld>
             <a:endParaRPr lang="en-GB"/>
           </a:p>
@@ -2062,7 +2062,7 @@
           <a:p>
             <a:fld id="{B4C5210A-0E37-4935-93AF-69F21A5F712F}" type="datetime1">
               <a:rPr lang="en-GB" smtClean="0"/>
-              <a:t>28/01/2026</a:t>
+              <a:t>29/01/2026</a:t>
             </a:fld>
             <a:endParaRPr lang="en-GB"/>
           </a:p>
@@ -2477,7 +2477,7 @@
           <a:p>
             <a:fld id="{3D3A6B2F-436C-4691-80E8-9C890E000E9D}" type="datetime1">
               <a:rPr lang="en-GB" smtClean="0"/>
-              <a:t>28/01/2026</a:t>
+              <a:t>29/01/2026</a:t>
             </a:fld>
             <a:endParaRPr lang="en-GB"/>
           </a:p>
@@ -2619,7 +2619,7 @@
           <a:p>
             <a:fld id="{84385F4C-D74B-496F-8D21-97E3549C783B}" type="datetime1">
               <a:rPr lang="en-GB" smtClean="0"/>
-              <a:t>28/01/2026</a:t>
+              <a:t>29/01/2026</a:t>
             </a:fld>
             <a:endParaRPr lang="en-GB"/>
           </a:p>
@@ -2732,7 +2732,7 @@
           <a:p>
             <a:fld id="{0CBDCB32-C241-4703-A832-4EB47BD54E83}" type="datetime1">
               <a:rPr lang="en-GB" smtClean="0"/>
-              <a:t>28/01/2026</a:t>
+              <a:t>29/01/2026</a:t>
             </a:fld>
             <a:endParaRPr lang="en-GB"/>
           </a:p>
@@ -3045,7 +3045,7 @@
           <a:p>
             <a:fld id="{85C150FF-BE95-4D25-A16A-E368A81CBF24}" type="datetime1">
               <a:rPr lang="en-GB" smtClean="0"/>
-              <a:t>28/01/2026</a:t>
+              <a:t>29/01/2026</a:t>
             </a:fld>
             <a:endParaRPr lang="en-GB"/>
           </a:p>
@@ -3334,7 +3334,7 @@
           <a:p>
             <a:fld id="{F3C5DB4B-B349-43C9-A424-BADA723AD9F1}" type="datetime1">
               <a:rPr lang="en-GB" smtClean="0"/>
-              <a:t>28/01/2026</a:t>
+              <a:t>29/01/2026</a:t>
             </a:fld>
             <a:endParaRPr lang="en-GB"/>
           </a:p>
@@ -3577,7 +3577,7 @@
           <a:p>
             <a:fld id="{12632426-0A0C-405F-A3D0-2D11AA44702A}" type="datetime1">
               <a:rPr lang="en-GB" smtClean="0"/>
-              <a:t>28/01/2026</a:t>
+              <a:t>29/01/2026</a:t>
             </a:fld>
             <a:endParaRPr lang="en-GB"/>
           </a:p>
@@ -4162,7 +4162,7 @@
             </a:r>
             <a:r>
               <a:rPr lang="de-DE" dirty="0" err="1"/>
-              <a:t>system</a:t>
+              <a:t>process</a:t>
             </a:r>
             <a:endParaRPr lang="de-DE" dirty="0"/>
           </a:p>
@@ -5001,15 +5001,7 @@
             </a:pPr>
             <a:r>
               <a:rPr lang="de-DE" dirty="0"/>
-              <a:t>Systems, </a:t>
-            </a:r>
-            <a:r>
-              <a:rPr lang="de-DE" dirty="0" err="1"/>
-              <a:t>Processes</a:t>
-            </a:r>
-            <a:r>
-              <a:rPr lang="de-DE" dirty="0"/>
-              <a:t>, Models</a:t>
+              <a:t>Systems</a:t>
             </a:r>
           </a:p>
           <a:p>
@@ -5293,13 +5285,16 @@
           <a:bodyPr/>
           <a:lstStyle/>
           <a:p>
+            <a:pPr marL="0" indent="0" algn="ctr">
+              <a:buNone/>
+            </a:pPr>
             <a:r>
               <a:rPr lang="de-DE" b="1" dirty="0"/>
               <a:t>Making </a:t>
             </a:r>
             <a:r>
               <a:rPr lang="de-DE" b="1" dirty="0" err="1"/>
-              <a:t>systems</a:t>
+              <a:t>processes</a:t>
             </a:r>
             <a:r>
               <a:rPr lang="de-DE" b="1" dirty="0"/>
@@ -5392,7 +5387,7 @@
             </a:r>
             <a:r>
               <a:rPr lang="de-DE" dirty="0" err="1"/>
-              <a:t>systems</a:t>
+              <a:t>processes</a:t>
             </a:r>
             <a:endParaRPr lang="de-DE" dirty="0"/>
           </a:p>
@@ -5479,7 +5474,7 @@
         </p:nvSpPr>
         <p:spPr>
           <a:xfrm>
-            <a:off x="4366340" y="3039340"/>
+            <a:off x="5103668" y="3039340"/>
             <a:ext cx="1984663" cy="779319"/>
           </a:xfrm>
           <a:prstGeom prst="rect">
@@ -5514,13 +5509,18 @@
           <a:p>
             <a:pPr algn="ctr"/>
             <a:r>
-              <a:rPr lang="de-DE" sz="2800" dirty="0">
+              <a:rPr lang="de-DE" sz="2800" dirty="0" err="1">
                 <a:solidFill>
                   <a:schemeClr val="tx1"/>
                 </a:solidFill>
               </a:rPr>
-              <a:t>System</a:t>
-            </a:r>
+              <a:t>Process</a:t>
+            </a:r>
+            <a:endParaRPr lang="de-DE" sz="2800" dirty="0">
+              <a:solidFill>
+                <a:schemeClr val="tx1"/>
+              </a:solidFill>
+            </a:endParaRPr>
           </a:p>
         </p:txBody>
       </p:sp>
@@ -5538,7 +5538,7 @@
         </p:nvSpPr>
         <p:spPr>
           <a:xfrm>
-            <a:off x="2381429" y="3167388"/>
+            <a:off x="3118757" y="3167388"/>
             <a:ext cx="992579" cy="523220"/>
           </a:xfrm>
           <a:prstGeom prst="rect">
@@ -5573,7 +5573,7 @@
         </p:nvSpPr>
         <p:spPr>
           <a:xfrm>
-            <a:off x="7329480" y="3167388"/>
+            <a:off x="8066808" y="3167388"/>
             <a:ext cx="1281120" cy="523220"/>
           </a:xfrm>
           <a:prstGeom prst="rect">
@@ -5610,7 +5610,7 @@
         </p:nvCxnSpPr>
         <p:spPr>
           <a:xfrm>
-            <a:off x="3387863" y="3428999"/>
+            <a:off x="4125191" y="3428999"/>
             <a:ext cx="978477" cy="1"/>
           </a:xfrm>
           <a:prstGeom prst="straightConnector1">
@@ -5649,7 +5649,7 @@
         </p:nvCxnSpPr>
         <p:spPr>
           <a:xfrm>
-            <a:off x="6351003" y="3428998"/>
+            <a:off x="7088331" y="3428998"/>
             <a:ext cx="978477" cy="1"/>
           </a:xfrm>
           <a:prstGeom prst="straightConnector1">
@@ -6451,13 +6451,18 @@
           <a:p>
             <a:pPr algn="ctr"/>
             <a:r>
-              <a:rPr lang="de-DE" sz="1900" dirty="0">
+              <a:rPr lang="de-DE" sz="1900" dirty="0" err="1">
                 <a:solidFill>
                   <a:schemeClr val="tx1"/>
                 </a:solidFill>
               </a:rPr>
-              <a:t>System</a:t>
-            </a:r>
+              <a:t>Process</a:t>
+            </a:r>
+            <a:endParaRPr lang="de-DE" sz="1900" dirty="0">
+              <a:solidFill>
+                <a:schemeClr val="tx1"/>
+              </a:solidFill>
+            </a:endParaRPr>
           </a:p>
         </p:txBody>
       </p:sp>
@@ -6707,7 +6712,7 @@
           <p:cNvPr id="2" name="Titel 1">
             <a:extLst>
               <a:ext uri="{FF2B5EF4-FFF2-40B4-BE49-F238E27FC236}">
-                <a16:creationId xmlns:a16="http://schemas.microsoft.com/office/drawing/2014/main" id="{87AE0BB0-F77F-FA50-6B80-18D40A2D3E0D}"/>
+                <a16:creationId xmlns:a16="http://schemas.microsoft.com/office/drawing/2014/main" id="{155B41D4-AAD8-A82E-7D02-C5E4EE3116D9}"/>
               </a:ext>
             </a:extLst>
           </p:cNvPr>
@@ -6736,187 +6741,10 @@
       </p:sp>
       <p:sp>
         <p:nvSpPr>
-          <p:cNvPr id="3" name="Inhaltsplatzhalter 2">
-            <a:extLst>
-              <a:ext uri="{FF2B5EF4-FFF2-40B4-BE49-F238E27FC236}">
-                <a16:creationId xmlns:a16="http://schemas.microsoft.com/office/drawing/2014/main" id="{B8910CEA-C417-EDB3-77B8-E0AE80ED8376}"/>
-              </a:ext>
-            </a:extLst>
-          </p:cNvPr>
-          <p:cNvSpPr>
-            <a:spLocks noGrp="1"/>
-          </p:cNvSpPr>
-          <p:nvPr>
-            <p:ph idx="1"/>
-          </p:nvPr>
-        </p:nvSpPr>
-        <p:spPr>
-          <a:xfrm>
-            <a:off x="838200" y="1690688"/>
-            <a:ext cx="10515600" cy="5167311"/>
-          </a:xfrm>
-        </p:spPr>
-        <p:txBody>
-          <a:bodyPr>
-            <a:normAutofit fontScale="92500" lnSpcReduction="10000"/>
-          </a:bodyPr>
-          <a:lstStyle/>
-          <a:p>
-            <a:r>
-              <a:rPr lang="de-DE" dirty="0"/>
-              <a:t>Output </a:t>
-            </a:r>
-            <a:r>
-              <a:rPr lang="de-DE" dirty="0" err="1"/>
-              <a:t>is</a:t>
-            </a:r>
-            <a:r>
-              <a:rPr lang="de-DE" dirty="0"/>
-              <a:t> </a:t>
-            </a:r>
-            <a:r>
-              <a:rPr lang="de-DE" dirty="0" err="1"/>
-              <a:t>measured</a:t>
-            </a:r>
-            <a:r>
-              <a:rPr lang="de-DE" dirty="0"/>
-              <a:t> and </a:t>
-            </a:r>
-            <a:r>
-              <a:rPr lang="de-DE" dirty="0" err="1"/>
-              <a:t>fed</a:t>
-            </a:r>
-            <a:r>
-              <a:rPr lang="de-DE" dirty="0"/>
-              <a:t> back</a:t>
-            </a:r>
-          </a:p>
-          <a:p>
-            <a:r>
-              <a:rPr lang="de-DE" dirty="0"/>
-              <a:t>Controller </a:t>
-            </a:r>
-            <a:r>
-              <a:rPr lang="de-DE" dirty="0" err="1"/>
-              <a:t>compares</a:t>
-            </a:r>
-            <a:r>
-              <a:rPr lang="de-DE" dirty="0"/>
-              <a:t> </a:t>
-            </a:r>
-            <a:r>
-              <a:rPr lang="de-DE" dirty="0" err="1"/>
-              <a:t>reference</a:t>
-            </a:r>
-            <a:r>
-              <a:rPr lang="de-DE" dirty="0"/>
-              <a:t> and </a:t>
-            </a:r>
-            <a:r>
-              <a:rPr lang="de-DE" dirty="0" err="1"/>
-              <a:t>output</a:t>
-            </a:r>
-            <a:endParaRPr lang="de-DE" dirty="0"/>
-          </a:p>
-          <a:p>
-            <a:r>
-              <a:rPr lang="de-DE" dirty="0"/>
-              <a:t>Error </a:t>
-            </a:r>
-            <a:r>
-              <a:rPr lang="de-DE" dirty="0" err="1"/>
-              <a:t>signal</a:t>
-            </a:r>
-            <a:r>
-              <a:rPr lang="de-DE" dirty="0"/>
-              <a:t> </a:t>
-            </a:r>
-            <a:r>
-              <a:rPr lang="de-DE" dirty="0" err="1"/>
-              <a:t>drives</a:t>
-            </a:r>
-            <a:r>
-              <a:rPr lang="de-DE" dirty="0"/>
-              <a:t> </a:t>
-            </a:r>
-            <a:r>
-              <a:rPr lang="de-DE" dirty="0" err="1"/>
-              <a:t>control</a:t>
-            </a:r>
-            <a:r>
-              <a:rPr lang="de-DE" dirty="0"/>
-              <a:t> </a:t>
-            </a:r>
-            <a:r>
-              <a:rPr lang="de-DE" dirty="0" err="1"/>
-              <a:t>action</a:t>
-            </a:r>
-            <a:endParaRPr lang="de-DE" dirty="0"/>
-          </a:p>
-          <a:p>
-            <a:pPr marL="0" indent="0">
-              <a:buNone/>
-            </a:pPr>
-            <a:endParaRPr lang="de-DE" dirty="0"/>
-          </a:p>
-          <a:p>
-            <a:endParaRPr lang="de-DE" dirty="0"/>
-          </a:p>
-          <a:p>
-            <a:endParaRPr lang="de-DE" dirty="0"/>
-          </a:p>
-          <a:p>
-            <a:endParaRPr lang="de-DE" dirty="0"/>
-          </a:p>
-          <a:p>
-            <a:endParaRPr lang="de-DE" dirty="0"/>
-          </a:p>
-          <a:p>
-            <a:endParaRPr lang="de-DE" dirty="0"/>
-          </a:p>
-          <a:p>
-            <a:endParaRPr lang="de-DE" dirty="0"/>
-          </a:p>
-          <a:p>
-            <a:pPr marL="0" indent="0">
-              <a:buNone/>
-            </a:pPr>
-            <a:r>
-              <a:rPr lang="de-DE" dirty="0">
-                <a:sym typeface="Wingdings" pitchFamily="2" charset="2"/>
-              </a:rPr>
-              <a:t> </a:t>
-            </a:r>
-            <a:r>
-              <a:rPr lang="de-DE" dirty="0" err="1"/>
-              <a:t>Improves</a:t>
-            </a:r>
-            <a:r>
-              <a:rPr lang="de-DE" dirty="0"/>
-              <a:t> </a:t>
-            </a:r>
-            <a:r>
-              <a:rPr lang="de-DE" dirty="0" err="1"/>
-              <a:t>accuracy</a:t>
-            </a:r>
-            <a:r>
-              <a:rPr lang="de-DE" dirty="0"/>
-              <a:t> and </a:t>
-            </a:r>
-            <a:r>
-              <a:rPr lang="de-DE" dirty="0" err="1"/>
-              <a:t>robustness</a:t>
-            </a:r>
-            <a:endParaRPr lang="de-DE" dirty="0"/>
-          </a:p>
-        </p:txBody>
-      </p:sp>
-      <p:sp>
-        <p:nvSpPr>
           <p:cNvPr id="4" name="Foliennummernplatzhalter 3">
             <a:extLst>
               <a:ext uri="{FF2B5EF4-FFF2-40B4-BE49-F238E27FC236}">
-                <a16:creationId xmlns:a16="http://schemas.microsoft.com/office/drawing/2014/main" id="{DA482764-F195-9802-B5EF-0CA33B3915F1}"/>
+                <a16:creationId xmlns:a16="http://schemas.microsoft.com/office/drawing/2014/main" id="{B286533E-CD80-5B8C-D6BC-8237FBA8B5F1}"/>
               </a:ext>
             </a:extLst>
           </p:cNvPr>
@@ -6940,113 +6768,236 @@
           </a:p>
         </p:txBody>
       </p:sp>
-      <p:pic>
-        <p:nvPicPr>
-          <p:cNvPr id="1026" name="Picture 2" descr="undefined">
-            <a:extLst>
-              <a:ext uri="{FF2B5EF4-FFF2-40B4-BE49-F238E27FC236}">
-                <a16:creationId xmlns:a16="http://schemas.microsoft.com/office/drawing/2014/main" id="{03B2EE04-1262-D49F-16FA-5FFE7C7CE23B}"/>
-              </a:ext>
-            </a:extLst>
-          </p:cNvPr>
-          <p:cNvPicPr>
-            <a:picLocks noChangeAspect="1" noChangeArrowheads="1"/>
-          </p:cNvPicPr>
+      <p:grpSp>
+        <p:nvGrpSpPr>
+          <p:cNvPr id="3" name="Gruppieren 2">
+            <a:extLst>
+              <a:ext uri="{FF2B5EF4-FFF2-40B4-BE49-F238E27FC236}">
+                <a16:creationId xmlns:a16="http://schemas.microsoft.com/office/drawing/2014/main" id="{3DBDE414-F866-5686-4012-E6173E152C28}"/>
+              </a:ext>
+            </a:extLst>
+          </p:cNvPr>
+          <p:cNvGrpSpPr/>
           <p:nvPr/>
-        </p:nvPicPr>
-        <p:blipFill>
-          <a:blip r:embed="rId2">
-            <a:extLst>
-              <a:ext uri="{28A0092B-C50C-407E-A947-70E740481C1C}">
-                <a14:useLocalDpi xmlns:a14="http://schemas.microsoft.com/office/drawing/2010/main" val="0"/>
-              </a:ext>
-            </a:extLst>
-          </a:blip>
-          <a:srcRect/>
-          <a:stretch>
-            <a:fillRect/>
-          </a:stretch>
-        </p:blipFill>
-        <p:spPr bwMode="auto">
+        </p:nvGrpSpPr>
+        <p:grpSpPr>
           <a:xfrm>
-            <a:off x="1186295" y="3166495"/>
-            <a:ext cx="9819409" cy="2820523"/>
+            <a:off x="1396004" y="1690688"/>
+            <a:ext cx="9399992" cy="3736651"/>
+            <a:chOff x="1312999" y="1551600"/>
+            <a:chExt cx="9399992" cy="3736651"/>
           </a:xfrm>
-          <a:prstGeom prst="rect">
-            <a:avLst/>
-          </a:prstGeom>
-          <a:noFill/>
-          <a:ln>
+        </p:grpSpPr>
+        <p:pic>
+          <p:nvPicPr>
+            <p:cNvPr id="5" name="Picture 4" descr="Closed Loop System and Closed-loop Feedback Control Systems">
+              <a:extLst>
+                <a:ext uri="{FF2B5EF4-FFF2-40B4-BE49-F238E27FC236}">
+                  <a16:creationId xmlns:a16="http://schemas.microsoft.com/office/drawing/2014/main" id="{A7AC868E-480E-184E-ECAC-420650192074}"/>
+                </a:ext>
+              </a:extLst>
+            </p:cNvPr>
+            <p:cNvPicPr>
+              <a:picLocks noChangeAspect="1" noChangeArrowheads="1"/>
+            </p:cNvPicPr>
+            <p:nvPr/>
+          </p:nvPicPr>
+          <p:blipFill>
+            <a:blip r:embed="rId2">
+              <a:extLst>
+                <a:ext uri="{28A0092B-C50C-407E-A947-70E740481C1C}">
+                  <a14:useLocalDpi xmlns:a14="http://schemas.microsoft.com/office/drawing/2010/main" val="0"/>
+                </a:ext>
+              </a:extLst>
+            </a:blip>
+            <a:srcRect/>
+            <a:stretch>
+              <a:fillRect/>
+            </a:stretch>
+          </p:blipFill>
+          <p:spPr bwMode="auto">
+            <a:xfrm>
+              <a:off x="1479008" y="1569749"/>
+              <a:ext cx="9233983" cy="3718502"/>
+            </a:xfrm>
+            <a:prstGeom prst="rect">
+              <a:avLst/>
+            </a:prstGeom>
+            <a:noFill/>
+            <a:extLst>
+              <a:ext uri="{909E8E84-426E-40DD-AFC4-6F175D3DCCD1}">
+                <a14:hiddenFill xmlns:a14="http://schemas.microsoft.com/office/drawing/2010/main">
+                  <a:solidFill>
+                    <a:srgbClr val="FFFFFF"/>
+                  </a:solidFill>
+                </a14:hiddenFill>
+              </a:ext>
+            </a:extLst>
+          </p:spPr>
+        </p:pic>
+        <p:sp>
+          <p:nvSpPr>
+            <p:cNvPr id="6" name="Rechteck 5">
+              <a:extLst>
+                <a:ext uri="{FF2B5EF4-FFF2-40B4-BE49-F238E27FC236}">
+                  <a16:creationId xmlns:a16="http://schemas.microsoft.com/office/drawing/2014/main" id="{AE523742-8946-1647-84BD-79CA3E93CE67}"/>
+                </a:ext>
+              </a:extLst>
+            </p:cNvPr>
+            <p:cNvSpPr/>
+            <p:nvPr/>
+          </p:nvSpPr>
+          <p:spPr>
+            <a:xfrm flipV="1">
+              <a:off x="1312999" y="2971798"/>
+              <a:ext cx="921046" cy="374074"/>
+            </a:xfrm>
+            <a:prstGeom prst="rect">
+              <a:avLst/>
+            </a:prstGeom>
             <a:solidFill>
-              <a:schemeClr val="bg1">
-                <a:lumMod val="85000"/>
+              <a:schemeClr val="bg1"/>
+            </a:solidFill>
+            <a:ln>
+              <a:noFill/>
+            </a:ln>
+          </p:spPr>
+          <p:style>
+            <a:lnRef idx="2">
+              <a:schemeClr val="accent1">
+                <a:shade val="15000"/>
               </a:schemeClr>
+            </a:lnRef>
+            <a:fillRef idx="1">
+              <a:schemeClr val="accent1"/>
+            </a:fillRef>
+            <a:effectRef idx="0">
+              <a:schemeClr val="accent1"/>
+            </a:effectRef>
+            <a:fontRef idx="minor">
+              <a:schemeClr val="lt1"/>
+            </a:fontRef>
+          </p:style>
+          <p:txBody>
+            <a:bodyPr rtlCol="0" anchor="ctr"/>
+            <a:lstStyle/>
+            <a:p>
+              <a:pPr algn="ctr"/>
+              <a:endParaRPr lang="de-DE"/>
+            </a:p>
+          </p:txBody>
+        </p:sp>
+        <p:sp>
+          <p:nvSpPr>
+            <p:cNvPr id="7" name="Rechteck 6">
+              <a:extLst>
+                <a:ext uri="{FF2B5EF4-FFF2-40B4-BE49-F238E27FC236}">
+                  <a16:creationId xmlns:a16="http://schemas.microsoft.com/office/drawing/2014/main" id="{E19C7476-F588-E0F5-E8FC-01AC6343002A}"/>
+                </a:ext>
+              </a:extLst>
+            </p:cNvPr>
+            <p:cNvSpPr/>
+            <p:nvPr/>
+          </p:nvSpPr>
+          <p:spPr>
+            <a:xfrm flipV="1">
+              <a:off x="9791945" y="3054926"/>
+              <a:ext cx="921046" cy="374074"/>
+            </a:xfrm>
+            <a:prstGeom prst="rect">
+              <a:avLst/>
+            </a:prstGeom>
+            <a:solidFill>
+              <a:schemeClr val="bg1"/>
             </a:solidFill>
-          </a:ln>
-          <a:extLst>
-            <a:ext uri="{909E8E84-426E-40DD-AFC4-6F175D3DCCD1}">
-              <a14:hiddenFill xmlns:a14="http://schemas.microsoft.com/office/drawing/2010/main">
-                <a:solidFill>
-                  <a:srgbClr val="FFFFFF"/>
-                </a:solidFill>
-              </a14:hiddenFill>
-            </a:ext>
-          </a:extLst>
-        </p:spPr>
-      </p:pic>
-      <p:pic>
-        <p:nvPicPr>
-          <p:cNvPr id="1030" name="Picture 6">
-            <a:extLst>
-              <a:ext uri="{FF2B5EF4-FFF2-40B4-BE49-F238E27FC236}">
-                <a16:creationId xmlns:a16="http://schemas.microsoft.com/office/drawing/2014/main" id="{728BC0FC-895C-4EFD-795C-80692263F5F8}"/>
-              </a:ext>
-            </a:extLst>
-          </p:cNvPr>
-          <p:cNvPicPr>
-            <a:picLocks noChangeAspect="1" noChangeArrowheads="1"/>
-          </p:cNvPicPr>
-          <p:nvPr/>
-        </p:nvPicPr>
-        <p:blipFill>
-          <a:blip r:embed="rId3">
-            <a:extLst>
-              <a:ext uri="{28A0092B-C50C-407E-A947-70E740481C1C}">
-                <a14:useLocalDpi xmlns:a14="http://schemas.microsoft.com/office/drawing/2010/main" val="0"/>
-              </a:ext>
-            </a:extLst>
-          </a:blip>
-          <a:srcRect/>
-          <a:stretch>
-            <a:fillRect/>
-          </a:stretch>
-        </p:blipFill>
-        <p:spPr bwMode="auto">
-          <a:xfrm>
-            <a:off x="8610600" y="240800"/>
-            <a:ext cx="3175000" cy="2120900"/>
-          </a:xfrm>
-          <a:prstGeom prst="rect">
-            <a:avLst/>
-          </a:prstGeom>
-          <a:noFill/>
-          <a:extLst>
-            <a:ext uri="{909E8E84-426E-40DD-AFC4-6F175D3DCCD1}">
-              <a14:hiddenFill xmlns:a14="http://schemas.microsoft.com/office/drawing/2010/main">
-                <a:solidFill>
-                  <a:srgbClr val="FFFFFF"/>
-                </a:solidFill>
-              </a14:hiddenFill>
-            </a:ext>
-          </a:extLst>
-        </p:spPr>
-      </p:pic>
-      <p:sp>
-        <p:nvSpPr>
-          <p:cNvPr id="5" name="Textfeld 4">
-            <a:extLst>
-              <a:ext uri="{FF2B5EF4-FFF2-40B4-BE49-F238E27FC236}">
-                <a16:creationId xmlns:a16="http://schemas.microsoft.com/office/drawing/2014/main" id="{5D5A7AC4-023C-6F5F-9C9C-17702D7A0B59}"/>
+            <a:ln>
+              <a:noFill/>
+            </a:ln>
+          </p:spPr>
+          <p:style>
+            <a:lnRef idx="2">
+              <a:schemeClr val="accent1">
+                <a:shade val="15000"/>
+              </a:schemeClr>
+            </a:lnRef>
+            <a:fillRef idx="1">
+              <a:schemeClr val="accent1"/>
+            </a:fillRef>
+            <a:effectRef idx="0">
+              <a:schemeClr val="accent1"/>
+            </a:effectRef>
+            <a:fontRef idx="minor">
+              <a:schemeClr val="lt1"/>
+            </a:fontRef>
+          </p:style>
+          <p:txBody>
+            <a:bodyPr rtlCol="0" anchor="ctr"/>
+            <a:lstStyle/>
+            <a:p>
+              <a:pPr algn="ctr"/>
+              <a:endParaRPr lang="de-DE"/>
+            </a:p>
+          </p:txBody>
+        </p:sp>
+        <p:sp>
+          <p:nvSpPr>
+            <p:cNvPr id="8" name="Rechteck 7">
+              <a:extLst>
+                <a:ext uri="{FF2B5EF4-FFF2-40B4-BE49-F238E27FC236}">
+                  <a16:creationId xmlns:a16="http://schemas.microsoft.com/office/drawing/2014/main" id="{DB330525-47C4-8D5A-AD70-FE0865C7A283}"/>
+                </a:ext>
+              </a:extLst>
+            </p:cNvPr>
+            <p:cNvSpPr/>
+            <p:nvPr/>
+          </p:nvSpPr>
+          <p:spPr>
+            <a:xfrm flipV="1">
+              <a:off x="3314981" y="1551600"/>
+              <a:ext cx="1433664" cy="830551"/>
+            </a:xfrm>
+            <a:prstGeom prst="rect">
+              <a:avLst/>
+            </a:prstGeom>
+            <a:solidFill>
+              <a:schemeClr val="bg1"/>
+            </a:solidFill>
+            <a:ln>
+              <a:noFill/>
+            </a:ln>
+          </p:spPr>
+          <p:style>
+            <a:lnRef idx="2">
+              <a:schemeClr val="accent1">
+                <a:shade val="15000"/>
+              </a:schemeClr>
+            </a:lnRef>
+            <a:fillRef idx="1">
+              <a:schemeClr val="accent1"/>
+            </a:fillRef>
+            <a:effectRef idx="0">
+              <a:schemeClr val="accent1"/>
+            </a:effectRef>
+            <a:fontRef idx="minor">
+              <a:schemeClr val="lt1"/>
+            </a:fontRef>
+          </p:style>
+          <p:txBody>
+            <a:bodyPr rtlCol="0" anchor="ctr"/>
+            <a:lstStyle/>
+            <a:p>
+              <a:pPr algn="ctr"/>
+              <a:endParaRPr lang="de-DE"/>
+            </a:p>
+          </p:txBody>
+        </p:sp>
+      </p:grpSp>
+      <p:sp>
+        <p:nvSpPr>
+          <p:cNvPr id="9" name="Textfeld 8">
+            <a:extLst>
+              <a:ext uri="{FF2B5EF4-FFF2-40B4-BE49-F238E27FC236}">
+                <a16:creationId xmlns:a16="http://schemas.microsoft.com/office/drawing/2014/main" id="{86EA4BE6-0AFF-8D87-3B41-1A0E9CA4FBED}"/>
               </a:ext>
             </a:extLst>
           </p:cNvPr>
@@ -7055,8 +7006,8 @@
         </p:nvSpPr>
         <p:spPr>
           <a:xfrm>
-            <a:off x="8286198" y="2361700"/>
-            <a:ext cx="3823804" cy="369332"/>
+            <a:off x="3456002" y="5833130"/>
+            <a:ext cx="5279995" cy="523220"/>
           </a:xfrm>
           <a:prstGeom prst="rect">
             <a:avLst/>
@@ -7064,155 +7015,48 @@
           <a:noFill/>
         </p:spPr>
         <p:txBody>
-          <a:bodyPr wrap="none" rtlCol="0">
+          <a:bodyPr wrap="square">
             <a:spAutoFit/>
           </a:bodyPr>
           <a:lstStyle/>
           <a:p>
             <a:r>
-              <a:rPr lang="de-DE" dirty="0" err="1"/>
-              <a:t>maintains</a:t>
-            </a:r>
-            <a:r>
-              <a:rPr lang="de-DE" dirty="0"/>
+              <a:rPr lang="de-DE" sz="2800" dirty="0"/>
+              <a:t>Output </a:t>
+            </a:r>
+            <a:r>
+              <a:rPr lang="de-DE" sz="2800" dirty="0" err="1"/>
+              <a:t>is</a:t>
+            </a:r>
+            <a:r>
+              <a:rPr lang="de-DE" sz="2800" dirty="0"/>
               <a:t> </a:t>
             </a:r>
             <a:r>
-              <a:rPr lang="de-DE" dirty="0" err="1"/>
-              <a:t>temperature</a:t>
-            </a:r>
-            <a:r>
-              <a:rPr lang="de-DE" dirty="0"/>
-              <a:t> </a:t>
-            </a:r>
-            <a:r>
-              <a:rPr lang="de-DE" dirty="0" err="1"/>
-              <a:t>near</a:t>
-            </a:r>
-            <a:r>
-              <a:rPr lang="de-DE" dirty="0"/>
-              <a:t> </a:t>
-            </a:r>
-            <a:r>
-              <a:rPr lang="de-DE" dirty="0" err="1"/>
-              <a:t>setpoint</a:t>
-            </a:r>
-            <a:endParaRPr lang="de-DE" dirty="0"/>
-          </a:p>
-        </p:txBody>
-      </p:sp>
-    </p:spTree>
-    <p:extLst>
-      <p:ext uri="{BB962C8B-B14F-4D97-AF65-F5344CB8AC3E}">
-        <p14:creationId xmlns:p14="http://schemas.microsoft.com/office/powerpoint/2010/main" val="1869757266"/>
-      </p:ext>
-    </p:extLst>
-  </p:cSld>
-  <p:clrMapOvr>
-    <a:masterClrMapping/>
-  </p:clrMapOvr>
-</p:sld>
-</file>
-
-<file path=ppt/slides/slide5.xml><?xml version="1.0" encoding="utf-8"?>
-<p:sld xmlns:a="http://schemas.openxmlformats.org/drawingml/2006/main" xmlns:r="http://schemas.openxmlformats.org/officeDocument/2006/relationships" xmlns:p="http://schemas.openxmlformats.org/presentationml/2006/main">
-  <p:cSld>
-    <p:spTree>
-      <p:nvGrpSpPr>
-        <p:cNvPr id="1" name=""/>
-        <p:cNvGrpSpPr/>
-        <p:nvPr/>
-      </p:nvGrpSpPr>
-      <p:grpSpPr>
-        <a:xfrm>
-          <a:off x="0" y="0"/>
-          <a:ext cx="0" cy="0"/>
-          <a:chOff x="0" y="0"/>
-          <a:chExt cx="0" cy="0"/>
-        </a:xfrm>
-      </p:grpSpPr>
-      <p:sp>
-        <p:nvSpPr>
-          <p:cNvPr id="4" name="Foliennummernplatzhalter 3">
-            <a:extLst>
-              <a:ext uri="{FF2B5EF4-FFF2-40B4-BE49-F238E27FC236}">
-                <a16:creationId xmlns:a16="http://schemas.microsoft.com/office/drawing/2014/main" id="{B286533E-CD80-5B8C-D6BC-8237FBA8B5F1}"/>
-              </a:ext>
-            </a:extLst>
-          </p:cNvPr>
-          <p:cNvSpPr>
-            <a:spLocks noGrp="1"/>
-          </p:cNvSpPr>
-          <p:nvPr>
-            <p:ph type="sldNum" sz="quarter" idx="12"/>
-          </p:nvPr>
-        </p:nvSpPr>
-        <p:spPr/>
-        <p:txBody>
-          <a:bodyPr/>
-          <a:lstStyle/>
-          <a:p>
-            <a:fld id="{08C366F5-AFAD-49CB-854A-9D9E238FCA13}" type="slidenum">
-              <a:rPr lang="en-GB" smtClean="0"/>
-              <a:t>5</a:t>
-            </a:fld>
-            <a:endParaRPr lang="en-GB"/>
-          </a:p>
-        </p:txBody>
-      </p:sp>
-      <p:pic>
-        <p:nvPicPr>
-          <p:cNvPr id="5" name="Picture 4" descr="Closed Loop System and Closed-loop Feedback Control Systems">
-            <a:extLst>
-              <a:ext uri="{FF2B5EF4-FFF2-40B4-BE49-F238E27FC236}">
-                <a16:creationId xmlns:a16="http://schemas.microsoft.com/office/drawing/2014/main" id="{A7AC868E-480E-184E-ECAC-420650192074}"/>
-              </a:ext>
-            </a:extLst>
-          </p:cNvPr>
-          <p:cNvPicPr>
-            <a:picLocks noChangeAspect="1" noChangeArrowheads="1"/>
-          </p:cNvPicPr>
-          <p:nvPr/>
-        </p:nvPicPr>
-        <p:blipFill>
-          <a:blip r:embed="rId2">
-            <a:extLst>
-              <a:ext uri="{28A0092B-C50C-407E-A947-70E740481C1C}">
-                <a14:useLocalDpi xmlns:a14="http://schemas.microsoft.com/office/drawing/2010/main" val="0"/>
-              </a:ext>
-            </a:extLst>
-          </a:blip>
-          <a:srcRect/>
-          <a:stretch>
-            <a:fillRect/>
-          </a:stretch>
-        </p:blipFill>
-        <p:spPr bwMode="auto">
-          <a:xfrm>
-            <a:off x="1479008" y="1569749"/>
-            <a:ext cx="9233983" cy="3718502"/>
-          </a:xfrm>
-          <a:prstGeom prst="rect">
-            <a:avLst/>
-          </a:prstGeom>
-          <a:noFill/>
-          <a:extLst>
-            <a:ext uri="{909E8E84-426E-40DD-AFC4-6F175D3DCCD1}">
-              <a14:hiddenFill xmlns:a14="http://schemas.microsoft.com/office/drawing/2010/main">
-                <a:solidFill>
-                  <a:srgbClr val="FFFFFF"/>
-                </a:solidFill>
-              </a14:hiddenFill>
-            </a:ext>
-          </a:extLst>
-        </p:spPr>
-      </p:pic>
-      <p:sp>
-        <p:nvSpPr>
-          <p:cNvPr id="6" name="Rechteck 5">
-            <a:extLst>
-              <a:ext uri="{FF2B5EF4-FFF2-40B4-BE49-F238E27FC236}">
-                <a16:creationId xmlns:a16="http://schemas.microsoft.com/office/drawing/2014/main" id="{AE523742-8946-1647-84BD-79CA3E93CE67}"/>
+              <a:rPr lang="de-DE" sz="2800" dirty="0" err="1"/>
+              <a:t>measured</a:t>
+            </a:r>
+            <a:r>
+              <a:rPr lang="de-DE" sz="2800" dirty="0"/>
+              <a:t> and </a:t>
+            </a:r>
+            <a:r>
+              <a:rPr lang="de-DE" sz="2800" dirty="0" err="1"/>
+              <a:t>fed</a:t>
+            </a:r>
+            <a:r>
+              <a:rPr lang="de-DE" sz="2800" dirty="0"/>
+              <a:t> back</a:t>
+            </a:r>
+          </a:p>
+        </p:txBody>
+      </p:sp>
+      <p:sp>
+        <p:nvSpPr>
+          <p:cNvPr id="10" name="Rechteck 9">
+            <a:extLst>
+              <a:ext uri="{FF2B5EF4-FFF2-40B4-BE49-F238E27FC236}">
+                <a16:creationId xmlns:a16="http://schemas.microsoft.com/office/drawing/2014/main" id="{43128331-CF8D-6556-289A-F256119A5778}"/>
               </a:ext>
             </a:extLst>
           </p:cNvPr>
@@ -7220,9 +7064,9 @@
           <p:nvPr/>
         </p:nvSpPr>
         <p:spPr>
-          <a:xfrm flipV="1">
-            <a:off x="1312999" y="2971798"/>
-            <a:ext cx="921046" cy="374074"/>
+          <a:xfrm>
+            <a:off x="3968318" y="4145872"/>
+            <a:ext cx="639193" cy="337351"/>
           </a:xfrm>
           <a:prstGeom prst="rect">
             <a:avLst/>
@@ -7259,114 +7103,116 @@
           </a:p>
         </p:txBody>
       </p:sp>
-      <p:sp>
-        <p:nvSpPr>
-          <p:cNvPr id="7" name="Rechteck 6">
-            <a:extLst>
-              <a:ext uri="{FF2B5EF4-FFF2-40B4-BE49-F238E27FC236}">
-                <a16:creationId xmlns:a16="http://schemas.microsoft.com/office/drawing/2014/main" id="{E19C7476-F588-E0F5-E8FC-01AC6343002A}"/>
-              </a:ext>
-            </a:extLst>
-          </p:cNvPr>
-          <p:cNvSpPr/>
+    </p:spTree>
+    <p:extLst>
+      <p:ext uri="{BB962C8B-B14F-4D97-AF65-F5344CB8AC3E}">
+        <p14:creationId xmlns:p14="http://schemas.microsoft.com/office/powerpoint/2010/main" val="3637306280"/>
+      </p:ext>
+    </p:extLst>
+  </p:cSld>
+  <p:clrMapOvr>
+    <a:masterClrMapping/>
+  </p:clrMapOvr>
+</p:sld>
+</file>
+
+<file path=ppt/slides/slide5.xml><?xml version="1.0" encoding="utf-8"?>
+<p:sld xmlns:a="http://schemas.openxmlformats.org/drawingml/2006/main" xmlns:r="http://schemas.openxmlformats.org/officeDocument/2006/relationships" xmlns:p="http://schemas.openxmlformats.org/presentationml/2006/main">
+  <p:cSld>
+    <p:spTree>
+      <p:nvGrpSpPr>
+        <p:cNvPr id="1" name=""/>
+        <p:cNvGrpSpPr/>
+        <p:nvPr/>
+      </p:nvGrpSpPr>
+      <p:grpSpPr>
+        <a:xfrm>
+          <a:off x="0" y="0"/>
+          <a:ext cx="0" cy="0"/>
+          <a:chOff x="0" y="0"/>
+          <a:chExt cx="0" cy="0"/>
+        </a:xfrm>
+      </p:grpSpPr>
+      <p:pic>
+        <p:nvPicPr>
+          <p:cNvPr id="4102" name="Picture 6">
+            <a:extLst>
+              <a:ext uri="{FF2B5EF4-FFF2-40B4-BE49-F238E27FC236}">
+                <a16:creationId xmlns:a16="http://schemas.microsoft.com/office/drawing/2014/main" id="{0B121C6D-6A3B-E6C4-325C-73795373A40E}"/>
+              </a:ext>
+            </a:extLst>
+          </p:cNvPr>
+          <p:cNvPicPr>
+            <a:picLocks noChangeAspect="1" noChangeArrowheads="1"/>
+          </p:cNvPicPr>
           <p:nvPr/>
-        </p:nvSpPr>
-        <p:spPr>
-          <a:xfrm flipV="1">
-            <a:off x="9791945" y="3054926"/>
-            <a:ext cx="921046" cy="374074"/>
+        </p:nvPicPr>
+        <p:blipFill>
+          <a:blip r:embed="rId2">
+            <a:extLst>
+              <a:ext uri="{28A0092B-C50C-407E-A947-70E740481C1C}">
+                <a14:useLocalDpi xmlns:a14="http://schemas.microsoft.com/office/drawing/2010/main" val="0"/>
+              </a:ext>
+            </a:extLst>
+          </a:blip>
+          <a:srcRect/>
+          <a:stretch>
+            <a:fillRect/>
+          </a:stretch>
+        </p:blipFill>
+        <p:spPr bwMode="auto">
+          <a:xfrm>
+            <a:off x="838200" y="381521"/>
+            <a:ext cx="10035309" cy="6339954"/>
           </a:xfrm>
           <a:prstGeom prst="rect">
             <a:avLst/>
           </a:prstGeom>
-          <a:solidFill>
-            <a:schemeClr val="bg1"/>
-          </a:solidFill>
-          <a:ln>
-            <a:noFill/>
-          </a:ln>
+          <a:noFill/>
+          <a:extLst>
+            <a:ext uri="{909E8E84-426E-40DD-AFC4-6F175D3DCCD1}">
+              <a14:hiddenFill xmlns:a14="http://schemas.microsoft.com/office/drawing/2010/main">
+                <a:solidFill>
+                  <a:srgbClr val="FFFFFF"/>
+                </a:solidFill>
+              </a14:hiddenFill>
+            </a:ext>
+          </a:extLst>
         </p:spPr>
-        <p:style>
-          <a:lnRef idx="2">
-            <a:schemeClr val="accent1">
-              <a:shade val="15000"/>
-            </a:schemeClr>
-          </a:lnRef>
-          <a:fillRef idx="1">
-            <a:schemeClr val="accent1"/>
-          </a:fillRef>
-          <a:effectRef idx="0">
-            <a:schemeClr val="accent1"/>
-          </a:effectRef>
-          <a:fontRef idx="minor">
-            <a:schemeClr val="lt1"/>
-          </a:fontRef>
-        </p:style>
-        <p:txBody>
-          <a:bodyPr rtlCol="0" anchor="ctr"/>
-          <a:lstStyle/>
-          <a:p>
-            <a:pPr algn="ctr"/>
-            <a:endParaRPr lang="de-DE"/>
-          </a:p>
-        </p:txBody>
-      </p:sp>
-      <p:sp>
-        <p:nvSpPr>
-          <p:cNvPr id="8" name="Rechteck 7">
-            <a:extLst>
-              <a:ext uri="{FF2B5EF4-FFF2-40B4-BE49-F238E27FC236}">
-                <a16:creationId xmlns:a16="http://schemas.microsoft.com/office/drawing/2014/main" id="{DB330525-47C4-8D5A-AD70-FE0865C7A283}"/>
-              </a:ext>
-            </a:extLst>
-          </p:cNvPr>
-          <p:cNvSpPr/>
-          <p:nvPr/>
-        </p:nvSpPr>
-        <p:spPr>
-          <a:xfrm flipV="1">
-            <a:off x="3314981" y="1551600"/>
-            <a:ext cx="1433664" cy="830551"/>
-          </a:xfrm>
-          <a:prstGeom prst="rect">
-            <a:avLst/>
-          </a:prstGeom>
-          <a:solidFill>
-            <a:schemeClr val="bg1"/>
-          </a:solidFill>
-          <a:ln>
-            <a:noFill/>
-          </a:ln>
-        </p:spPr>
-        <p:style>
-          <a:lnRef idx="2">
-            <a:schemeClr val="accent1">
-              <a:shade val="15000"/>
-            </a:schemeClr>
-          </a:lnRef>
-          <a:fillRef idx="1">
-            <a:schemeClr val="accent1"/>
-          </a:fillRef>
-          <a:effectRef idx="0">
-            <a:schemeClr val="accent1"/>
-          </a:effectRef>
-          <a:fontRef idx="minor">
-            <a:schemeClr val="lt1"/>
-          </a:fontRef>
-        </p:style>
-        <p:txBody>
-          <a:bodyPr rtlCol="0" anchor="ctr"/>
-          <a:lstStyle/>
-          <a:p>
-            <a:pPr algn="ctr"/>
-            <a:endParaRPr lang="de-DE"/>
+      </p:pic>
+      <p:sp>
+        <p:nvSpPr>
+          <p:cNvPr id="4" name="Foliennummernplatzhalter 3">
+            <a:extLst>
+              <a:ext uri="{FF2B5EF4-FFF2-40B4-BE49-F238E27FC236}">
+                <a16:creationId xmlns:a16="http://schemas.microsoft.com/office/drawing/2014/main" id="{1F7247C8-F08E-D5F2-4FCB-49426E9BC5D3}"/>
+              </a:ext>
+            </a:extLst>
+          </p:cNvPr>
+          <p:cNvSpPr>
+            <a:spLocks noGrp="1"/>
+          </p:cNvSpPr>
+          <p:nvPr>
+            <p:ph type="sldNum" sz="quarter" idx="12"/>
+          </p:nvPr>
+        </p:nvSpPr>
+        <p:spPr/>
+        <p:txBody>
+          <a:bodyPr/>
+          <a:lstStyle/>
+          <a:p>
+            <a:fld id="{08C366F5-AFAD-49CB-854A-9D9E238FCA13}" type="slidenum">
+              <a:rPr lang="en-GB" smtClean="0"/>
+              <a:t>5</a:t>
+            </a:fld>
+            <a:endParaRPr lang="en-GB"/>
           </a:p>
         </p:txBody>
       </p:sp>
     </p:spTree>
     <p:extLst>
       <p:ext uri="{BB962C8B-B14F-4D97-AF65-F5344CB8AC3E}">
-        <p14:creationId xmlns:p14="http://schemas.microsoft.com/office/powerpoint/2010/main" val="3637306280"/>
+        <p14:creationId xmlns:p14="http://schemas.microsoft.com/office/powerpoint/2010/main" val="2313886892"/>
       </p:ext>
     </p:extLst>
   </p:cSld>
@@ -7393,12 +7239,226 @@
           <a:chExt cx="0" cy="0"/>
         </a:xfrm>
       </p:grpSpPr>
+      <p:sp>
+        <p:nvSpPr>
+          <p:cNvPr id="2" name="Titel 1">
+            <a:extLst>
+              <a:ext uri="{FF2B5EF4-FFF2-40B4-BE49-F238E27FC236}">
+                <a16:creationId xmlns:a16="http://schemas.microsoft.com/office/drawing/2014/main" id="{87AE0BB0-F77F-FA50-6B80-18D40A2D3E0D}"/>
+              </a:ext>
+            </a:extLst>
+          </p:cNvPr>
+          <p:cNvSpPr>
+            <a:spLocks noGrp="1"/>
+          </p:cNvSpPr>
+          <p:nvPr>
+            <p:ph type="title"/>
+          </p:nvPr>
+        </p:nvSpPr>
+        <p:spPr/>
+        <p:txBody>
+          <a:bodyPr/>
+          <a:lstStyle/>
+          <a:p>
+            <a:r>
+              <a:rPr lang="de-DE" dirty="0" err="1"/>
+              <a:t>Closed</a:t>
+            </a:r>
+            <a:r>
+              <a:rPr lang="de-DE" dirty="0"/>
+              <a:t>-Loop Control</a:t>
+            </a:r>
+          </a:p>
+        </p:txBody>
+      </p:sp>
+      <p:sp>
+        <p:nvSpPr>
+          <p:cNvPr id="3" name="Inhaltsplatzhalter 2">
+            <a:extLst>
+              <a:ext uri="{FF2B5EF4-FFF2-40B4-BE49-F238E27FC236}">
+                <a16:creationId xmlns:a16="http://schemas.microsoft.com/office/drawing/2014/main" id="{B8910CEA-C417-EDB3-77B8-E0AE80ED8376}"/>
+              </a:ext>
+            </a:extLst>
+          </p:cNvPr>
+          <p:cNvSpPr>
+            <a:spLocks noGrp="1"/>
+          </p:cNvSpPr>
+          <p:nvPr>
+            <p:ph idx="1"/>
+          </p:nvPr>
+        </p:nvSpPr>
+        <p:spPr>
+          <a:xfrm>
+            <a:off x="838200" y="1690688"/>
+            <a:ext cx="10515600" cy="4926512"/>
+          </a:xfrm>
+        </p:spPr>
+        <p:txBody>
+          <a:bodyPr>
+            <a:normAutofit fontScale="92500" lnSpcReduction="10000"/>
+          </a:bodyPr>
+          <a:lstStyle/>
+          <a:p>
+            <a:r>
+              <a:rPr lang="de-DE" dirty="0"/>
+              <a:t>Controller </a:t>
+            </a:r>
+            <a:r>
+              <a:rPr lang="de-DE" dirty="0" err="1"/>
+              <a:t>compares</a:t>
+            </a:r>
+            <a:r>
+              <a:rPr lang="de-DE" dirty="0"/>
+              <a:t> </a:t>
+            </a:r>
+            <a:r>
+              <a:rPr lang="de-DE" dirty="0" err="1"/>
+              <a:t>reference</a:t>
+            </a:r>
+            <a:r>
+              <a:rPr lang="de-DE" dirty="0"/>
+              <a:t> and </a:t>
+            </a:r>
+            <a:r>
+              <a:rPr lang="de-DE" dirty="0" err="1"/>
+              <a:t>output</a:t>
+            </a:r>
+            <a:endParaRPr lang="de-DE" dirty="0"/>
+          </a:p>
+          <a:p>
+            <a:r>
+              <a:rPr lang="de-DE" dirty="0"/>
+              <a:t>Error </a:t>
+            </a:r>
+            <a:r>
+              <a:rPr lang="de-DE" dirty="0" err="1"/>
+              <a:t>signal</a:t>
+            </a:r>
+            <a:r>
+              <a:rPr lang="de-DE" dirty="0"/>
+              <a:t> </a:t>
+            </a:r>
+            <a:r>
+              <a:rPr lang="de-DE" dirty="0" err="1"/>
+              <a:t>drives</a:t>
+            </a:r>
+            <a:r>
+              <a:rPr lang="de-DE" dirty="0"/>
+              <a:t> </a:t>
+            </a:r>
+            <a:r>
+              <a:rPr lang="de-DE" dirty="0" err="1"/>
+              <a:t>control</a:t>
+            </a:r>
+            <a:r>
+              <a:rPr lang="de-DE" dirty="0"/>
+              <a:t> </a:t>
+            </a:r>
+            <a:r>
+              <a:rPr lang="de-DE" dirty="0" err="1"/>
+              <a:t>action</a:t>
+            </a:r>
+            <a:endParaRPr lang="de-DE" dirty="0"/>
+          </a:p>
+          <a:p>
+            <a:pPr marL="0" indent="0">
+              <a:buNone/>
+            </a:pPr>
+            <a:endParaRPr lang="de-DE" dirty="0"/>
+          </a:p>
+          <a:p>
+            <a:pPr marL="0" indent="0">
+              <a:buNone/>
+            </a:pPr>
+            <a:endParaRPr lang="de-DE" dirty="0"/>
+          </a:p>
+          <a:p>
+            <a:endParaRPr lang="de-DE" dirty="0"/>
+          </a:p>
+          <a:p>
+            <a:endParaRPr lang="de-DE" dirty="0"/>
+          </a:p>
+          <a:p>
+            <a:endParaRPr lang="de-DE" dirty="0"/>
+          </a:p>
+          <a:p>
+            <a:endParaRPr lang="de-DE" dirty="0"/>
+          </a:p>
+          <a:p>
+            <a:endParaRPr lang="de-DE" dirty="0"/>
+          </a:p>
+          <a:p>
+            <a:endParaRPr lang="de-DE" dirty="0"/>
+          </a:p>
+          <a:p>
+            <a:pPr marL="0" indent="0">
+              <a:buNone/>
+            </a:pPr>
+            <a:r>
+              <a:rPr lang="de-DE" dirty="0">
+                <a:sym typeface="Wingdings" pitchFamily="2" charset="2"/>
+              </a:rPr>
+              <a:t> </a:t>
+            </a:r>
+            <a:r>
+              <a:rPr lang="de-DE" dirty="0" err="1"/>
+              <a:t>Improves</a:t>
+            </a:r>
+            <a:r>
+              <a:rPr lang="de-DE" dirty="0"/>
+              <a:t> </a:t>
+            </a:r>
+            <a:r>
+              <a:rPr lang="de-DE" dirty="0" err="1"/>
+              <a:t>accuracy</a:t>
+            </a:r>
+            <a:r>
+              <a:rPr lang="de-DE" dirty="0"/>
+              <a:t> and </a:t>
+            </a:r>
+            <a:r>
+              <a:rPr lang="de-DE" dirty="0" err="1"/>
+              <a:t>robustness</a:t>
+            </a:r>
+            <a:endParaRPr lang="de-DE" dirty="0"/>
+          </a:p>
+        </p:txBody>
+      </p:sp>
+      <p:sp>
+        <p:nvSpPr>
+          <p:cNvPr id="4" name="Foliennummernplatzhalter 3">
+            <a:extLst>
+              <a:ext uri="{FF2B5EF4-FFF2-40B4-BE49-F238E27FC236}">
+                <a16:creationId xmlns:a16="http://schemas.microsoft.com/office/drawing/2014/main" id="{DA482764-F195-9802-B5EF-0CA33B3915F1}"/>
+              </a:ext>
+            </a:extLst>
+          </p:cNvPr>
+          <p:cNvSpPr>
+            <a:spLocks noGrp="1"/>
+          </p:cNvSpPr>
+          <p:nvPr>
+            <p:ph type="sldNum" sz="quarter" idx="12"/>
+          </p:nvPr>
+        </p:nvSpPr>
+        <p:spPr/>
+        <p:txBody>
+          <a:bodyPr/>
+          <a:lstStyle/>
+          <a:p>
+            <a:fld id="{08C366F5-AFAD-49CB-854A-9D9E238FCA13}" type="slidenum">
+              <a:rPr lang="en-GB" smtClean="0"/>
+              <a:t>6</a:t>
+            </a:fld>
+            <a:endParaRPr lang="en-GB"/>
+          </a:p>
+        </p:txBody>
+      </p:sp>
       <p:pic>
         <p:nvPicPr>
-          <p:cNvPr id="4102" name="Picture 6">
-            <a:extLst>
-              <a:ext uri="{FF2B5EF4-FFF2-40B4-BE49-F238E27FC236}">
-                <a16:creationId xmlns:a16="http://schemas.microsoft.com/office/drawing/2014/main" id="{0B121C6D-6A3B-E6C4-325C-73795373A40E}"/>
+          <p:cNvPr id="1026" name="Picture 2" descr="undefined">
+            <a:extLst>
+              <a:ext uri="{FF2B5EF4-FFF2-40B4-BE49-F238E27FC236}">
+                <a16:creationId xmlns:a16="http://schemas.microsoft.com/office/drawing/2014/main" id="{03B2EE04-1262-D49F-16FA-5FFE7C7CE23B}"/>
               </a:ext>
             </a:extLst>
           </p:cNvPr>
@@ -7422,8 +7482,58 @@
         </p:blipFill>
         <p:spPr bwMode="auto">
           <a:xfrm>
-            <a:off x="838200" y="381521"/>
-            <a:ext cx="10035309" cy="6339954"/>
+            <a:off x="1186295" y="2980057"/>
+            <a:ext cx="9819409" cy="2820523"/>
+          </a:xfrm>
+          <a:prstGeom prst="rect">
+            <a:avLst/>
+          </a:prstGeom>
+          <a:noFill/>
+          <a:ln>
+            <a:noFill/>
+          </a:ln>
+          <a:extLst>
+            <a:ext uri="{909E8E84-426E-40DD-AFC4-6F175D3DCCD1}">
+              <a14:hiddenFill xmlns:a14="http://schemas.microsoft.com/office/drawing/2010/main">
+                <a:solidFill>
+                  <a:srgbClr val="FFFFFF"/>
+                </a:solidFill>
+              </a14:hiddenFill>
+            </a:ext>
+          </a:extLst>
+        </p:spPr>
+      </p:pic>
+      <p:pic>
+        <p:nvPicPr>
+          <p:cNvPr id="1030" name="Picture 6">
+            <a:extLst>
+              <a:ext uri="{FF2B5EF4-FFF2-40B4-BE49-F238E27FC236}">
+                <a16:creationId xmlns:a16="http://schemas.microsoft.com/office/drawing/2014/main" id="{728BC0FC-895C-4EFD-795C-80692263F5F8}"/>
+              </a:ext>
+            </a:extLst>
+          </p:cNvPr>
+          <p:cNvPicPr>
+            <a:picLocks noChangeAspect="1" noChangeArrowheads="1"/>
+          </p:cNvPicPr>
+          <p:nvPr/>
+        </p:nvPicPr>
+        <p:blipFill>
+          <a:blip r:embed="rId3">
+            <a:extLst>
+              <a:ext uri="{28A0092B-C50C-407E-A947-70E740481C1C}">
+                <a14:useLocalDpi xmlns:a14="http://schemas.microsoft.com/office/drawing/2010/main" val="0"/>
+              </a:ext>
+            </a:extLst>
+          </a:blip>
+          <a:srcRect/>
+          <a:stretch>
+            <a:fillRect/>
+          </a:stretch>
+        </p:blipFill>
+        <p:spPr bwMode="auto">
+          <a:xfrm>
+            <a:off x="8610600" y="240800"/>
+            <a:ext cx="3175000" cy="2120900"/>
           </a:xfrm>
           <a:prstGeom prst="rect">
             <a:avLst/>
@@ -7442,37 +7552,185 @@
       </p:pic>
       <p:sp>
         <p:nvSpPr>
-          <p:cNvPr id="4" name="Foliennummernplatzhalter 3">
-            <a:extLst>
-              <a:ext uri="{FF2B5EF4-FFF2-40B4-BE49-F238E27FC236}">
-                <a16:creationId xmlns:a16="http://schemas.microsoft.com/office/drawing/2014/main" id="{1F7247C8-F08E-D5F2-4FCB-49426E9BC5D3}"/>
-              </a:ext>
-            </a:extLst>
-          </p:cNvPr>
-          <p:cNvSpPr>
-            <a:spLocks noGrp="1"/>
-          </p:cNvSpPr>
-          <p:nvPr>
-            <p:ph type="sldNum" sz="quarter" idx="12"/>
-          </p:nvPr>
-        </p:nvSpPr>
-        <p:spPr/>
-        <p:txBody>
-          <a:bodyPr/>
-          <a:lstStyle/>
-          <a:p>
-            <a:fld id="{08C366F5-AFAD-49CB-854A-9D9E238FCA13}" type="slidenum">
-              <a:rPr lang="en-GB" smtClean="0"/>
-              <a:t>6</a:t>
-            </a:fld>
-            <a:endParaRPr lang="en-GB"/>
+          <p:cNvPr id="5" name="Textfeld 4">
+            <a:extLst>
+              <a:ext uri="{FF2B5EF4-FFF2-40B4-BE49-F238E27FC236}">
+                <a16:creationId xmlns:a16="http://schemas.microsoft.com/office/drawing/2014/main" id="{5D5A7AC4-023C-6F5F-9C9C-17702D7A0B59}"/>
+              </a:ext>
+            </a:extLst>
+          </p:cNvPr>
+          <p:cNvSpPr txBox="1"/>
+          <p:nvPr/>
+        </p:nvSpPr>
+        <p:spPr>
+          <a:xfrm>
+            <a:off x="8286198" y="2361700"/>
+            <a:ext cx="3823804" cy="369332"/>
+          </a:xfrm>
+          <a:prstGeom prst="rect">
+            <a:avLst/>
+          </a:prstGeom>
+          <a:noFill/>
+        </p:spPr>
+        <p:txBody>
+          <a:bodyPr wrap="none" rtlCol="0">
+            <a:spAutoFit/>
+          </a:bodyPr>
+          <a:lstStyle/>
+          <a:p>
+            <a:r>
+              <a:rPr lang="de-DE" dirty="0" err="1"/>
+              <a:t>maintains</a:t>
+            </a:r>
+            <a:r>
+              <a:rPr lang="de-DE" dirty="0"/>
+              <a:t> </a:t>
+            </a:r>
+            <a:r>
+              <a:rPr lang="de-DE" dirty="0" err="1"/>
+              <a:t>temperature</a:t>
+            </a:r>
+            <a:r>
+              <a:rPr lang="de-DE" dirty="0"/>
+              <a:t> </a:t>
+            </a:r>
+            <a:r>
+              <a:rPr lang="de-DE" dirty="0" err="1"/>
+              <a:t>near</a:t>
+            </a:r>
+            <a:r>
+              <a:rPr lang="de-DE" dirty="0"/>
+              <a:t> </a:t>
+            </a:r>
+            <a:r>
+              <a:rPr lang="de-DE" dirty="0" err="1"/>
+              <a:t>setpoint</a:t>
+            </a:r>
+            <a:endParaRPr lang="de-DE" dirty="0"/>
+          </a:p>
+        </p:txBody>
+      </p:sp>
+      <p:sp>
+        <p:nvSpPr>
+          <p:cNvPr id="6" name="Textfeld 5">
+            <a:extLst>
+              <a:ext uri="{FF2B5EF4-FFF2-40B4-BE49-F238E27FC236}">
+                <a16:creationId xmlns:a16="http://schemas.microsoft.com/office/drawing/2014/main" id="{0A0F47F0-558F-B76A-2E27-44D39B0AC6D5}"/>
+              </a:ext>
+            </a:extLst>
+          </p:cNvPr>
+          <p:cNvSpPr txBox="1"/>
+          <p:nvPr/>
+        </p:nvSpPr>
+        <p:spPr>
+          <a:xfrm>
+            <a:off x="8477435" y="4011523"/>
+            <a:ext cx="1154837" cy="430887"/>
+          </a:xfrm>
+          <a:prstGeom prst="rect">
+            <a:avLst/>
+          </a:prstGeom>
+          <a:solidFill>
+            <a:schemeClr val="bg1"/>
+          </a:solidFill>
+        </p:spPr>
+        <p:txBody>
+          <a:bodyPr wrap="square" rtlCol="0">
+            <a:spAutoFit/>
+          </a:bodyPr>
+          <a:lstStyle/>
+          <a:p>
+            <a:pPr algn="ctr"/>
+            <a:r>
+              <a:rPr lang="de-DE" sz="2200" dirty="0" err="1"/>
+              <a:t>Process</a:t>
+            </a:r>
+            <a:endParaRPr lang="de-DE" sz="2200" dirty="0"/>
+          </a:p>
+        </p:txBody>
+      </p:sp>
+      <p:sp>
+        <p:nvSpPr>
+          <p:cNvPr id="7" name="Textfeld 6">
+            <a:extLst>
+              <a:ext uri="{FF2B5EF4-FFF2-40B4-BE49-F238E27FC236}">
+                <a16:creationId xmlns:a16="http://schemas.microsoft.com/office/drawing/2014/main" id="{F75D69DF-C4B2-3D60-8C91-63719335CE8B}"/>
+              </a:ext>
+            </a:extLst>
+          </p:cNvPr>
+          <p:cNvSpPr txBox="1"/>
+          <p:nvPr/>
+        </p:nvSpPr>
+        <p:spPr>
+          <a:xfrm>
+            <a:off x="7322598" y="2875782"/>
+            <a:ext cx="1154837" cy="430887"/>
+          </a:xfrm>
+          <a:prstGeom prst="rect">
+            <a:avLst/>
+          </a:prstGeom>
+          <a:solidFill>
+            <a:schemeClr val="bg1"/>
+          </a:solidFill>
+        </p:spPr>
+        <p:txBody>
+          <a:bodyPr wrap="square" rtlCol="0">
+            <a:spAutoFit/>
+          </a:bodyPr>
+          <a:lstStyle/>
+          <a:p>
+            <a:pPr algn="ctr"/>
+            <a:r>
+              <a:rPr lang="de-DE" sz="2200" dirty="0" err="1"/>
+              <a:t>Process</a:t>
+            </a:r>
+            <a:endParaRPr lang="de-DE" sz="2200" dirty="0"/>
+          </a:p>
+        </p:txBody>
+      </p:sp>
+      <p:sp>
+        <p:nvSpPr>
+          <p:cNvPr id="8" name="Textfeld 7">
+            <a:extLst>
+              <a:ext uri="{FF2B5EF4-FFF2-40B4-BE49-F238E27FC236}">
+                <a16:creationId xmlns:a16="http://schemas.microsoft.com/office/drawing/2014/main" id="{3D639BA3-71C5-E0B3-D0D0-588E9592BD96}"/>
+              </a:ext>
+            </a:extLst>
+          </p:cNvPr>
+          <p:cNvSpPr txBox="1"/>
+          <p:nvPr/>
+        </p:nvSpPr>
+        <p:spPr>
+          <a:xfrm>
+            <a:off x="9982200" y="3283010"/>
+            <a:ext cx="1154837" cy="430887"/>
+          </a:xfrm>
+          <a:prstGeom prst="rect">
+            <a:avLst/>
+          </a:prstGeom>
+          <a:solidFill>
+            <a:schemeClr val="bg1"/>
+          </a:solidFill>
+        </p:spPr>
+        <p:txBody>
+          <a:bodyPr wrap="square" rtlCol="0">
+            <a:spAutoFit/>
+          </a:bodyPr>
+          <a:lstStyle/>
+          <a:p>
+            <a:pPr algn="ctr"/>
+            <a:r>
+              <a:rPr lang="de-DE" sz="2200" dirty="0" err="1"/>
+              <a:t>Process</a:t>
+            </a:r>
+            <a:endParaRPr lang="de-DE" sz="2200" dirty="0"/>
           </a:p>
         </p:txBody>
       </p:sp>
     </p:spTree>
     <p:extLst>
       <p:ext uri="{BB962C8B-B14F-4D97-AF65-F5344CB8AC3E}">
-        <p14:creationId xmlns:p14="http://schemas.microsoft.com/office/powerpoint/2010/main" val="2313886892"/>
+        <p14:creationId xmlns:p14="http://schemas.microsoft.com/office/powerpoint/2010/main" val="1869757266"/>
       </p:ext>
     </p:extLst>
   </p:cSld>
@@ -7522,7 +7780,7 @@
           <a:p>
             <a:r>
               <a:rPr lang="de-DE" dirty="0"/>
-              <a:t>Measurement, Sensors, and </a:t>
+              <a:t>Sensors and </a:t>
             </a:r>
             <a:r>
               <a:rPr lang="de-DE" dirty="0" err="1"/>
